--- a/[FastCampus] 7주차_강의자료_김경원박사.pptx
+++ b/[FastCampus] 7주차_강의자료_김경원박사.pptx
@@ -5,59 +5,43 @@
     <p:sldMasterId id="2147483648" r:id="rId1"/>
   </p:sldMasterIdLst>
   <p:notesMasterIdLst>
-    <p:notesMasterId r:id="rId41"/>
+    <p:notesMasterId r:id="rId25"/>
   </p:notesMasterIdLst>
   <p:handoutMasterIdLst>
-    <p:handoutMasterId r:id="rId42"/>
+    <p:handoutMasterId r:id="rId26"/>
   </p:handoutMasterIdLst>
   <p:sldIdLst>
     <p:sldId id="1063" r:id="rId2"/>
     <p:sldId id="1230" r:id="rId3"/>
-    <p:sldId id="1103" r:id="rId4"/>
-    <p:sldId id="1186" r:id="rId5"/>
-    <p:sldId id="1187" r:id="rId6"/>
-    <p:sldId id="1188" r:id="rId7"/>
-    <p:sldId id="1189" r:id="rId8"/>
-    <p:sldId id="1190" r:id="rId9"/>
-    <p:sldId id="1191" r:id="rId10"/>
-    <p:sldId id="1192" r:id="rId11"/>
-    <p:sldId id="1193" r:id="rId12"/>
-    <p:sldId id="1194" r:id="rId13"/>
-    <p:sldId id="1195" r:id="rId14"/>
-    <p:sldId id="1217" r:id="rId15"/>
-    <p:sldId id="1218" r:id="rId16"/>
-    <p:sldId id="1219" r:id="rId17"/>
-    <p:sldId id="1220" r:id="rId18"/>
-    <p:sldId id="1221" r:id="rId19"/>
-    <p:sldId id="1222" r:id="rId20"/>
-    <p:sldId id="1224" r:id="rId21"/>
-    <p:sldId id="1223" r:id="rId22"/>
-    <p:sldId id="1204" r:id="rId23"/>
-    <p:sldId id="1231" r:id="rId24"/>
-    <p:sldId id="1208" r:id="rId25"/>
-    <p:sldId id="1205" r:id="rId26"/>
-    <p:sldId id="1206" r:id="rId27"/>
-    <p:sldId id="1207" r:id="rId28"/>
-    <p:sldId id="1209" r:id="rId29"/>
-    <p:sldId id="1225" r:id="rId30"/>
-    <p:sldId id="1226" r:id="rId31"/>
-    <p:sldId id="1227" r:id="rId32"/>
-    <p:sldId id="1228" r:id="rId33"/>
-    <p:sldId id="1210" r:id="rId34"/>
-    <p:sldId id="1211" r:id="rId35"/>
-    <p:sldId id="1216" r:id="rId36"/>
-    <p:sldId id="1212" r:id="rId37"/>
-    <p:sldId id="1213" r:id="rId38"/>
-    <p:sldId id="1229" r:id="rId39"/>
-    <p:sldId id="1062" r:id="rId40"/>
+    <p:sldId id="1232" r:id="rId4"/>
+    <p:sldId id="1178" r:id="rId5"/>
+    <p:sldId id="1179" r:id="rId6"/>
+    <p:sldId id="1185" r:id="rId7"/>
+    <p:sldId id="1199" r:id="rId8"/>
+    <p:sldId id="1202" r:id="rId9"/>
+    <p:sldId id="1203" r:id="rId10"/>
+    <p:sldId id="1186" r:id="rId11"/>
+    <p:sldId id="1187" r:id="rId12"/>
+    <p:sldId id="1188" r:id="rId13"/>
+    <p:sldId id="1189" r:id="rId14"/>
+    <p:sldId id="1190" r:id="rId15"/>
+    <p:sldId id="1191" r:id="rId16"/>
+    <p:sldId id="1192" r:id="rId17"/>
+    <p:sldId id="1193" r:id="rId18"/>
+    <p:sldId id="1194" r:id="rId19"/>
+    <p:sldId id="1195" r:id="rId20"/>
+    <p:sldId id="1217" r:id="rId21"/>
+    <p:sldId id="1218" r:id="rId22"/>
+    <p:sldId id="1229" r:id="rId23"/>
+    <p:sldId id="1062" r:id="rId24"/>
   </p:sldIdLst>
   <p:sldSz cx="12160250" cy="6840538"/>
   <p:notesSz cx="9874250" cy="6797675"/>
   <p:embeddedFontLst>
     <p:embeddedFont>
       <p:font typeface="맑은 고딕" panose="020B0503020000020004" pitchFamily="50" charset="-127"/>
-      <p:regular r:id="rId43"/>
-      <p:bold r:id="rId44"/>
+      <p:regular r:id="rId27"/>
+      <p:bold r:id="rId28"/>
     </p:embeddedFont>
   </p:embeddedFontLst>
   <p:defaultTextStyle>
@@ -270,7 +254,7 @@
           <a:p>
             <a:fld id="{FC718EE8-BF93-4A17-BED5-FC99EECA5FC7}" type="datetimeFigureOut">
               <a:rPr lang="ko-KR" altLang="en-US" smtClean="0"/>
-              <a:t>2020-01-04</a:t>
+              <a:t>2020-06-08</a:t>
             </a:fld>
             <a:endParaRPr lang="ko-KR" altLang="en-US"/>
           </a:p>
@@ -435,7 +419,7 @@
           <a:p>
             <a:fld id="{6101F873-BA02-446B-9127-C4DE4310B943}" type="datetimeFigureOut">
               <a:rPr lang="ko-KR" altLang="en-US" smtClean="0"/>
-              <a:t>2020-01-04</a:t>
+              <a:t>2020-06-08</a:t>
             </a:fld>
             <a:endParaRPr lang="ko-KR" altLang="en-US"/>
           </a:p>
@@ -1025,7 +1009,7 @@
           <a:p>
             <a:fld id="{89B5E594-86C5-4F1D-8812-38DF40064943}" type="datetime1">
               <a:rPr lang="ko-KR" altLang="en-US" smtClean="0"/>
-              <a:t>2020-01-04</a:t>
+              <a:t>2020-06-08</a:t>
             </a:fld>
             <a:endParaRPr lang="ko-KR" altLang="en-US"/>
           </a:p>
@@ -1233,7 +1217,7 @@
           <a:p>
             <a:fld id="{05C0B17C-522D-4CD8-8139-01EDEBAB2AF6}" type="datetime1">
               <a:rPr lang="ko-KR" altLang="en-US" smtClean="0"/>
-              <a:t>2020-01-04</a:t>
+              <a:t>2020-06-08</a:t>
             </a:fld>
             <a:endParaRPr lang="ko-KR" altLang="en-US"/>
           </a:p>
@@ -1411,7 +1395,7 @@
           <a:p>
             <a:fld id="{7345261C-38F3-40E7-AAA6-CE27B727AA65}" type="datetime1">
               <a:rPr lang="ko-KR" altLang="en-US" smtClean="0"/>
-              <a:t>2020-01-04</a:t>
+              <a:t>2020-06-08</a:t>
             </a:fld>
             <a:endParaRPr lang="ko-KR" altLang="en-US"/>
           </a:p>
@@ -1579,7 +1563,7 @@
           <a:p>
             <a:fld id="{A8472951-AD8C-47B8-8787-30E2F4BFA1EA}" type="datetime1">
               <a:rPr lang="ko-KR" altLang="en-US" smtClean="0"/>
-              <a:t>2020-01-04</a:t>
+              <a:t>2020-06-08</a:t>
             </a:fld>
             <a:endParaRPr lang="ko-KR" altLang="en-US"/>
           </a:p>
@@ -1834,7 +1818,7 @@
           <a:p>
             <a:fld id="{8BCB1BBF-13D1-46E6-8B8B-C9F26A0BAD91}" type="datetime1">
               <a:rPr lang="ko-KR" altLang="en-US" smtClean="0"/>
-              <a:t>2020-01-04</a:t>
+              <a:t>2020-06-08</a:t>
             </a:fld>
             <a:endParaRPr lang="ko-KR" altLang="en-US"/>
           </a:p>
@@ -2119,7 +2103,7 @@
           <a:p>
             <a:fld id="{B16FDC3D-FD6A-49DF-B101-11717D57279F}" type="datetime1">
               <a:rPr lang="ko-KR" altLang="en-US" smtClean="0"/>
-              <a:t>2020-01-04</a:t>
+              <a:t>2020-06-08</a:t>
             </a:fld>
             <a:endParaRPr lang="ko-KR" altLang="en-US"/>
           </a:p>
@@ -2538,7 +2522,7 @@
           <a:p>
             <a:fld id="{42D411A2-FD90-4A19-98A8-25197A66BC26}" type="datetime1">
               <a:rPr lang="ko-KR" altLang="en-US" smtClean="0"/>
-              <a:t>2020-01-04</a:t>
+              <a:t>2020-06-08</a:t>
             </a:fld>
             <a:endParaRPr lang="ko-KR" altLang="en-US"/>
           </a:p>
@@ -2655,7 +2639,7 @@
           <a:p>
             <a:fld id="{F6E6B532-6471-449A-9A2F-4428556C2F98}" type="datetime1">
               <a:rPr lang="ko-KR" altLang="en-US" smtClean="0"/>
-              <a:t>2020-01-04</a:t>
+              <a:t>2020-06-08</a:t>
             </a:fld>
             <a:endParaRPr lang="ko-KR" altLang="en-US"/>
           </a:p>
@@ -2750,7 +2734,7 @@
           <a:p>
             <a:fld id="{45A9E13B-856D-4562-A86D-A2B6F7BF810F}" type="datetime1">
               <a:rPr lang="ko-KR" altLang="en-US" smtClean="0"/>
-              <a:t>2020-01-04</a:t>
+              <a:t>2020-06-08</a:t>
             </a:fld>
             <a:endParaRPr lang="ko-KR" altLang="en-US"/>
           </a:p>
@@ -3025,7 +3009,7 @@
           <a:p>
             <a:fld id="{A672FB3A-7E9E-4380-9381-6FCA87FBB41A}" type="datetime1">
               <a:rPr lang="ko-KR" altLang="en-US" smtClean="0"/>
-              <a:t>2020-01-04</a:t>
+              <a:t>2020-06-08</a:t>
             </a:fld>
             <a:endParaRPr lang="ko-KR" altLang="en-US"/>
           </a:p>
@@ -3277,7 +3261,7 @@
           <a:p>
             <a:fld id="{3948CCBA-1514-4E9E-888A-807450F810B0}" type="datetime1">
               <a:rPr lang="ko-KR" altLang="en-US" smtClean="0"/>
-              <a:t>2020-01-04</a:t>
+              <a:t>2020-06-08</a:t>
             </a:fld>
             <a:endParaRPr lang="ko-KR" altLang="en-US"/>
           </a:p>
@@ -3490,7 +3474,7 @@
           <a:p>
             <a:fld id="{170EDEE7-370E-499F-B978-ABF387098974}" type="datetime1">
               <a:rPr lang="ko-KR" altLang="en-US" smtClean="0"/>
-              <a:t>2020-01-04</a:t>
+              <a:t>2020-06-08</a:t>
             </a:fld>
             <a:endParaRPr lang="ko-KR" altLang="en-US" dirty="0"/>
           </a:p>
@@ -4120,6 +4104,870 @@
         </p:spPr>
         <p:txBody>
           <a:bodyPr>
+            <a:normAutofit/>
+          </a:bodyPr>
+          <a:lstStyle/>
+          <a:p>
+            <a:pPr algn="l"/>
+            <a:r>
+              <a:rPr lang="en-US" altLang="ko-KR" sz="4400" dirty="0">
+                <a:solidFill>
+                  <a:schemeClr val="tx1">
+                    <a:lumMod val="75000"/>
+                    <a:lumOff val="25000"/>
+                  </a:schemeClr>
+                </a:solidFill>
+                <a:latin typeface="Noto Sans CJK KR Black" pitchFamily="34" charset="-127"/>
+                <a:ea typeface="Noto Sans CJK KR Black" pitchFamily="34" charset="-127"/>
+              </a:rPr>
+              <a:t>2. </a:t>
+            </a:r>
+            <a:r>
+              <a:rPr lang="ko-KR" altLang="en-US" sz="4400" dirty="0">
+                <a:solidFill>
+                  <a:schemeClr val="tx1">
+                    <a:lumMod val="75000"/>
+                    <a:lumOff val="25000"/>
+                  </a:schemeClr>
+                </a:solidFill>
+                <a:latin typeface="Noto Sans CJK KR Black" pitchFamily="34" charset="-127"/>
+                <a:ea typeface="Noto Sans CJK KR Black" pitchFamily="34" charset="-127"/>
+              </a:rPr>
+              <a:t>시계열 알고리즘</a:t>
+            </a:r>
+            <a:endParaRPr lang="ko-KR" altLang="en-US" sz="4400" dirty="0">
+              <a:solidFill>
+                <a:schemeClr val="tx1">
+                  <a:lumMod val="75000"/>
+                  <a:lumOff val="25000"/>
+                </a:schemeClr>
+              </a:solidFill>
+            </a:endParaRPr>
+          </a:p>
+        </p:txBody>
+      </p:sp>
+      <p:sp>
+        <p:nvSpPr>
+          <p:cNvPr id="3" name="슬라이드 번호 개체 틀 2"/>
+          <p:cNvSpPr>
+            <a:spLocks noGrp="1"/>
+          </p:cNvSpPr>
+          <p:nvPr>
+            <p:ph type="sldNum" sz="quarter" idx="12"/>
+          </p:nvPr>
+        </p:nvSpPr>
+        <p:spPr/>
+        <p:txBody>
+          <a:bodyPr/>
+          <a:lstStyle/>
+          <a:p>
+            <a:fld id="{6DDAE2C3-1A0B-474A-8CE8-AE55B8D9D4B1}" type="slidenum">
+              <a:rPr lang="ko-KR" altLang="en-US" smtClean="0"/>
+              <a:pPr/>
+              <a:t>10</a:t>
+            </a:fld>
+            <a:endParaRPr lang="ko-KR" altLang="en-US" dirty="0"/>
+          </a:p>
+        </p:txBody>
+      </p:sp>
+      <p:pic>
+        <p:nvPicPr>
+          <p:cNvPr id="2" name="그림 1">
+            <a:extLst>
+              <a:ext uri="{FF2B5EF4-FFF2-40B4-BE49-F238E27FC236}">
+                <a16:creationId xmlns:a16="http://schemas.microsoft.com/office/drawing/2014/main" id="{778EFBE4-DF26-4A50-9CB0-4C17EBE5C470}"/>
+              </a:ext>
+            </a:extLst>
+          </p:cNvPr>
+          <p:cNvPicPr>
+            <a:picLocks noChangeAspect="1"/>
+          </p:cNvPicPr>
+          <p:nvPr/>
+        </p:nvPicPr>
+        <p:blipFill>
+          <a:blip r:embed="rId2"/>
+          <a:stretch>
+            <a:fillRect/>
+          </a:stretch>
+        </p:blipFill>
+        <p:spPr>
+          <a:xfrm>
+            <a:off x="2851150" y="2268141"/>
+            <a:ext cx="6457950" cy="3200400"/>
+          </a:xfrm>
+          <a:prstGeom prst="rect">
+            <a:avLst/>
+          </a:prstGeom>
+        </p:spPr>
+      </p:pic>
+    </p:spTree>
+    <p:extLst>
+      <p:ext uri="{BB962C8B-B14F-4D97-AF65-F5344CB8AC3E}">
+        <p14:creationId xmlns:p14="http://schemas.microsoft.com/office/powerpoint/2010/main" val="1225610205"/>
+      </p:ext>
+    </p:extLst>
+  </p:cSld>
+  <p:clrMapOvr>
+    <a:masterClrMapping/>
+  </p:clrMapOvr>
+</p:sld>
+</file>
+
+<file path=ppt/slides/slide11.xml><?xml version="1.0" encoding="utf-8"?>
+<p:sld xmlns:a="http://schemas.openxmlformats.org/drawingml/2006/main" xmlns:r="http://schemas.openxmlformats.org/officeDocument/2006/relationships" xmlns:p="http://schemas.openxmlformats.org/presentationml/2006/main">
+  <p:cSld>
+    <p:spTree>
+      <p:nvGrpSpPr>
+        <p:cNvPr id="1" name=""/>
+        <p:cNvGrpSpPr/>
+        <p:nvPr/>
+      </p:nvGrpSpPr>
+      <p:grpSpPr>
+        <a:xfrm>
+          <a:off x="0" y="0"/>
+          <a:ext cx="0" cy="0"/>
+          <a:chOff x="0" y="0"/>
+          <a:chExt cx="0" cy="0"/>
+        </a:xfrm>
+      </p:grpSpPr>
+      <p:sp>
+        <p:nvSpPr>
+          <p:cNvPr id="5" name="제목 4"/>
+          <p:cNvSpPr>
+            <a:spLocks noGrp="1"/>
+          </p:cNvSpPr>
+          <p:nvPr>
+            <p:ph type="title"/>
+          </p:nvPr>
+        </p:nvSpPr>
+        <p:spPr>
+          <a:xfrm>
+            <a:off x="608016" y="551987"/>
+            <a:ext cx="10944225" cy="1140090"/>
+          </a:xfrm>
+        </p:spPr>
+        <p:txBody>
+          <a:bodyPr>
+            <a:normAutofit/>
+          </a:bodyPr>
+          <a:lstStyle/>
+          <a:p>
+            <a:pPr algn="l"/>
+            <a:r>
+              <a:rPr lang="en-US" altLang="ko-KR" sz="4400" dirty="0">
+                <a:solidFill>
+                  <a:schemeClr val="tx1">
+                    <a:lumMod val="75000"/>
+                    <a:lumOff val="25000"/>
+                  </a:schemeClr>
+                </a:solidFill>
+                <a:latin typeface="Noto Sans CJK KR Black" pitchFamily="34" charset="-127"/>
+                <a:ea typeface="Noto Sans CJK KR Black" pitchFamily="34" charset="-127"/>
+              </a:rPr>
+              <a:t>2. </a:t>
+            </a:r>
+            <a:r>
+              <a:rPr lang="ko-KR" altLang="en-US" sz="4400" dirty="0">
+                <a:solidFill>
+                  <a:schemeClr val="tx1">
+                    <a:lumMod val="75000"/>
+                    <a:lumOff val="25000"/>
+                  </a:schemeClr>
+                </a:solidFill>
+                <a:latin typeface="Noto Sans CJK KR Black" pitchFamily="34" charset="-127"/>
+                <a:ea typeface="Noto Sans CJK KR Black" pitchFamily="34" charset="-127"/>
+              </a:rPr>
+              <a:t>시계열 알고리즘</a:t>
+            </a:r>
+            <a:endParaRPr lang="ko-KR" altLang="en-US" sz="4400" dirty="0">
+              <a:solidFill>
+                <a:schemeClr val="tx1">
+                  <a:lumMod val="75000"/>
+                  <a:lumOff val="25000"/>
+                </a:schemeClr>
+              </a:solidFill>
+            </a:endParaRPr>
+          </a:p>
+        </p:txBody>
+      </p:sp>
+      <p:sp>
+        <p:nvSpPr>
+          <p:cNvPr id="3" name="슬라이드 번호 개체 틀 2"/>
+          <p:cNvSpPr>
+            <a:spLocks noGrp="1"/>
+          </p:cNvSpPr>
+          <p:nvPr>
+            <p:ph type="sldNum" sz="quarter" idx="12"/>
+          </p:nvPr>
+        </p:nvSpPr>
+        <p:spPr/>
+        <p:txBody>
+          <a:bodyPr/>
+          <a:lstStyle/>
+          <a:p>
+            <a:fld id="{6DDAE2C3-1A0B-474A-8CE8-AE55B8D9D4B1}" type="slidenum">
+              <a:rPr lang="ko-KR" altLang="en-US" smtClean="0"/>
+              <a:pPr/>
+              <a:t>11</a:t>
+            </a:fld>
+            <a:endParaRPr lang="ko-KR" altLang="en-US" dirty="0"/>
+          </a:p>
+        </p:txBody>
+      </p:sp>
+      <p:pic>
+        <p:nvPicPr>
+          <p:cNvPr id="2" name="그림 1">
+            <a:extLst>
+              <a:ext uri="{FF2B5EF4-FFF2-40B4-BE49-F238E27FC236}">
+                <a16:creationId xmlns:a16="http://schemas.microsoft.com/office/drawing/2014/main" id="{778CF021-89D3-4555-AF93-29EF819B59BA}"/>
+              </a:ext>
+            </a:extLst>
+          </p:cNvPr>
+          <p:cNvPicPr>
+            <a:picLocks noChangeAspect="1"/>
+          </p:cNvPicPr>
+          <p:nvPr/>
+        </p:nvPicPr>
+        <p:blipFill>
+          <a:blip r:embed="rId2"/>
+          <a:stretch>
+            <a:fillRect/>
+          </a:stretch>
+        </p:blipFill>
+        <p:spPr>
+          <a:xfrm>
+            <a:off x="5432053" y="0"/>
+            <a:ext cx="6016377" cy="6840538"/>
+          </a:xfrm>
+          <a:prstGeom prst="rect">
+            <a:avLst/>
+          </a:prstGeom>
+        </p:spPr>
+      </p:pic>
+    </p:spTree>
+    <p:extLst>
+      <p:ext uri="{BB962C8B-B14F-4D97-AF65-F5344CB8AC3E}">
+        <p14:creationId xmlns:p14="http://schemas.microsoft.com/office/powerpoint/2010/main" val="3907102650"/>
+      </p:ext>
+    </p:extLst>
+  </p:cSld>
+  <p:clrMapOvr>
+    <a:masterClrMapping/>
+  </p:clrMapOvr>
+</p:sld>
+</file>
+
+<file path=ppt/slides/slide12.xml><?xml version="1.0" encoding="utf-8"?>
+<p:sld xmlns:a="http://schemas.openxmlformats.org/drawingml/2006/main" xmlns:r="http://schemas.openxmlformats.org/officeDocument/2006/relationships" xmlns:p="http://schemas.openxmlformats.org/presentationml/2006/main">
+  <p:cSld>
+    <p:spTree>
+      <p:nvGrpSpPr>
+        <p:cNvPr id="1" name=""/>
+        <p:cNvGrpSpPr/>
+        <p:nvPr/>
+      </p:nvGrpSpPr>
+      <p:grpSpPr>
+        <a:xfrm>
+          <a:off x="0" y="0"/>
+          <a:ext cx="0" cy="0"/>
+          <a:chOff x="0" y="0"/>
+          <a:chExt cx="0" cy="0"/>
+        </a:xfrm>
+      </p:grpSpPr>
+      <p:sp>
+        <p:nvSpPr>
+          <p:cNvPr id="5" name="제목 4"/>
+          <p:cNvSpPr>
+            <a:spLocks noGrp="1"/>
+          </p:cNvSpPr>
+          <p:nvPr>
+            <p:ph type="title"/>
+          </p:nvPr>
+        </p:nvSpPr>
+        <p:spPr>
+          <a:xfrm>
+            <a:off x="608016" y="551987"/>
+            <a:ext cx="10944225" cy="1140090"/>
+          </a:xfrm>
+        </p:spPr>
+        <p:txBody>
+          <a:bodyPr>
+            <a:normAutofit/>
+          </a:bodyPr>
+          <a:lstStyle/>
+          <a:p>
+            <a:pPr algn="l"/>
+            <a:r>
+              <a:rPr lang="en-US" altLang="ko-KR" sz="4400" dirty="0">
+                <a:solidFill>
+                  <a:schemeClr val="tx1">
+                    <a:lumMod val="75000"/>
+                    <a:lumOff val="25000"/>
+                  </a:schemeClr>
+                </a:solidFill>
+                <a:latin typeface="Noto Sans CJK KR Black" pitchFamily="34" charset="-127"/>
+                <a:ea typeface="Noto Sans CJK KR Black" pitchFamily="34" charset="-127"/>
+              </a:rPr>
+              <a:t>2. </a:t>
+            </a:r>
+            <a:r>
+              <a:rPr lang="ko-KR" altLang="en-US" sz="4400" dirty="0">
+                <a:solidFill>
+                  <a:schemeClr val="tx1">
+                    <a:lumMod val="75000"/>
+                    <a:lumOff val="25000"/>
+                  </a:schemeClr>
+                </a:solidFill>
+                <a:latin typeface="Noto Sans CJK KR Black" pitchFamily="34" charset="-127"/>
+                <a:ea typeface="Noto Sans CJK KR Black" pitchFamily="34" charset="-127"/>
+              </a:rPr>
+              <a:t>시계열 알고리즘</a:t>
+            </a:r>
+            <a:endParaRPr lang="ko-KR" altLang="en-US" sz="4400" dirty="0">
+              <a:solidFill>
+                <a:schemeClr val="tx1">
+                  <a:lumMod val="75000"/>
+                  <a:lumOff val="25000"/>
+                </a:schemeClr>
+              </a:solidFill>
+            </a:endParaRPr>
+          </a:p>
+        </p:txBody>
+      </p:sp>
+      <p:sp>
+        <p:nvSpPr>
+          <p:cNvPr id="3" name="슬라이드 번호 개체 틀 2"/>
+          <p:cNvSpPr>
+            <a:spLocks noGrp="1"/>
+          </p:cNvSpPr>
+          <p:nvPr>
+            <p:ph type="sldNum" sz="quarter" idx="12"/>
+          </p:nvPr>
+        </p:nvSpPr>
+        <p:spPr/>
+        <p:txBody>
+          <a:bodyPr/>
+          <a:lstStyle/>
+          <a:p>
+            <a:fld id="{6DDAE2C3-1A0B-474A-8CE8-AE55B8D9D4B1}" type="slidenum">
+              <a:rPr lang="ko-KR" altLang="en-US" smtClean="0"/>
+              <a:pPr/>
+              <a:t>12</a:t>
+            </a:fld>
+            <a:endParaRPr lang="ko-KR" altLang="en-US" dirty="0"/>
+          </a:p>
+        </p:txBody>
+      </p:sp>
+      <p:pic>
+        <p:nvPicPr>
+          <p:cNvPr id="2" name="그림 1">
+            <a:extLst>
+              <a:ext uri="{FF2B5EF4-FFF2-40B4-BE49-F238E27FC236}">
+                <a16:creationId xmlns:a16="http://schemas.microsoft.com/office/drawing/2014/main" id="{0B17A6A7-F5A2-4D11-AB36-B6381C62B4BD}"/>
+              </a:ext>
+            </a:extLst>
+          </p:cNvPr>
+          <p:cNvPicPr>
+            <a:picLocks noChangeAspect="1"/>
+          </p:cNvPicPr>
+          <p:nvPr/>
+        </p:nvPicPr>
+        <p:blipFill>
+          <a:blip r:embed="rId2"/>
+          <a:stretch>
+            <a:fillRect/>
+          </a:stretch>
+        </p:blipFill>
+        <p:spPr>
+          <a:xfrm>
+            <a:off x="1770062" y="2124125"/>
+            <a:ext cx="8620125" cy="3057525"/>
+          </a:xfrm>
+          <a:prstGeom prst="rect">
+            <a:avLst/>
+          </a:prstGeom>
+        </p:spPr>
+      </p:pic>
+    </p:spTree>
+    <p:extLst>
+      <p:ext uri="{BB962C8B-B14F-4D97-AF65-F5344CB8AC3E}">
+        <p14:creationId xmlns:p14="http://schemas.microsoft.com/office/powerpoint/2010/main" val="1011326395"/>
+      </p:ext>
+    </p:extLst>
+  </p:cSld>
+  <p:clrMapOvr>
+    <a:masterClrMapping/>
+  </p:clrMapOvr>
+</p:sld>
+</file>
+
+<file path=ppt/slides/slide13.xml><?xml version="1.0" encoding="utf-8"?>
+<p:sld xmlns:a="http://schemas.openxmlformats.org/drawingml/2006/main" xmlns:r="http://schemas.openxmlformats.org/officeDocument/2006/relationships" xmlns:p="http://schemas.openxmlformats.org/presentationml/2006/main">
+  <p:cSld>
+    <p:spTree>
+      <p:nvGrpSpPr>
+        <p:cNvPr id="1" name=""/>
+        <p:cNvGrpSpPr/>
+        <p:nvPr/>
+      </p:nvGrpSpPr>
+      <p:grpSpPr>
+        <a:xfrm>
+          <a:off x="0" y="0"/>
+          <a:ext cx="0" cy="0"/>
+          <a:chOff x="0" y="0"/>
+          <a:chExt cx="0" cy="0"/>
+        </a:xfrm>
+      </p:grpSpPr>
+      <p:sp>
+        <p:nvSpPr>
+          <p:cNvPr id="5" name="제목 4"/>
+          <p:cNvSpPr>
+            <a:spLocks noGrp="1"/>
+          </p:cNvSpPr>
+          <p:nvPr>
+            <p:ph type="title"/>
+          </p:nvPr>
+        </p:nvSpPr>
+        <p:spPr>
+          <a:xfrm>
+            <a:off x="608016" y="551987"/>
+            <a:ext cx="10944225" cy="1140090"/>
+          </a:xfrm>
+        </p:spPr>
+        <p:txBody>
+          <a:bodyPr>
+            <a:normAutofit/>
+          </a:bodyPr>
+          <a:lstStyle/>
+          <a:p>
+            <a:pPr algn="l"/>
+            <a:r>
+              <a:rPr lang="en-US" altLang="ko-KR" sz="4400" dirty="0">
+                <a:solidFill>
+                  <a:schemeClr val="tx1">
+                    <a:lumMod val="75000"/>
+                    <a:lumOff val="25000"/>
+                  </a:schemeClr>
+                </a:solidFill>
+                <a:latin typeface="Noto Sans CJK KR Black" pitchFamily="34" charset="-127"/>
+                <a:ea typeface="Noto Sans CJK KR Black" pitchFamily="34" charset="-127"/>
+              </a:rPr>
+              <a:t>2. </a:t>
+            </a:r>
+            <a:r>
+              <a:rPr lang="ko-KR" altLang="en-US" sz="4400" dirty="0">
+                <a:solidFill>
+                  <a:schemeClr val="tx1">
+                    <a:lumMod val="75000"/>
+                    <a:lumOff val="25000"/>
+                  </a:schemeClr>
+                </a:solidFill>
+                <a:latin typeface="Noto Sans CJK KR Black" pitchFamily="34" charset="-127"/>
+                <a:ea typeface="Noto Sans CJK KR Black" pitchFamily="34" charset="-127"/>
+              </a:rPr>
+              <a:t>시계열 알고리즘</a:t>
+            </a:r>
+            <a:endParaRPr lang="ko-KR" altLang="en-US" sz="4400" dirty="0">
+              <a:solidFill>
+                <a:schemeClr val="tx1">
+                  <a:lumMod val="75000"/>
+                  <a:lumOff val="25000"/>
+                </a:schemeClr>
+              </a:solidFill>
+            </a:endParaRPr>
+          </a:p>
+        </p:txBody>
+      </p:sp>
+      <p:sp>
+        <p:nvSpPr>
+          <p:cNvPr id="3" name="슬라이드 번호 개체 틀 2"/>
+          <p:cNvSpPr>
+            <a:spLocks noGrp="1"/>
+          </p:cNvSpPr>
+          <p:nvPr>
+            <p:ph type="sldNum" sz="quarter" idx="12"/>
+          </p:nvPr>
+        </p:nvSpPr>
+        <p:spPr/>
+        <p:txBody>
+          <a:bodyPr/>
+          <a:lstStyle/>
+          <a:p>
+            <a:fld id="{6DDAE2C3-1A0B-474A-8CE8-AE55B8D9D4B1}" type="slidenum">
+              <a:rPr lang="ko-KR" altLang="en-US" smtClean="0"/>
+              <a:pPr/>
+              <a:t>13</a:t>
+            </a:fld>
+            <a:endParaRPr lang="ko-KR" altLang="en-US" dirty="0"/>
+          </a:p>
+        </p:txBody>
+      </p:sp>
+      <p:pic>
+        <p:nvPicPr>
+          <p:cNvPr id="2" name="그림 1">
+            <a:extLst>
+              <a:ext uri="{FF2B5EF4-FFF2-40B4-BE49-F238E27FC236}">
+                <a16:creationId xmlns:a16="http://schemas.microsoft.com/office/drawing/2014/main" id="{B57389A3-63EE-4929-B9B6-E663C7A546A2}"/>
+              </a:ext>
+            </a:extLst>
+          </p:cNvPr>
+          <p:cNvPicPr>
+            <a:picLocks noChangeAspect="1"/>
+          </p:cNvPicPr>
+          <p:nvPr/>
+        </p:nvPicPr>
+        <p:blipFill>
+          <a:blip r:embed="rId2"/>
+          <a:stretch>
+            <a:fillRect/>
+          </a:stretch>
+        </p:blipFill>
+        <p:spPr>
+          <a:xfrm>
+            <a:off x="2065337" y="1836093"/>
+            <a:ext cx="8029575" cy="4076700"/>
+          </a:xfrm>
+          <a:prstGeom prst="rect">
+            <a:avLst/>
+          </a:prstGeom>
+        </p:spPr>
+      </p:pic>
+    </p:spTree>
+    <p:extLst>
+      <p:ext uri="{BB962C8B-B14F-4D97-AF65-F5344CB8AC3E}">
+        <p14:creationId xmlns:p14="http://schemas.microsoft.com/office/powerpoint/2010/main" val="769741380"/>
+      </p:ext>
+    </p:extLst>
+  </p:cSld>
+  <p:clrMapOvr>
+    <a:masterClrMapping/>
+  </p:clrMapOvr>
+</p:sld>
+</file>
+
+<file path=ppt/slides/slide14.xml><?xml version="1.0" encoding="utf-8"?>
+<p:sld xmlns:a="http://schemas.openxmlformats.org/drawingml/2006/main" xmlns:r="http://schemas.openxmlformats.org/officeDocument/2006/relationships" xmlns:p="http://schemas.openxmlformats.org/presentationml/2006/main">
+  <p:cSld>
+    <p:spTree>
+      <p:nvGrpSpPr>
+        <p:cNvPr id="1" name=""/>
+        <p:cNvGrpSpPr/>
+        <p:nvPr/>
+      </p:nvGrpSpPr>
+      <p:grpSpPr>
+        <a:xfrm>
+          <a:off x="0" y="0"/>
+          <a:ext cx="0" cy="0"/>
+          <a:chOff x="0" y="0"/>
+          <a:chExt cx="0" cy="0"/>
+        </a:xfrm>
+      </p:grpSpPr>
+      <p:sp>
+        <p:nvSpPr>
+          <p:cNvPr id="5" name="제목 4"/>
+          <p:cNvSpPr>
+            <a:spLocks noGrp="1"/>
+          </p:cNvSpPr>
+          <p:nvPr>
+            <p:ph type="title"/>
+          </p:nvPr>
+        </p:nvSpPr>
+        <p:spPr>
+          <a:xfrm>
+            <a:off x="608016" y="551987"/>
+            <a:ext cx="10944225" cy="1140090"/>
+          </a:xfrm>
+        </p:spPr>
+        <p:txBody>
+          <a:bodyPr>
+            <a:normAutofit/>
+          </a:bodyPr>
+          <a:lstStyle/>
+          <a:p>
+            <a:pPr algn="l"/>
+            <a:r>
+              <a:rPr lang="en-US" altLang="ko-KR" sz="4400" dirty="0">
+                <a:solidFill>
+                  <a:schemeClr val="tx1">
+                    <a:lumMod val="75000"/>
+                    <a:lumOff val="25000"/>
+                  </a:schemeClr>
+                </a:solidFill>
+                <a:latin typeface="Noto Sans CJK KR Black" pitchFamily="34" charset="-127"/>
+                <a:ea typeface="Noto Sans CJK KR Black" pitchFamily="34" charset="-127"/>
+              </a:rPr>
+              <a:t>2. </a:t>
+            </a:r>
+            <a:r>
+              <a:rPr lang="ko-KR" altLang="en-US" sz="4400" dirty="0">
+                <a:solidFill>
+                  <a:schemeClr val="tx1">
+                    <a:lumMod val="75000"/>
+                    <a:lumOff val="25000"/>
+                  </a:schemeClr>
+                </a:solidFill>
+                <a:latin typeface="Noto Sans CJK KR Black" pitchFamily="34" charset="-127"/>
+                <a:ea typeface="Noto Sans CJK KR Black" pitchFamily="34" charset="-127"/>
+              </a:rPr>
+              <a:t>시계열 알고리즘</a:t>
+            </a:r>
+            <a:endParaRPr lang="ko-KR" altLang="en-US" sz="4400" dirty="0">
+              <a:solidFill>
+                <a:schemeClr val="tx1">
+                  <a:lumMod val="75000"/>
+                  <a:lumOff val="25000"/>
+                </a:schemeClr>
+              </a:solidFill>
+            </a:endParaRPr>
+          </a:p>
+        </p:txBody>
+      </p:sp>
+      <p:sp>
+        <p:nvSpPr>
+          <p:cNvPr id="3" name="슬라이드 번호 개체 틀 2"/>
+          <p:cNvSpPr>
+            <a:spLocks noGrp="1"/>
+          </p:cNvSpPr>
+          <p:nvPr>
+            <p:ph type="sldNum" sz="quarter" idx="12"/>
+          </p:nvPr>
+        </p:nvSpPr>
+        <p:spPr/>
+        <p:txBody>
+          <a:bodyPr/>
+          <a:lstStyle/>
+          <a:p>
+            <a:fld id="{6DDAE2C3-1A0B-474A-8CE8-AE55B8D9D4B1}" type="slidenum">
+              <a:rPr lang="ko-KR" altLang="en-US" smtClean="0"/>
+              <a:pPr/>
+              <a:t>14</a:t>
+            </a:fld>
+            <a:endParaRPr lang="ko-KR" altLang="en-US" dirty="0"/>
+          </a:p>
+        </p:txBody>
+      </p:sp>
+      <p:pic>
+        <p:nvPicPr>
+          <p:cNvPr id="2" name="그림 1">
+            <a:extLst>
+              <a:ext uri="{FF2B5EF4-FFF2-40B4-BE49-F238E27FC236}">
+                <a16:creationId xmlns:a16="http://schemas.microsoft.com/office/drawing/2014/main" id="{CA0803DC-6CE7-4A33-AAEC-56C3FCEF02B9}"/>
+              </a:ext>
+            </a:extLst>
+          </p:cNvPr>
+          <p:cNvPicPr>
+            <a:picLocks noChangeAspect="1"/>
+          </p:cNvPicPr>
+          <p:nvPr/>
+        </p:nvPicPr>
+        <p:blipFill>
+          <a:blip r:embed="rId2"/>
+          <a:stretch>
+            <a:fillRect/>
+          </a:stretch>
+        </p:blipFill>
+        <p:spPr>
+          <a:xfrm>
+            <a:off x="1951037" y="1665478"/>
+            <a:ext cx="8258175" cy="5076825"/>
+          </a:xfrm>
+          <a:prstGeom prst="rect">
+            <a:avLst/>
+          </a:prstGeom>
+        </p:spPr>
+      </p:pic>
+    </p:spTree>
+    <p:extLst>
+      <p:ext uri="{BB962C8B-B14F-4D97-AF65-F5344CB8AC3E}">
+        <p14:creationId xmlns:p14="http://schemas.microsoft.com/office/powerpoint/2010/main" val="2527531930"/>
+      </p:ext>
+    </p:extLst>
+  </p:cSld>
+  <p:clrMapOvr>
+    <a:masterClrMapping/>
+  </p:clrMapOvr>
+</p:sld>
+</file>
+
+<file path=ppt/slides/slide15.xml><?xml version="1.0" encoding="utf-8"?>
+<p:sld xmlns:a="http://schemas.openxmlformats.org/drawingml/2006/main" xmlns:r="http://schemas.openxmlformats.org/officeDocument/2006/relationships" xmlns:p="http://schemas.openxmlformats.org/presentationml/2006/main">
+  <p:cSld>
+    <p:spTree>
+      <p:nvGrpSpPr>
+        <p:cNvPr id="1" name=""/>
+        <p:cNvGrpSpPr/>
+        <p:nvPr/>
+      </p:nvGrpSpPr>
+      <p:grpSpPr>
+        <a:xfrm>
+          <a:off x="0" y="0"/>
+          <a:ext cx="0" cy="0"/>
+          <a:chOff x="0" y="0"/>
+          <a:chExt cx="0" cy="0"/>
+        </a:xfrm>
+      </p:grpSpPr>
+      <p:sp>
+        <p:nvSpPr>
+          <p:cNvPr id="5" name="제목 4"/>
+          <p:cNvSpPr>
+            <a:spLocks noGrp="1"/>
+          </p:cNvSpPr>
+          <p:nvPr>
+            <p:ph type="title"/>
+          </p:nvPr>
+        </p:nvSpPr>
+        <p:spPr>
+          <a:xfrm>
+            <a:off x="608016" y="551987"/>
+            <a:ext cx="10944225" cy="1140090"/>
+          </a:xfrm>
+        </p:spPr>
+        <p:txBody>
+          <a:bodyPr>
+            <a:normAutofit/>
+          </a:bodyPr>
+          <a:lstStyle/>
+          <a:p>
+            <a:pPr algn="l"/>
+            <a:r>
+              <a:rPr lang="en-US" altLang="ko-KR" sz="4400" dirty="0">
+                <a:solidFill>
+                  <a:schemeClr val="tx1">
+                    <a:lumMod val="75000"/>
+                    <a:lumOff val="25000"/>
+                  </a:schemeClr>
+                </a:solidFill>
+                <a:latin typeface="Noto Sans CJK KR Black" pitchFamily="34" charset="-127"/>
+                <a:ea typeface="Noto Sans CJK KR Black" pitchFamily="34" charset="-127"/>
+              </a:rPr>
+              <a:t>2. </a:t>
+            </a:r>
+            <a:r>
+              <a:rPr lang="ko-KR" altLang="en-US" sz="4400" dirty="0">
+                <a:solidFill>
+                  <a:schemeClr val="tx1">
+                    <a:lumMod val="75000"/>
+                    <a:lumOff val="25000"/>
+                  </a:schemeClr>
+                </a:solidFill>
+                <a:latin typeface="Noto Sans CJK KR Black" pitchFamily="34" charset="-127"/>
+                <a:ea typeface="Noto Sans CJK KR Black" pitchFamily="34" charset="-127"/>
+              </a:rPr>
+              <a:t>시계열 알고리즘</a:t>
+            </a:r>
+            <a:endParaRPr lang="ko-KR" altLang="en-US" sz="4400" dirty="0">
+              <a:solidFill>
+                <a:schemeClr val="tx1">
+                  <a:lumMod val="75000"/>
+                  <a:lumOff val="25000"/>
+                </a:schemeClr>
+              </a:solidFill>
+            </a:endParaRPr>
+          </a:p>
+        </p:txBody>
+      </p:sp>
+      <p:sp>
+        <p:nvSpPr>
+          <p:cNvPr id="3" name="슬라이드 번호 개체 틀 2"/>
+          <p:cNvSpPr>
+            <a:spLocks noGrp="1"/>
+          </p:cNvSpPr>
+          <p:nvPr>
+            <p:ph type="sldNum" sz="quarter" idx="12"/>
+          </p:nvPr>
+        </p:nvSpPr>
+        <p:spPr/>
+        <p:txBody>
+          <a:bodyPr/>
+          <a:lstStyle/>
+          <a:p>
+            <a:fld id="{6DDAE2C3-1A0B-474A-8CE8-AE55B8D9D4B1}" type="slidenum">
+              <a:rPr lang="ko-KR" altLang="en-US" smtClean="0"/>
+              <a:pPr/>
+              <a:t>15</a:t>
+            </a:fld>
+            <a:endParaRPr lang="ko-KR" altLang="en-US" dirty="0"/>
+          </a:p>
+        </p:txBody>
+      </p:sp>
+      <p:pic>
+        <p:nvPicPr>
+          <p:cNvPr id="2" name="그림 1">
+            <a:extLst>
+              <a:ext uri="{FF2B5EF4-FFF2-40B4-BE49-F238E27FC236}">
+                <a16:creationId xmlns:a16="http://schemas.microsoft.com/office/drawing/2014/main" id="{711F9C50-C913-4363-8940-F9050F5571B4}"/>
+              </a:ext>
+            </a:extLst>
+          </p:cNvPr>
+          <p:cNvPicPr>
+            <a:picLocks noChangeAspect="1"/>
+          </p:cNvPicPr>
+          <p:nvPr/>
+        </p:nvPicPr>
+        <p:blipFill>
+          <a:blip r:embed="rId2"/>
+          <a:stretch>
+            <a:fillRect/>
+          </a:stretch>
+        </p:blipFill>
+        <p:spPr>
+          <a:xfrm>
+            <a:off x="2189162" y="2268141"/>
+            <a:ext cx="7781925" cy="3286125"/>
+          </a:xfrm>
+          <a:prstGeom prst="rect">
+            <a:avLst/>
+          </a:prstGeom>
+        </p:spPr>
+      </p:pic>
+    </p:spTree>
+    <p:extLst>
+      <p:ext uri="{BB962C8B-B14F-4D97-AF65-F5344CB8AC3E}">
+        <p14:creationId xmlns:p14="http://schemas.microsoft.com/office/powerpoint/2010/main" val="2143910519"/>
+      </p:ext>
+    </p:extLst>
+  </p:cSld>
+  <p:clrMapOvr>
+    <a:masterClrMapping/>
+  </p:clrMapOvr>
+</p:sld>
+</file>
+
+<file path=ppt/slides/slide16.xml><?xml version="1.0" encoding="utf-8"?>
+<p:sld xmlns:a="http://schemas.openxmlformats.org/drawingml/2006/main" xmlns:r="http://schemas.openxmlformats.org/officeDocument/2006/relationships" xmlns:p="http://schemas.openxmlformats.org/presentationml/2006/main">
+  <p:cSld>
+    <p:spTree>
+      <p:nvGrpSpPr>
+        <p:cNvPr id="1" name=""/>
+        <p:cNvGrpSpPr/>
+        <p:nvPr/>
+      </p:nvGrpSpPr>
+      <p:grpSpPr>
+        <a:xfrm>
+          <a:off x="0" y="0"/>
+          <a:ext cx="0" cy="0"/>
+          <a:chOff x="0" y="0"/>
+          <a:chExt cx="0" cy="0"/>
+        </a:xfrm>
+      </p:grpSpPr>
+      <p:sp>
+        <p:nvSpPr>
+          <p:cNvPr id="5" name="제목 4"/>
+          <p:cNvSpPr>
+            <a:spLocks noGrp="1"/>
+          </p:cNvSpPr>
+          <p:nvPr>
+            <p:ph type="title"/>
+          </p:nvPr>
+        </p:nvSpPr>
+        <p:spPr>
+          <a:xfrm>
+            <a:off x="608016" y="551987"/>
+            <a:ext cx="10944225" cy="1140090"/>
+          </a:xfrm>
+        </p:spPr>
+        <p:txBody>
+          <a:bodyPr>
             <a:normAutofit fontScale="90000"/>
           </a:bodyPr>
           <a:lstStyle/>
@@ -4205,7 +5053,7 @@
             <a:fld id="{6DDAE2C3-1A0B-474A-8CE8-AE55B8D9D4B1}" type="slidenum">
               <a:rPr lang="ko-KR" altLang="en-US" smtClean="0"/>
               <a:pPr/>
-              <a:t>10</a:t>
+              <a:t>16</a:t>
             </a:fld>
             <a:endParaRPr lang="ko-KR" altLang="en-US" dirty="0"/>
           </a:p>
@@ -4254,7 +5102,7 @@
 </p:sld>
 </file>
 
-<file path=ppt/slides/slide11.xml><?xml version="1.0" encoding="utf-8"?>
+<file path=ppt/slides/slide17.xml><?xml version="1.0" encoding="utf-8"?>
 <p:sld xmlns:a="http://schemas.openxmlformats.org/drawingml/2006/main" xmlns:r="http://schemas.openxmlformats.org/officeDocument/2006/relationships" xmlns:p="http://schemas.openxmlformats.org/presentationml/2006/main">
   <p:cSld>
     <p:spTree>
@@ -4349,7 +5197,7 @@
             <a:fld id="{6DDAE2C3-1A0B-474A-8CE8-AE55B8D9D4B1}" type="slidenum">
               <a:rPr lang="ko-KR" altLang="en-US" smtClean="0"/>
               <a:pPr/>
-              <a:t>11</a:t>
+              <a:t>17</a:t>
             </a:fld>
             <a:endParaRPr lang="ko-KR" altLang="en-US" dirty="0"/>
           </a:p>
@@ -4398,7 +5246,7 @@
 </p:sld>
 </file>
 
-<file path=ppt/slides/slide12.xml><?xml version="1.0" encoding="utf-8"?>
+<file path=ppt/slides/slide18.xml><?xml version="1.0" encoding="utf-8"?>
 <p:sld xmlns:a="http://schemas.openxmlformats.org/drawingml/2006/main" xmlns:r="http://schemas.openxmlformats.org/officeDocument/2006/relationships" xmlns:p="http://schemas.openxmlformats.org/presentationml/2006/main">
   <p:cSld>
     <p:spTree>
@@ -4518,7 +5366,7 @@
             <a:fld id="{6DDAE2C3-1A0B-474A-8CE8-AE55B8D9D4B1}" type="slidenum">
               <a:rPr lang="ko-KR" altLang="en-US" smtClean="0"/>
               <a:pPr/>
-              <a:t>12</a:t>
+              <a:t>18</a:t>
             </a:fld>
             <a:endParaRPr lang="ko-KR" altLang="en-US" dirty="0"/>
           </a:p>
@@ -4597,7 +5445,7 @@
 </p:sld>
 </file>
 
-<file path=ppt/slides/slide13.xml><?xml version="1.0" encoding="utf-8"?>
+<file path=ppt/slides/slide19.xml><?xml version="1.0" encoding="utf-8"?>
 <p:sld xmlns:a="http://schemas.openxmlformats.org/drawingml/2006/main" xmlns:r="http://schemas.openxmlformats.org/officeDocument/2006/relationships" xmlns:p="http://schemas.openxmlformats.org/presentationml/2006/main">
   <p:cSld>
     <p:spTree>
@@ -4692,7 +5540,7 @@
             <a:fld id="{6DDAE2C3-1A0B-474A-8CE8-AE55B8D9D4B1}" type="slidenum">
               <a:rPr lang="ko-KR" altLang="en-US" smtClean="0"/>
               <a:pPr/>
-              <a:t>13</a:t>
+              <a:t>19</a:t>
             </a:fld>
             <a:endParaRPr lang="ko-KR" altLang="en-US" dirty="0"/>
           </a:p>
@@ -4741,7 +5589,477 @@
 </p:sld>
 </file>
 
-<file path=ppt/slides/slide14.xml><?xml version="1.0" encoding="utf-8"?>
+<file path=ppt/slides/slide2.xml><?xml version="1.0" encoding="utf-8"?>
+<p:sld xmlns:a="http://schemas.openxmlformats.org/drawingml/2006/main" xmlns:r="http://schemas.openxmlformats.org/officeDocument/2006/relationships" xmlns:p="http://schemas.openxmlformats.org/presentationml/2006/main">
+  <p:cSld>
+    <p:bg>
+      <p:bgPr>
+        <a:solidFill>
+          <a:schemeClr val="bg1">
+            <a:lumMod val="65000"/>
+          </a:schemeClr>
+        </a:solidFill>
+        <a:effectLst/>
+      </p:bgPr>
+    </p:bg>
+    <p:spTree>
+      <p:nvGrpSpPr>
+        <p:cNvPr id="1" name=""/>
+        <p:cNvGrpSpPr/>
+        <p:nvPr/>
+      </p:nvGrpSpPr>
+      <p:grpSpPr>
+        <a:xfrm>
+          <a:off x="0" y="0"/>
+          <a:ext cx="0" cy="0"/>
+          <a:chOff x="0" y="0"/>
+          <a:chExt cx="0" cy="0"/>
+        </a:xfrm>
+      </p:grpSpPr>
+      <p:pic>
+        <p:nvPicPr>
+          <p:cNvPr id="8" name="그림 7">
+            <a:extLst>
+              <a:ext uri="{FF2B5EF4-FFF2-40B4-BE49-F238E27FC236}">
+                <a16:creationId xmlns:a16="http://schemas.microsoft.com/office/drawing/2014/main" id="{797134A8-D5C8-4EFB-80B0-508A88D1D99D}"/>
+              </a:ext>
+            </a:extLst>
+          </p:cNvPr>
+          <p:cNvPicPr>
+            <a:picLocks noChangeAspect="1"/>
+          </p:cNvPicPr>
+          <p:nvPr/>
+        </p:nvPicPr>
+        <p:blipFill>
+          <a:blip r:embed="rId3"/>
+          <a:stretch>
+            <a:fillRect/>
+          </a:stretch>
+        </p:blipFill>
+        <p:spPr>
+          <a:xfrm>
+            <a:off x="6692208" y="0"/>
+            <a:ext cx="5462930" cy="6840538"/>
+          </a:xfrm>
+          <a:prstGeom prst="rect">
+            <a:avLst/>
+          </a:prstGeom>
+        </p:spPr>
+      </p:pic>
+      <p:sp>
+        <p:nvSpPr>
+          <p:cNvPr id="5" name="슬라이드 번호 개체 틀 3">
+            <a:extLst>
+              <a:ext uri="{FF2B5EF4-FFF2-40B4-BE49-F238E27FC236}">
+                <a16:creationId xmlns:a16="http://schemas.microsoft.com/office/drawing/2014/main" id="{F33380C6-69E2-4A83-9BD2-04C62FE5D24B}"/>
+              </a:ext>
+            </a:extLst>
+          </p:cNvPr>
+          <p:cNvSpPr>
+            <a:spLocks noGrp="1"/>
+          </p:cNvSpPr>
+          <p:nvPr>
+            <p:ph type="sldNum" sz="quarter" idx="12"/>
+          </p:nvPr>
+        </p:nvSpPr>
+        <p:spPr>
+          <a:xfrm>
+            <a:off x="9160679" y="6372598"/>
+            <a:ext cx="2837392" cy="364195"/>
+          </a:xfrm>
+        </p:spPr>
+        <p:txBody>
+          <a:bodyPr/>
+          <a:lstStyle/>
+          <a:p>
+            <a:pPr marL="0" marR="0" lvl="0" indent="0" algn="r" defTabSz="1107796" rtl="0" eaLnBrk="1" fontAlgn="auto" latinLnBrk="1" hangingPunct="1">
+              <a:lnSpc>
+                <a:spcPct val="100000"/>
+              </a:lnSpc>
+              <a:spcBef>
+                <a:spcPts val="0"/>
+              </a:spcBef>
+              <a:spcAft>
+                <a:spcPts val="0"/>
+              </a:spcAft>
+              <a:buClrTx/>
+              <a:buSzTx/>
+              <a:buFontTx/>
+              <a:buNone/>
+              <a:tabLst/>
+              <a:defRPr/>
+            </a:pPr>
+            <a:fld id="{6DDAE2C3-1A0B-474A-8CE8-AE55B8D9D4B1}" type="slidenum">
+              <a:rPr kumimoji="0" lang="ko-KR" altLang="en-US" sz="900" b="0" i="0" u="none" strike="noStrike" kern="1200" cap="none" spc="0" normalizeH="0" baseline="0" noProof="0" smtClean="0">
+                <a:ln>
+                  <a:noFill/>
+                </a:ln>
+                <a:solidFill>
+                  <a:prstClr val="black">
+                    <a:tint val="75000"/>
+                  </a:prstClr>
+                </a:solidFill>
+                <a:effectLst/>
+                <a:uLnTx/>
+                <a:uFillTx/>
+                <a:ea typeface="Noto Sans CJK KR Bold" panose="020B0800000000000000" pitchFamily="34" charset="-127"/>
+                <a:cs typeface="+mn-cs"/>
+              </a:rPr>
+              <a:pPr marL="0" marR="0" lvl="0" indent="0" algn="r" defTabSz="1107796" rtl="0" eaLnBrk="1" fontAlgn="auto" latinLnBrk="1" hangingPunct="1">
+                <a:lnSpc>
+                  <a:spcPct val="100000"/>
+                </a:lnSpc>
+                <a:spcBef>
+                  <a:spcPts val="0"/>
+                </a:spcBef>
+                <a:spcAft>
+                  <a:spcPts val="0"/>
+                </a:spcAft>
+                <a:buClrTx/>
+                <a:buSzTx/>
+                <a:buFontTx/>
+                <a:buNone/>
+                <a:tabLst/>
+                <a:defRPr/>
+              </a:pPr>
+              <a:t>2</a:t>
+            </a:fld>
+            <a:endParaRPr kumimoji="0" lang="ko-KR" altLang="en-US" sz="900" b="0" i="0" u="none" strike="noStrike" kern="1200" cap="none" spc="0" normalizeH="0" baseline="0" noProof="0" dirty="0">
+              <a:ln>
+                <a:noFill/>
+              </a:ln>
+              <a:solidFill>
+                <a:prstClr val="black">
+                  <a:tint val="75000"/>
+                </a:prstClr>
+              </a:solidFill>
+              <a:effectLst/>
+              <a:uLnTx/>
+              <a:uFillTx/>
+              <a:ea typeface="Noto Sans CJK KR Bold" panose="020B0800000000000000" pitchFamily="34" charset="-127"/>
+              <a:cs typeface="+mn-cs"/>
+            </a:endParaRPr>
+          </a:p>
+        </p:txBody>
+      </p:sp>
+      <p:sp>
+        <p:nvSpPr>
+          <p:cNvPr id="6" name="TextBox 5">
+            <a:extLst>
+              <a:ext uri="{FF2B5EF4-FFF2-40B4-BE49-F238E27FC236}">
+                <a16:creationId xmlns:a16="http://schemas.microsoft.com/office/drawing/2014/main" id="{8BF01066-6B0A-4FA1-8C23-4A69A6736913}"/>
+              </a:ext>
+            </a:extLst>
+          </p:cNvPr>
+          <p:cNvSpPr txBox="1"/>
+          <p:nvPr/>
+        </p:nvSpPr>
+        <p:spPr>
+          <a:xfrm>
+            <a:off x="542135" y="855851"/>
+            <a:ext cx="11298630" cy="2708434"/>
+          </a:xfrm>
+          <a:prstGeom prst="rect">
+            <a:avLst/>
+          </a:prstGeom>
+          <a:noFill/>
+        </p:spPr>
+        <p:txBody>
+          <a:bodyPr wrap="square" lIns="0" tIns="0" rIns="0" bIns="0" rtlCol="0" anchor="t">
+            <a:spAutoFit/>
+          </a:bodyPr>
+          <a:lstStyle/>
+          <a:p>
+            <a:pPr marL="0" marR="0" lvl="0" indent="0" algn="l" defTabSz="1107796" rtl="0" eaLnBrk="1" fontAlgn="auto" latinLnBrk="1" hangingPunct="1">
+              <a:lnSpc>
+                <a:spcPct val="100000"/>
+              </a:lnSpc>
+              <a:spcBef>
+                <a:spcPts val="0"/>
+              </a:spcBef>
+              <a:spcAft>
+                <a:spcPts val="0"/>
+              </a:spcAft>
+              <a:buClrTx/>
+              <a:buSzTx/>
+              <a:buFontTx/>
+              <a:buNone/>
+              <a:tabLst/>
+              <a:defRPr/>
+            </a:pPr>
+            <a:r>
+              <a:rPr lang="en-US" altLang="ko-KR" sz="4400" dirty="0">
+                <a:solidFill>
+                  <a:prstClr val="white"/>
+                </a:solidFill>
+                <a:latin typeface="Noto Sans CJK KR Black" panose="020B0A00000000000000" pitchFamily="34" charset="-127"/>
+                <a:ea typeface="Noto Sans CJK KR Black" panose="020B0A00000000000000" pitchFamily="34" charset="-127"/>
+              </a:rPr>
+              <a:t>7</a:t>
+            </a:r>
+            <a:r>
+              <a:rPr kumimoji="0" lang="ko-KR" altLang="en-US" sz="4400" b="0" i="0" u="none" strike="noStrike" kern="1200" cap="none" spc="0" normalizeH="0" baseline="0" noProof="0" dirty="0">
+                <a:ln>
+                  <a:noFill/>
+                </a:ln>
+                <a:solidFill>
+                  <a:prstClr val="white"/>
+                </a:solidFill>
+                <a:effectLst/>
+                <a:uLnTx/>
+                <a:uFillTx/>
+                <a:latin typeface="Noto Sans CJK KR Black" panose="020B0A00000000000000" pitchFamily="34" charset="-127"/>
+                <a:ea typeface="Noto Sans CJK KR Black" panose="020B0A00000000000000" pitchFamily="34" charset="-127"/>
+                <a:cs typeface="+mn-cs"/>
+              </a:rPr>
+              <a:t>주차 </a:t>
+            </a:r>
+            <a:endParaRPr kumimoji="0" lang="en-US" altLang="ko-KR" sz="4400" b="0" i="0" u="none" strike="noStrike" kern="1200" cap="none" spc="0" normalizeH="0" baseline="0" noProof="0" dirty="0">
+              <a:ln>
+                <a:noFill/>
+              </a:ln>
+              <a:solidFill>
+                <a:prstClr val="white"/>
+              </a:solidFill>
+              <a:effectLst/>
+              <a:uLnTx/>
+              <a:uFillTx/>
+              <a:latin typeface="Noto Sans CJK KR Black" panose="020B0A00000000000000" pitchFamily="34" charset="-127"/>
+              <a:ea typeface="Noto Sans CJK KR Black" panose="020B0A00000000000000" pitchFamily="34" charset="-127"/>
+              <a:cs typeface="+mn-cs"/>
+            </a:endParaRPr>
+          </a:p>
+          <a:p>
+            <a:pPr marL="0" marR="0" lvl="0" indent="0" algn="l" defTabSz="1107796" rtl="0" eaLnBrk="1" fontAlgn="auto" latinLnBrk="1" hangingPunct="1">
+              <a:lnSpc>
+                <a:spcPct val="100000"/>
+              </a:lnSpc>
+              <a:spcBef>
+                <a:spcPts val="0"/>
+              </a:spcBef>
+              <a:spcAft>
+                <a:spcPts val="0"/>
+              </a:spcAft>
+              <a:buClrTx/>
+              <a:buSzTx/>
+              <a:buFontTx/>
+              <a:buNone/>
+              <a:tabLst/>
+              <a:defRPr/>
+            </a:pPr>
+            <a:r>
+              <a:rPr kumimoji="0" lang="ko-KR" altLang="en-US" sz="4400" b="0" i="0" u="none" strike="noStrike" kern="1200" cap="none" spc="0" normalizeH="0" baseline="0" noProof="0" dirty="0">
+                <a:ln>
+                  <a:noFill/>
+                </a:ln>
+                <a:solidFill>
+                  <a:prstClr val="white"/>
+                </a:solidFill>
+                <a:effectLst/>
+                <a:uLnTx/>
+                <a:uFillTx/>
+                <a:latin typeface="Noto Sans CJK KR Black" panose="020B0A00000000000000" pitchFamily="34" charset="-127"/>
+                <a:ea typeface="Noto Sans CJK KR Black" panose="020B0A00000000000000" pitchFamily="34" charset="-127"/>
+                <a:cs typeface="+mn-cs"/>
+              </a:rPr>
+              <a:t>강의의 목적</a:t>
+            </a:r>
+            <a:endParaRPr kumimoji="0" lang="en-US" altLang="ko-KR" sz="4400" b="0" i="0" u="none" strike="noStrike" kern="1200" cap="none" spc="0" normalizeH="0" baseline="0" noProof="0" dirty="0">
+              <a:ln>
+                <a:noFill/>
+              </a:ln>
+              <a:solidFill>
+                <a:prstClr val="white"/>
+              </a:solidFill>
+              <a:effectLst/>
+              <a:uLnTx/>
+              <a:uFillTx/>
+              <a:latin typeface="Noto Sans CJK KR Black" panose="020B0A00000000000000" pitchFamily="34" charset="-127"/>
+              <a:ea typeface="Noto Sans CJK KR Black" panose="020B0A00000000000000" pitchFamily="34" charset="-127"/>
+              <a:cs typeface="+mn-cs"/>
+            </a:endParaRPr>
+          </a:p>
+          <a:p>
+            <a:pPr marL="0" marR="0" lvl="0" indent="0" algn="l" defTabSz="1107796" rtl="0" eaLnBrk="1" fontAlgn="auto" latinLnBrk="1" hangingPunct="1">
+              <a:lnSpc>
+                <a:spcPct val="100000"/>
+              </a:lnSpc>
+              <a:spcBef>
+                <a:spcPts val="0"/>
+              </a:spcBef>
+              <a:spcAft>
+                <a:spcPts val="0"/>
+              </a:spcAft>
+              <a:buClrTx/>
+              <a:buSzTx/>
+              <a:buFontTx/>
+              <a:buNone/>
+              <a:tabLst/>
+              <a:defRPr/>
+            </a:pPr>
+            <a:endParaRPr kumimoji="0" lang="en-US" altLang="ko-KR" sz="4400" b="0" i="0" u="none" strike="noStrike" kern="1200" cap="none" spc="0" normalizeH="0" baseline="0" noProof="0" dirty="0">
+              <a:ln>
+                <a:noFill/>
+              </a:ln>
+              <a:solidFill>
+                <a:prstClr val="white"/>
+              </a:solidFill>
+              <a:effectLst/>
+              <a:uLnTx/>
+              <a:uFillTx/>
+              <a:latin typeface="Noto Sans CJK KR Black" panose="020B0A00000000000000" pitchFamily="34" charset="-127"/>
+              <a:ea typeface="Noto Sans CJK KR Black" panose="020B0A00000000000000" pitchFamily="34" charset="-127"/>
+              <a:cs typeface="+mn-cs"/>
+            </a:endParaRPr>
+          </a:p>
+          <a:p>
+            <a:pPr marL="0" marR="0" lvl="0" indent="0" algn="l" defTabSz="1107796" rtl="0" eaLnBrk="1" fontAlgn="auto" latinLnBrk="1" hangingPunct="1">
+              <a:lnSpc>
+                <a:spcPct val="100000"/>
+              </a:lnSpc>
+              <a:spcBef>
+                <a:spcPts val="0"/>
+              </a:spcBef>
+              <a:spcAft>
+                <a:spcPts val="0"/>
+              </a:spcAft>
+              <a:buClrTx/>
+              <a:buSzTx/>
+              <a:buFontTx/>
+              <a:buNone/>
+              <a:tabLst/>
+              <a:defRPr/>
+            </a:pPr>
+            <a:endParaRPr kumimoji="0" lang="en-US" altLang="ko-KR" sz="4400" b="0" i="0" u="none" strike="noStrike" kern="1200" cap="none" spc="0" normalizeH="0" baseline="0" noProof="0" dirty="0">
+              <a:ln>
+                <a:noFill/>
+              </a:ln>
+              <a:solidFill>
+                <a:prstClr val="white"/>
+              </a:solidFill>
+              <a:effectLst/>
+              <a:uLnTx/>
+              <a:uFillTx/>
+              <a:latin typeface="Noto Sans CJK KR Black" panose="020B0A00000000000000" pitchFamily="34" charset="-127"/>
+              <a:ea typeface="Noto Sans CJK KR Black" panose="020B0A00000000000000" pitchFamily="34" charset="-127"/>
+              <a:cs typeface="+mn-cs"/>
+            </a:endParaRPr>
+          </a:p>
+        </p:txBody>
+      </p:sp>
+      <p:sp>
+        <p:nvSpPr>
+          <p:cNvPr id="7" name="TextBox 6">
+            <a:extLst>
+              <a:ext uri="{FF2B5EF4-FFF2-40B4-BE49-F238E27FC236}">
+                <a16:creationId xmlns:a16="http://schemas.microsoft.com/office/drawing/2014/main" id="{9FE01AB0-92B6-48E5-9989-63C685E5911E}"/>
+              </a:ext>
+            </a:extLst>
+          </p:cNvPr>
+          <p:cNvSpPr txBox="1"/>
+          <p:nvPr/>
+        </p:nvSpPr>
+        <p:spPr>
+          <a:xfrm>
+            <a:off x="4783981" y="611957"/>
+            <a:ext cx="7056784" cy="216726"/>
+          </a:xfrm>
+          <a:prstGeom prst="rect">
+            <a:avLst/>
+          </a:prstGeom>
+          <a:noFill/>
+        </p:spPr>
+        <p:txBody>
+          <a:bodyPr wrap="square" lIns="0" tIns="0" rIns="0" bIns="0" rtlCol="0" anchor="t">
+            <a:spAutoFit/>
+          </a:bodyPr>
+          <a:lstStyle/>
+          <a:p>
+            <a:pPr marL="0" marR="0" lvl="0" indent="0" algn="l" defTabSz="1107796" rtl="0" eaLnBrk="1" fontAlgn="auto" latinLnBrk="1" hangingPunct="1">
+              <a:lnSpc>
+                <a:spcPct val="150000"/>
+              </a:lnSpc>
+              <a:spcBef>
+                <a:spcPts val="0"/>
+              </a:spcBef>
+              <a:spcAft>
+                <a:spcPts val="0"/>
+              </a:spcAft>
+              <a:buClrTx/>
+              <a:buSzTx/>
+              <a:buFontTx/>
+              <a:buNone/>
+              <a:tabLst/>
+              <a:defRPr/>
+            </a:pPr>
+            <a:endParaRPr kumimoji="0" lang="en-US" altLang="ko-KR" sz="1050" b="0" i="0" u="none" strike="noStrike" kern="1200" cap="none" spc="0" normalizeH="0" baseline="0" noProof="0" dirty="0">
+              <a:ln>
+                <a:noFill/>
+              </a:ln>
+              <a:solidFill>
+                <a:prstClr val="white"/>
+              </a:solidFill>
+              <a:effectLst/>
+              <a:uLnTx/>
+              <a:uFillTx/>
+              <a:latin typeface="Noto Sans CJK KR Medium" panose="020B0600000000000000" pitchFamily="34" charset="-127"/>
+              <a:ea typeface="Noto Sans CJK KR Medium" panose="020B0600000000000000" pitchFamily="34" charset="-127"/>
+              <a:cs typeface="+mn-cs"/>
+            </a:endParaRPr>
+          </a:p>
+        </p:txBody>
+      </p:sp>
+      <p:sp>
+        <p:nvSpPr>
+          <p:cNvPr id="9" name="TextBox 8">
+            <a:extLst>
+              <a:ext uri="{FF2B5EF4-FFF2-40B4-BE49-F238E27FC236}">
+                <a16:creationId xmlns:a16="http://schemas.microsoft.com/office/drawing/2014/main" id="{93690D9D-9CB1-4661-9AAB-84B0C7E4C0DF}"/>
+              </a:ext>
+            </a:extLst>
+          </p:cNvPr>
+          <p:cNvSpPr txBox="1"/>
+          <p:nvPr/>
+        </p:nvSpPr>
+        <p:spPr>
+          <a:xfrm>
+            <a:off x="6692208" y="4456251"/>
+            <a:ext cx="5462930" cy="1412290"/>
+          </a:xfrm>
+          <a:prstGeom prst="rect">
+            <a:avLst/>
+          </a:prstGeom>
+          <a:noFill/>
+          <a:ln w="38100">
+            <a:solidFill>
+              <a:srgbClr val="C00000"/>
+            </a:solidFill>
+          </a:ln>
+        </p:spPr>
+        <p:txBody>
+          <a:bodyPr wrap="square" rtlCol="0">
+            <a:spAutoFit/>
+          </a:bodyPr>
+          <a:lstStyle/>
+          <a:p>
+            <a:endParaRPr lang="ko-KR" altLang="en-US" dirty="0"/>
+          </a:p>
+        </p:txBody>
+      </p:sp>
+    </p:spTree>
+    <p:extLst>
+      <p:ext uri="{BB962C8B-B14F-4D97-AF65-F5344CB8AC3E}">
+        <p14:creationId xmlns:p14="http://schemas.microsoft.com/office/powerpoint/2010/main" val="21412904"/>
+      </p:ext>
+    </p:extLst>
+  </p:cSld>
+  <p:clrMapOvr>
+    <a:masterClrMapping/>
+  </p:clrMapOvr>
+</p:sld>
+</file>
+
+<file path=ppt/slides/slide20.xml><?xml version="1.0" encoding="utf-8"?>
 <p:sld xmlns:a="http://schemas.openxmlformats.org/drawingml/2006/main" xmlns:r="http://schemas.openxmlformats.org/officeDocument/2006/relationships" xmlns:p="http://schemas.openxmlformats.org/presentationml/2006/main">
   <p:cSld>
     <p:spTree>
@@ -4861,7 +6179,7 @@
             <a:fld id="{6DDAE2C3-1A0B-474A-8CE8-AE55B8D9D4B1}" type="slidenum">
               <a:rPr lang="ko-KR" altLang="en-US" smtClean="0"/>
               <a:pPr/>
-              <a:t>14</a:t>
+              <a:t>20</a:t>
             </a:fld>
             <a:endParaRPr lang="ko-KR" altLang="en-US" dirty="0"/>
           </a:p>
@@ -4910,7 +6228,7 @@
 </p:sld>
 </file>
 
-<file path=ppt/slides/slide15.xml><?xml version="1.0" encoding="utf-8"?>
+<file path=ppt/slides/slide21.xml><?xml version="1.0" encoding="utf-8"?>
 <p:sld xmlns:a="http://schemas.openxmlformats.org/drawingml/2006/main" xmlns:r="http://schemas.openxmlformats.org/officeDocument/2006/relationships" xmlns:p="http://schemas.openxmlformats.org/presentationml/2006/main">
   <p:cSld>
     <p:spTree>
@@ -5005,7 +6323,7 @@
             <a:fld id="{6DDAE2C3-1A0B-474A-8CE8-AE55B8D9D4B1}" type="slidenum">
               <a:rPr lang="ko-KR" altLang="en-US" smtClean="0"/>
               <a:pPr/>
-              <a:t>15</a:t>
+              <a:t>21</a:t>
             </a:fld>
             <a:endParaRPr lang="ko-KR" altLang="en-US" dirty="0"/>
           </a:p>
@@ -5084,1488 +6402,6 @@
 </p:sld>
 </file>
 
-<file path=ppt/slides/slide16.xml><?xml version="1.0" encoding="utf-8"?>
-<p:sld xmlns:a="http://schemas.openxmlformats.org/drawingml/2006/main" xmlns:r="http://schemas.openxmlformats.org/officeDocument/2006/relationships" xmlns:p="http://schemas.openxmlformats.org/presentationml/2006/main">
-  <p:cSld>
-    <p:spTree>
-      <p:nvGrpSpPr>
-        <p:cNvPr id="1" name=""/>
-        <p:cNvGrpSpPr/>
-        <p:nvPr/>
-      </p:nvGrpSpPr>
-      <p:grpSpPr>
-        <a:xfrm>
-          <a:off x="0" y="0"/>
-          <a:ext cx="0" cy="0"/>
-          <a:chOff x="0" y="0"/>
-          <a:chExt cx="0" cy="0"/>
-        </a:xfrm>
-      </p:grpSpPr>
-      <p:sp>
-        <p:nvSpPr>
-          <p:cNvPr id="5" name="제목 4"/>
-          <p:cNvSpPr>
-            <a:spLocks noGrp="1"/>
-          </p:cNvSpPr>
-          <p:nvPr>
-            <p:ph type="title"/>
-          </p:nvPr>
-        </p:nvSpPr>
-        <p:spPr>
-          <a:xfrm>
-            <a:off x="608016" y="551987"/>
-            <a:ext cx="10944225" cy="1140090"/>
-          </a:xfrm>
-        </p:spPr>
-        <p:txBody>
-          <a:bodyPr>
-            <a:normAutofit fontScale="90000"/>
-          </a:bodyPr>
-          <a:lstStyle/>
-          <a:p>
-            <a:pPr algn="l"/>
-            <a:r>
-              <a:rPr lang="en-US" altLang="ko-KR" sz="4400" dirty="0">
-                <a:solidFill>
-                  <a:schemeClr val="tx1">
-                    <a:lumMod val="75000"/>
-                    <a:lumOff val="25000"/>
-                  </a:schemeClr>
-                </a:solidFill>
-                <a:latin typeface="Noto Sans CJK KR Black" pitchFamily="34" charset="-127"/>
-                <a:ea typeface="Noto Sans CJK KR Black" pitchFamily="34" charset="-127"/>
-              </a:rPr>
-              <a:t>2. </a:t>
-            </a:r>
-            <a:r>
-              <a:rPr lang="ko-KR" altLang="en-US" sz="4400" dirty="0">
-                <a:solidFill>
-                  <a:schemeClr val="tx1">
-                    <a:lumMod val="75000"/>
-                    <a:lumOff val="25000"/>
-                  </a:schemeClr>
-                </a:solidFill>
-                <a:latin typeface="Noto Sans CJK KR Black" pitchFamily="34" charset="-127"/>
-                <a:ea typeface="Noto Sans CJK KR Black" pitchFamily="34" charset="-127"/>
-              </a:rPr>
-              <a:t>시계열</a:t>
-            </a:r>
-            <a:br>
-              <a:rPr lang="en-US" altLang="ko-KR" sz="4400" dirty="0">
-                <a:solidFill>
-                  <a:schemeClr val="tx1">
-                    <a:lumMod val="75000"/>
-                    <a:lumOff val="25000"/>
-                  </a:schemeClr>
-                </a:solidFill>
-                <a:latin typeface="Noto Sans CJK KR Black" pitchFamily="34" charset="-127"/>
-                <a:ea typeface="Noto Sans CJK KR Black" pitchFamily="34" charset="-127"/>
-              </a:rPr>
-            </a:br>
-            <a:r>
-              <a:rPr lang="ko-KR" altLang="en-US" sz="4400" dirty="0">
-                <a:solidFill>
-                  <a:schemeClr val="tx1">
-                    <a:lumMod val="75000"/>
-                    <a:lumOff val="25000"/>
-                  </a:schemeClr>
-                </a:solidFill>
-                <a:latin typeface="Noto Sans CJK KR Black" pitchFamily="34" charset="-127"/>
-                <a:ea typeface="Noto Sans CJK KR Black" pitchFamily="34" charset="-127"/>
-              </a:rPr>
-              <a:t> 알고리즘</a:t>
-            </a:r>
-            <a:endParaRPr lang="ko-KR" altLang="en-US" sz="4400" dirty="0">
-              <a:solidFill>
-                <a:schemeClr val="tx1">
-                  <a:lumMod val="75000"/>
-                  <a:lumOff val="25000"/>
-                </a:schemeClr>
-              </a:solidFill>
-            </a:endParaRPr>
-          </a:p>
-        </p:txBody>
-      </p:sp>
-      <p:sp>
-        <p:nvSpPr>
-          <p:cNvPr id="3" name="슬라이드 번호 개체 틀 2"/>
-          <p:cNvSpPr>
-            <a:spLocks noGrp="1"/>
-          </p:cNvSpPr>
-          <p:nvPr>
-            <p:ph type="sldNum" sz="quarter" idx="12"/>
-          </p:nvPr>
-        </p:nvSpPr>
-        <p:spPr/>
-        <p:txBody>
-          <a:bodyPr/>
-          <a:lstStyle/>
-          <a:p>
-            <a:fld id="{6DDAE2C3-1A0B-474A-8CE8-AE55B8D9D4B1}" type="slidenum">
-              <a:rPr lang="ko-KR" altLang="en-US" smtClean="0"/>
-              <a:pPr/>
-              <a:t>16</a:t>
-            </a:fld>
-            <a:endParaRPr lang="ko-KR" altLang="en-US" dirty="0"/>
-          </a:p>
-        </p:txBody>
-      </p:sp>
-      <p:pic>
-        <p:nvPicPr>
-          <p:cNvPr id="4" name="그림 3">
-            <a:extLst>
-              <a:ext uri="{FF2B5EF4-FFF2-40B4-BE49-F238E27FC236}">
-                <a16:creationId xmlns:a16="http://schemas.microsoft.com/office/drawing/2014/main" id="{7B9FF46D-0DA2-4637-99A1-1229223CEFC6}"/>
-              </a:ext>
-            </a:extLst>
-          </p:cNvPr>
-          <p:cNvPicPr>
-            <a:picLocks noChangeAspect="1"/>
-          </p:cNvPicPr>
-          <p:nvPr/>
-        </p:nvPicPr>
-        <p:blipFill>
-          <a:blip r:embed="rId2"/>
-          <a:stretch>
-            <a:fillRect/>
-          </a:stretch>
-        </p:blipFill>
-        <p:spPr>
-          <a:xfrm>
-            <a:off x="3082671" y="172244"/>
-            <a:ext cx="8915400" cy="6496050"/>
-          </a:xfrm>
-          <a:prstGeom prst="rect">
-            <a:avLst/>
-          </a:prstGeom>
-        </p:spPr>
-      </p:pic>
-    </p:spTree>
-    <p:extLst>
-      <p:ext uri="{BB962C8B-B14F-4D97-AF65-F5344CB8AC3E}">
-        <p14:creationId xmlns:p14="http://schemas.microsoft.com/office/powerpoint/2010/main" val="1657276715"/>
-      </p:ext>
-    </p:extLst>
-  </p:cSld>
-  <p:clrMapOvr>
-    <a:masterClrMapping/>
-  </p:clrMapOvr>
-</p:sld>
-</file>
-
-<file path=ppt/slides/slide17.xml><?xml version="1.0" encoding="utf-8"?>
-<p:sld xmlns:a="http://schemas.openxmlformats.org/drawingml/2006/main" xmlns:r="http://schemas.openxmlformats.org/officeDocument/2006/relationships" xmlns:p="http://schemas.openxmlformats.org/presentationml/2006/main">
-  <p:cSld>
-    <p:spTree>
-      <p:nvGrpSpPr>
-        <p:cNvPr id="1" name=""/>
-        <p:cNvGrpSpPr/>
-        <p:nvPr/>
-      </p:nvGrpSpPr>
-      <p:grpSpPr>
-        <a:xfrm>
-          <a:off x="0" y="0"/>
-          <a:ext cx="0" cy="0"/>
-          <a:chOff x="0" y="0"/>
-          <a:chExt cx="0" cy="0"/>
-        </a:xfrm>
-      </p:grpSpPr>
-      <p:sp>
-        <p:nvSpPr>
-          <p:cNvPr id="5" name="제목 4"/>
-          <p:cNvSpPr>
-            <a:spLocks noGrp="1"/>
-          </p:cNvSpPr>
-          <p:nvPr>
-            <p:ph type="title"/>
-          </p:nvPr>
-        </p:nvSpPr>
-        <p:spPr>
-          <a:xfrm>
-            <a:off x="608016" y="551987"/>
-            <a:ext cx="10944225" cy="1140090"/>
-          </a:xfrm>
-        </p:spPr>
-        <p:txBody>
-          <a:bodyPr>
-            <a:normAutofit fontScale="90000"/>
-          </a:bodyPr>
-          <a:lstStyle/>
-          <a:p>
-            <a:pPr algn="l"/>
-            <a:r>
-              <a:rPr lang="en-US" altLang="ko-KR" sz="4400" dirty="0">
-                <a:solidFill>
-                  <a:schemeClr val="tx1">
-                    <a:lumMod val="75000"/>
-                    <a:lumOff val="25000"/>
-                  </a:schemeClr>
-                </a:solidFill>
-                <a:latin typeface="Noto Sans CJK KR Black" pitchFamily="34" charset="-127"/>
-                <a:ea typeface="Noto Sans CJK KR Black" pitchFamily="34" charset="-127"/>
-              </a:rPr>
-              <a:t>2. </a:t>
-            </a:r>
-            <a:r>
-              <a:rPr lang="ko-KR" altLang="en-US" sz="4400" dirty="0">
-                <a:solidFill>
-                  <a:schemeClr val="tx1">
-                    <a:lumMod val="75000"/>
-                    <a:lumOff val="25000"/>
-                  </a:schemeClr>
-                </a:solidFill>
-                <a:latin typeface="Noto Sans CJK KR Black" pitchFamily="34" charset="-127"/>
-                <a:ea typeface="Noto Sans CJK KR Black" pitchFamily="34" charset="-127"/>
-              </a:rPr>
-              <a:t>시계열</a:t>
-            </a:r>
-            <a:br>
-              <a:rPr lang="en-US" altLang="ko-KR" sz="4400" dirty="0">
-                <a:solidFill>
-                  <a:schemeClr val="tx1">
-                    <a:lumMod val="75000"/>
-                    <a:lumOff val="25000"/>
-                  </a:schemeClr>
-                </a:solidFill>
-                <a:latin typeface="Noto Sans CJK KR Black" pitchFamily="34" charset="-127"/>
-                <a:ea typeface="Noto Sans CJK KR Black" pitchFamily="34" charset="-127"/>
-              </a:rPr>
-            </a:br>
-            <a:r>
-              <a:rPr lang="ko-KR" altLang="en-US" sz="4400" dirty="0">
-                <a:solidFill>
-                  <a:schemeClr val="tx1">
-                    <a:lumMod val="75000"/>
-                    <a:lumOff val="25000"/>
-                  </a:schemeClr>
-                </a:solidFill>
-                <a:latin typeface="Noto Sans CJK KR Black" pitchFamily="34" charset="-127"/>
-                <a:ea typeface="Noto Sans CJK KR Black" pitchFamily="34" charset="-127"/>
-              </a:rPr>
-              <a:t> 알고리즘</a:t>
-            </a:r>
-            <a:endParaRPr lang="ko-KR" altLang="en-US" sz="4400" dirty="0">
-              <a:solidFill>
-                <a:schemeClr val="tx1">
-                  <a:lumMod val="75000"/>
-                  <a:lumOff val="25000"/>
-                </a:schemeClr>
-              </a:solidFill>
-            </a:endParaRPr>
-          </a:p>
-        </p:txBody>
-      </p:sp>
-      <p:sp>
-        <p:nvSpPr>
-          <p:cNvPr id="3" name="슬라이드 번호 개체 틀 2"/>
-          <p:cNvSpPr>
-            <a:spLocks noGrp="1"/>
-          </p:cNvSpPr>
-          <p:nvPr>
-            <p:ph type="sldNum" sz="quarter" idx="12"/>
-          </p:nvPr>
-        </p:nvSpPr>
-        <p:spPr/>
-        <p:txBody>
-          <a:bodyPr/>
-          <a:lstStyle/>
-          <a:p>
-            <a:fld id="{6DDAE2C3-1A0B-474A-8CE8-AE55B8D9D4B1}" type="slidenum">
-              <a:rPr lang="ko-KR" altLang="en-US" smtClean="0"/>
-              <a:pPr/>
-              <a:t>17</a:t>
-            </a:fld>
-            <a:endParaRPr lang="ko-KR" altLang="en-US" dirty="0"/>
-          </a:p>
-        </p:txBody>
-      </p:sp>
-      <p:pic>
-        <p:nvPicPr>
-          <p:cNvPr id="4" name="그림 3">
-            <a:extLst>
-              <a:ext uri="{FF2B5EF4-FFF2-40B4-BE49-F238E27FC236}">
-                <a16:creationId xmlns:a16="http://schemas.microsoft.com/office/drawing/2014/main" id="{8A01ABCF-F93E-4D40-9FA0-0DB895310B1E}"/>
-              </a:ext>
-            </a:extLst>
-          </p:cNvPr>
-          <p:cNvPicPr>
-            <a:picLocks noChangeAspect="1"/>
-          </p:cNvPicPr>
-          <p:nvPr/>
-        </p:nvPicPr>
-        <p:blipFill>
-          <a:blip r:embed="rId2"/>
-          <a:stretch>
-            <a:fillRect/>
-          </a:stretch>
-        </p:blipFill>
-        <p:spPr>
-          <a:xfrm>
-            <a:off x="3631853" y="305797"/>
-            <a:ext cx="7734300" cy="6257925"/>
-          </a:xfrm>
-          <a:prstGeom prst="rect">
-            <a:avLst/>
-          </a:prstGeom>
-        </p:spPr>
-      </p:pic>
-    </p:spTree>
-    <p:extLst>
-      <p:ext uri="{BB962C8B-B14F-4D97-AF65-F5344CB8AC3E}">
-        <p14:creationId xmlns:p14="http://schemas.microsoft.com/office/powerpoint/2010/main" val="1166224282"/>
-      </p:ext>
-    </p:extLst>
-  </p:cSld>
-  <p:clrMapOvr>
-    <a:masterClrMapping/>
-  </p:clrMapOvr>
-</p:sld>
-</file>
-
-<file path=ppt/slides/slide18.xml><?xml version="1.0" encoding="utf-8"?>
-<p:sld xmlns:a="http://schemas.openxmlformats.org/drawingml/2006/main" xmlns:r="http://schemas.openxmlformats.org/officeDocument/2006/relationships" xmlns:p="http://schemas.openxmlformats.org/presentationml/2006/main">
-  <p:cSld>
-    <p:spTree>
-      <p:nvGrpSpPr>
-        <p:cNvPr id="1" name=""/>
-        <p:cNvGrpSpPr/>
-        <p:nvPr/>
-      </p:nvGrpSpPr>
-      <p:grpSpPr>
-        <a:xfrm>
-          <a:off x="0" y="0"/>
-          <a:ext cx="0" cy="0"/>
-          <a:chOff x="0" y="0"/>
-          <a:chExt cx="0" cy="0"/>
-        </a:xfrm>
-      </p:grpSpPr>
-      <p:sp>
-        <p:nvSpPr>
-          <p:cNvPr id="5" name="제목 4"/>
-          <p:cNvSpPr>
-            <a:spLocks noGrp="1"/>
-          </p:cNvSpPr>
-          <p:nvPr>
-            <p:ph type="title"/>
-          </p:nvPr>
-        </p:nvSpPr>
-        <p:spPr>
-          <a:xfrm>
-            <a:off x="608016" y="551987"/>
-            <a:ext cx="10944225" cy="1140090"/>
-          </a:xfrm>
-        </p:spPr>
-        <p:txBody>
-          <a:bodyPr>
-            <a:normAutofit fontScale="90000"/>
-          </a:bodyPr>
-          <a:lstStyle/>
-          <a:p>
-            <a:pPr algn="l"/>
-            <a:r>
-              <a:rPr lang="en-US" altLang="ko-KR" sz="4400" dirty="0">
-                <a:solidFill>
-                  <a:schemeClr val="tx1">
-                    <a:lumMod val="75000"/>
-                    <a:lumOff val="25000"/>
-                  </a:schemeClr>
-                </a:solidFill>
-                <a:latin typeface="Noto Sans CJK KR Black" pitchFamily="34" charset="-127"/>
-                <a:ea typeface="Noto Sans CJK KR Black" pitchFamily="34" charset="-127"/>
-              </a:rPr>
-              <a:t>2. </a:t>
-            </a:r>
-            <a:r>
-              <a:rPr lang="ko-KR" altLang="en-US" sz="4400" dirty="0">
-                <a:solidFill>
-                  <a:schemeClr val="tx1">
-                    <a:lumMod val="75000"/>
-                    <a:lumOff val="25000"/>
-                  </a:schemeClr>
-                </a:solidFill>
-                <a:latin typeface="Noto Sans CJK KR Black" pitchFamily="34" charset="-127"/>
-                <a:ea typeface="Noto Sans CJK KR Black" pitchFamily="34" charset="-127"/>
-              </a:rPr>
-              <a:t>시계열</a:t>
-            </a:r>
-            <a:br>
-              <a:rPr lang="en-US" altLang="ko-KR" sz="4400" dirty="0">
-                <a:solidFill>
-                  <a:schemeClr val="tx1">
-                    <a:lumMod val="75000"/>
-                    <a:lumOff val="25000"/>
-                  </a:schemeClr>
-                </a:solidFill>
-                <a:latin typeface="Noto Sans CJK KR Black" pitchFamily="34" charset="-127"/>
-                <a:ea typeface="Noto Sans CJK KR Black" pitchFamily="34" charset="-127"/>
-              </a:rPr>
-            </a:br>
-            <a:r>
-              <a:rPr lang="ko-KR" altLang="en-US" sz="4400" dirty="0">
-                <a:solidFill>
-                  <a:schemeClr val="tx1">
-                    <a:lumMod val="75000"/>
-                    <a:lumOff val="25000"/>
-                  </a:schemeClr>
-                </a:solidFill>
-                <a:latin typeface="Noto Sans CJK KR Black" pitchFamily="34" charset="-127"/>
-                <a:ea typeface="Noto Sans CJK KR Black" pitchFamily="34" charset="-127"/>
-              </a:rPr>
-              <a:t> 알고리즘</a:t>
-            </a:r>
-            <a:endParaRPr lang="ko-KR" altLang="en-US" sz="4400" dirty="0">
-              <a:solidFill>
-                <a:schemeClr val="tx1">
-                  <a:lumMod val="75000"/>
-                  <a:lumOff val="25000"/>
-                </a:schemeClr>
-              </a:solidFill>
-            </a:endParaRPr>
-          </a:p>
-        </p:txBody>
-      </p:sp>
-      <p:sp>
-        <p:nvSpPr>
-          <p:cNvPr id="3" name="슬라이드 번호 개체 틀 2"/>
-          <p:cNvSpPr>
-            <a:spLocks noGrp="1"/>
-          </p:cNvSpPr>
-          <p:nvPr>
-            <p:ph type="sldNum" sz="quarter" idx="12"/>
-          </p:nvPr>
-        </p:nvSpPr>
-        <p:spPr/>
-        <p:txBody>
-          <a:bodyPr/>
-          <a:lstStyle/>
-          <a:p>
-            <a:fld id="{6DDAE2C3-1A0B-474A-8CE8-AE55B8D9D4B1}" type="slidenum">
-              <a:rPr lang="ko-KR" altLang="en-US" smtClean="0"/>
-              <a:pPr/>
-              <a:t>18</a:t>
-            </a:fld>
-            <a:endParaRPr lang="ko-KR" altLang="en-US" dirty="0"/>
-          </a:p>
-        </p:txBody>
-      </p:sp>
-      <p:pic>
-        <p:nvPicPr>
-          <p:cNvPr id="4" name="그림 3">
-            <a:extLst>
-              <a:ext uri="{FF2B5EF4-FFF2-40B4-BE49-F238E27FC236}">
-                <a16:creationId xmlns:a16="http://schemas.microsoft.com/office/drawing/2014/main" id="{828D62DA-4B6B-4483-906A-4E886DF86727}"/>
-              </a:ext>
-            </a:extLst>
-          </p:cNvPr>
-          <p:cNvPicPr>
-            <a:picLocks noChangeAspect="1"/>
-          </p:cNvPicPr>
-          <p:nvPr/>
-        </p:nvPicPr>
-        <p:blipFill>
-          <a:blip r:embed="rId2"/>
-          <a:stretch>
-            <a:fillRect/>
-          </a:stretch>
-        </p:blipFill>
-        <p:spPr>
-          <a:xfrm>
-            <a:off x="3847877" y="886619"/>
-            <a:ext cx="7505700" cy="5067300"/>
-          </a:xfrm>
-          <a:prstGeom prst="rect">
-            <a:avLst/>
-          </a:prstGeom>
-        </p:spPr>
-      </p:pic>
-    </p:spTree>
-    <p:extLst>
-      <p:ext uri="{BB962C8B-B14F-4D97-AF65-F5344CB8AC3E}">
-        <p14:creationId xmlns:p14="http://schemas.microsoft.com/office/powerpoint/2010/main" val="1104594349"/>
-      </p:ext>
-    </p:extLst>
-  </p:cSld>
-  <p:clrMapOvr>
-    <a:masterClrMapping/>
-  </p:clrMapOvr>
-</p:sld>
-</file>
-
-<file path=ppt/slides/slide19.xml><?xml version="1.0" encoding="utf-8"?>
-<p:sld xmlns:a="http://schemas.openxmlformats.org/drawingml/2006/main" xmlns:r="http://schemas.openxmlformats.org/officeDocument/2006/relationships" xmlns:p="http://schemas.openxmlformats.org/presentationml/2006/main">
-  <p:cSld>
-    <p:spTree>
-      <p:nvGrpSpPr>
-        <p:cNvPr id="1" name=""/>
-        <p:cNvGrpSpPr/>
-        <p:nvPr/>
-      </p:nvGrpSpPr>
-      <p:grpSpPr>
-        <a:xfrm>
-          <a:off x="0" y="0"/>
-          <a:ext cx="0" cy="0"/>
-          <a:chOff x="0" y="0"/>
-          <a:chExt cx="0" cy="0"/>
-        </a:xfrm>
-      </p:grpSpPr>
-      <p:sp>
-        <p:nvSpPr>
-          <p:cNvPr id="5" name="제목 4"/>
-          <p:cNvSpPr>
-            <a:spLocks noGrp="1"/>
-          </p:cNvSpPr>
-          <p:nvPr>
-            <p:ph type="title"/>
-          </p:nvPr>
-        </p:nvSpPr>
-        <p:spPr>
-          <a:xfrm>
-            <a:off x="608016" y="551987"/>
-            <a:ext cx="10944225" cy="1140090"/>
-          </a:xfrm>
-        </p:spPr>
-        <p:txBody>
-          <a:bodyPr>
-            <a:normAutofit/>
-          </a:bodyPr>
-          <a:lstStyle/>
-          <a:p>
-            <a:pPr algn="l"/>
-            <a:r>
-              <a:rPr lang="en-US" altLang="ko-KR" sz="4400" dirty="0">
-                <a:solidFill>
-                  <a:schemeClr val="tx1">
-                    <a:lumMod val="75000"/>
-                    <a:lumOff val="25000"/>
-                  </a:schemeClr>
-                </a:solidFill>
-                <a:latin typeface="Noto Sans CJK KR Black" pitchFamily="34" charset="-127"/>
-                <a:ea typeface="Noto Sans CJK KR Black" pitchFamily="34" charset="-127"/>
-              </a:rPr>
-              <a:t>2. </a:t>
-            </a:r>
-            <a:r>
-              <a:rPr lang="ko-KR" altLang="en-US" sz="4400" dirty="0">
-                <a:solidFill>
-                  <a:schemeClr val="tx1">
-                    <a:lumMod val="75000"/>
-                    <a:lumOff val="25000"/>
-                  </a:schemeClr>
-                </a:solidFill>
-                <a:latin typeface="Noto Sans CJK KR Black" pitchFamily="34" charset="-127"/>
-                <a:ea typeface="Noto Sans CJK KR Black" pitchFamily="34" charset="-127"/>
-              </a:rPr>
-              <a:t>시계열 알고리즘</a:t>
-            </a:r>
-            <a:endParaRPr lang="ko-KR" altLang="en-US" sz="4400" dirty="0">
-              <a:solidFill>
-                <a:schemeClr val="tx1">
-                  <a:lumMod val="75000"/>
-                  <a:lumOff val="25000"/>
-                </a:schemeClr>
-              </a:solidFill>
-            </a:endParaRPr>
-          </a:p>
-        </p:txBody>
-      </p:sp>
-      <p:sp>
-        <p:nvSpPr>
-          <p:cNvPr id="3" name="슬라이드 번호 개체 틀 2"/>
-          <p:cNvSpPr>
-            <a:spLocks noGrp="1"/>
-          </p:cNvSpPr>
-          <p:nvPr>
-            <p:ph type="sldNum" sz="quarter" idx="12"/>
-          </p:nvPr>
-        </p:nvSpPr>
-        <p:spPr/>
-        <p:txBody>
-          <a:bodyPr/>
-          <a:lstStyle/>
-          <a:p>
-            <a:fld id="{6DDAE2C3-1A0B-474A-8CE8-AE55B8D9D4B1}" type="slidenum">
-              <a:rPr lang="ko-KR" altLang="en-US" smtClean="0"/>
-              <a:pPr/>
-              <a:t>19</a:t>
-            </a:fld>
-            <a:endParaRPr lang="ko-KR" altLang="en-US" dirty="0"/>
-          </a:p>
-        </p:txBody>
-      </p:sp>
-      <p:pic>
-        <p:nvPicPr>
-          <p:cNvPr id="2" name="그림 1">
-            <a:extLst>
-              <a:ext uri="{FF2B5EF4-FFF2-40B4-BE49-F238E27FC236}">
-                <a16:creationId xmlns:a16="http://schemas.microsoft.com/office/drawing/2014/main" id="{5CA73266-A29F-4AF1-8637-0543EECC73DA}"/>
-              </a:ext>
-            </a:extLst>
-          </p:cNvPr>
-          <p:cNvPicPr>
-            <a:picLocks noChangeAspect="1"/>
-          </p:cNvPicPr>
-          <p:nvPr/>
-        </p:nvPicPr>
-        <p:blipFill>
-          <a:blip r:embed="rId2"/>
-          <a:stretch>
-            <a:fillRect/>
-          </a:stretch>
-        </p:blipFill>
-        <p:spPr>
-          <a:xfrm>
-            <a:off x="3022600" y="2917912"/>
-            <a:ext cx="6115050" cy="2228850"/>
-          </a:xfrm>
-          <a:prstGeom prst="rect">
-            <a:avLst/>
-          </a:prstGeom>
-        </p:spPr>
-      </p:pic>
-    </p:spTree>
-    <p:extLst>
-      <p:ext uri="{BB962C8B-B14F-4D97-AF65-F5344CB8AC3E}">
-        <p14:creationId xmlns:p14="http://schemas.microsoft.com/office/powerpoint/2010/main" val="4026991928"/>
-      </p:ext>
-    </p:extLst>
-  </p:cSld>
-  <p:clrMapOvr>
-    <a:masterClrMapping/>
-  </p:clrMapOvr>
-</p:sld>
-</file>
-
-<file path=ppt/slides/slide2.xml><?xml version="1.0" encoding="utf-8"?>
-<p:sld xmlns:a="http://schemas.openxmlformats.org/drawingml/2006/main" xmlns:r="http://schemas.openxmlformats.org/officeDocument/2006/relationships" xmlns:p="http://schemas.openxmlformats.org/presentationml/2006/main">
-  <p:cSld>
-    <p:bg>
-      <p:bgPr>
-        <a:solidFill>
-          <a:schemeClr val="bg1">
-            <a:lumMod val="65000"/>
-          </a:schemeClr>
-        </a:solidFill>
-        <a:effectLst/>
-      </p:bgPr>
-    </p:bg>
-    <p:spTree>
-      <p:nvGrpSpPr>
-        <p:cNvPr id="1" name=""/>
-        <p:cNvGrpSpPr/>
-        <p:nvPr/>
-      </p:nvGrpSpPr>
-      <p:grpSpPr>
-        <a:xfrm>
-          <a:off x="0" y="0"/>
-          <a:ext cx="0" cy="0"/>
-          <a:chOff x="0" y="0"/>
-          <a:chExt cx="0" cy="0"/>
-        </a:xfrm>
-      </p:grpSpPr>
-      <p:sp>
-        <p:nvSpPr>
-          <p:cNvPr id="5" name="슬라이드 번호 개체 틀 3">
-            <a:extLst>
-              <a:ext uri="{FF2B5EF4-FFF2-40B4-BE49-F238E27FC236}">
-                <a16:creationId xmlns:a16="http://schemas.microsoft.com/office/drawing/2014/main" id="{F33380C6-69E2-4A83-9BD2-04C62FE5D24B}"/>
-              </a:ext>
-            </a:extLst>
-          </p:cNvPr>
-          <p:cNvSpPr>
-            <a:spLocks noGrp="1"/>
-          </p:cNvSpPr>
-          <p:nvPr>
-            <p:ph type="sldNum" sz="quarter" idx="12"/>
-          </p:nvPr>
-        </p:nvSpPr>
-        <p:spPr>
-          <a:xfrm>
-            <a:off x="9160679" y="6372598"/>
-            <a:ext cx="2837392" cy="364195"/>
-          </a:xfrm>
-        </p:spPr>
-        <p:txBody>
-          <a:bodyPr/>
-          <a:lstStyle/>
-          <a:p>
-            <a:pPr marL="0" marR="0" lvl="0" indent="0" algn="r" defTabSz="1107796" rtl="0" eaLnBrk="1" fontAlgn="auto" latinLnBrk="1" hangingPunct="1">
-              <a:lnSpc>
-                <a:spcPct val="100000"/>
-              </a:lnSpc>
-              <a:spcBef>
-                <a:spcPts val="0"/>
-              </a:spcBef>
-              <a:spcAft>
-                <a:spcPts val="0"/>
-              </a:spcAft>
-              <a:buClrTx/>
-              <a:buSzTx/>
-              <a:buFontTx/>
-              <a:buNone/>
-              <a:tabLst/>
-              <a:defRPr/>
-            </a:pPr>
-            <a:fld id="{6DDAE2C3-1A0B-474A-8CE8-AE55B8D9D4B1}" type="slidenum">
-              <a:rPr kumimoji="0" lang="ko-KR" altLang="en-US" sz="900" b="0" i="0" u="none" strike="noStrike" kern="1200" cap="none" spc="0" normalizeH="0" baseline="0" noProof="0" smtClean="0">
-                <a:ln>
-                  <a:noFill/>
-                </a:ln>
-                <a:solidFill>
-                  <a:prstClr val="black">
-                    <a:tint val="75000"/>
-                  </a:prstClr>
-                </a:solidFill>
-                <a:effectLst/>
-                <a:uLnTx/>
-                <a:uFillTx/>
-                <a:ea typeface="Noto Sans CJK KR Bold" panose="020B0800000000000000" pitchFamily="34" charset="-127"/>
-                <a:cs typeface="+mn-cs"/>
-              </a:rPr>
-              <a:pPr marL="0" marR="0" lvl="0" indent="0" algn="r" defTabSz="1107796" rtl="0" eaLnBrk="1" fontAlgn="auto" latinLnBrk="1" hangingPunct="1">
-                <a:lnSpc>
-                  <a:spcPct val="100000"/>
-                </a:lnSpc>
-                <a:spcBef>
-                  <a:spcPts val="0"/>
-                </a:spcBef>
-                <a:spcAft>
-                  <a:spcPts val="0"/>
-                </a:spcAft>
-                <a:buClrTx/>
-                <a:buSzTx/>
-                <a:buFontTx/>
-                <a:buNone/>
-                <a:tabLst/>
-                <a:defRPr/>
-              </a:pPr>
-              <a:t>2</a:t>
-            </a:fld>
-            <a:endParaRPr kumimoji="0" lang="ko-KR" altLang="en-US" sz="900" b="0" i="0" u="none" strike="noStrike" kern="1200" cap="none" spc="0" normalizeH="0" baseline="0" noProof="0" dirty="0">
-              <a:ln>
-                <a:noFill/>
-              </a:ln>
-              <a:solidFill>
-                <a:prstClr val="black">
-                  <a:tint val="75000"/>
-                </a:prstClr>
-              </a:solidFill>
-              <a:effectLst/>
-              <a:uLnTx/>
-              <a:uFillTx/>
-              <a:ea typeface="Noto Sans CJK KR Bold" panose="020B0800000000000000" pitchFamily="34" charset="-127"/>
-              <a:cs typeface="+mn-cs"/>
-            </a:endParaRPr>
-          </a:p>
-        </p:txBody>
-      </p:sp>
-      <p:sp>
-        <p:nvSpPr>
-          <p:cNvPr id="6" name="TextBox 5">
-            <a:extLst>
-              <a:ext uri="{FF2B5EF4-FFF2-40B4-BE49-F238E27FC236}">
-                <a16:creationId xmlns:a16="http://schemas.microsoft.com/office/drawing/2014/main" id="{8BF01066-6B0A-4FA1-8C23-4A69A6736913}"/>
-              </a:ext>
-            </a:extLst>
-          </p:cNvPr>
-          <p:cNvSpPr txBox="1"/>
-          <p:nvPr/>
-        </p:nvSpPr>
-        <p:spPr>
-          <a:xfrm>
-            <a:off x="542135" y="855851"/>
-            <a:ext cx="11298630" cy="2708434"/>
-          </a:xfrm>
-          <a:prstGeom prst="rect">
-            <a:avLst/>
-          </a:prstGeom>
-          <a:noFill/>
-        </p:spPr>
-        <p:txBody>
-          <a:bodyPr wrap="square" lIns="0" tIns="0" rIns="0" bIns="0" rtlCol="0" anchor="t">
-            <a:spAutoFit/>
-          </a:bodyPr>
-          <a:lstStyle/>
-          <a:p>
-            <a:pPr marL="0" marR="0" lvl="0" indent="0" algn="l" defTabSz="1107796" rtl="0" eaLnBrk="1" fontAlgn="auto" latinLnBrk="1" hangingPunct="1">
-              <a:lnSpc>
-                <a:spcPct val="100000"/>
-              </a:lnSpc>
-              <a:spcBef>
-                <a:spcPts val="0"/>
-              </a:spcBef>
-              <a:spcAft>
-                <a:spcPts val="0"/>
-              </a:spcAft>
-              <a:buClrTx/>
-              <a:buSzTx/>
-              <a:buFontTx/>
-              <a:buNone/>
-              <a:tabLst/>
-              <a:defRPr/>
-            </a:pPr>
-            <a:r>
-              <a:rPr lang="en-US" altLang="ko-KR" sz="4400" dirty="0">
-                <a:solidFill>
-                  <a:prstClr val="white"/>
-                </a:solidFill>
-                <a:latin typeface="Noto Sans CJK KR Black" panose="020B0A00000000000000" pitchFamily="34" charset="-127"/>
-                <a:ea typeface="Noto Sans CJK KR Black" panose="020B0A00000000000000" pitchFamily="34" charset="-127"/>
-              </a:rPr>
-              <a:t>7</a:t>
-            </a:r>
-            <a:r>
-              <a:rPr kumimoji="0" lang="ko-KR" altLang="en-US" sz="4400" b="0" i="0" u="none" strike="noStrike" kern="1200" cap="none" spc="0" normalizeH="0" baseline="0" noProof="0" dirty="0">
-                <a:ln>
-                  <a:noFill/>
-                </a:ln>
-                <a:solidFill>
-                  <a:prstClr val="white"/>
-                </a:solidFill>
-                <a:effectLst/>
-                <a:uLnTx/>
-                <a:uFillTx/>
-                <a:latin typeface="Noto Sans CJK KR Black" panose="020B0A00000000000000" pitchFamily="34" charset="-127"/>
-                <a:ea typeface="Noto Sans CJK KR Black" panose="020B0A00000000000000" pitchFamily="34" charset="-127"/>
-                <a:cs typeface="+mn-cs"/>
-              </a:rPr>
-              <a:t>주차 </a:t>
-            </a:r>
-            <a:endParaRPr kumimoji="0" lang="en-US" altLang="ko-KR" sz="4400" b="0" i="0" u="none" strike="noStrike" kern="1200" cap="none" spc="0" normalizeH="0" baseline="0" noProof="0" dirty="0">
-              <a:ln>
-                <a:noFill/>
-              </a:ln>
-              <a:solidFill>
-                <a:prstClr val="white"/>
-              </a:solidFill>
-              <a:effectLst/>
-              <a:uLnTx/>
-              <a:uFillTx/>
-              <a:latin typeface="Noto Sans CJK KR Black" panose="020B0A00000000000000" pitchFamily="34" charset="-127"/>
-              <a:ea typeface="Noto Sans CJK KR Black" panose="020B0A00000000000000" pitchFamily="34" charset="-127"/>
-              <a:cs typeface="+mn-cs"/>
-            </a:endParaRPr>
-          </a:p>
-          <a:p>
-            <a:pPr marL="0" marR="0" lvl="0" indent="0" algn="l" defTabSz="1107796" rtl="0" eaLnBrk="1" fontAlgn="auto" latinLnBrk="1" hangingPunct="1">
-              <a:lnSpc>
-                <a:spcPct val="100000"/>
-              </a:lnSpc>
-              <a:spcBef>
-                <a:spcPts val="0"/>
-              </a:spcBef>
-              <a:spcAft>
-                <a:spcPts val="0"/>
-              </a:spcAft>
-              <a:buClrTx/>
-              <a:buSzTx/>
-              <a:buFontTx/>
-              <a:buNone/>
-              <a:tabLst/>
-              <a:defRPr/>
-            </a:pPr>
-            <a:r>
-              <a:rPr kumimoji="0" lang="ko-KR" altLang="en-US" sz="4400" b="0" i="0" u="none" strike="noStrike" kern="1200" cap="none" spc="0" normalizeH="0" baseline="0" noProof="0" dirty="0">
-                <a:ln>
-                  <a:noFill/>
-                </a:ln>
-                <a:solidFill>
-                  <a:prstClr val="white"/>
-                </a:solidFill>
-                <a:effectLst/>
-                <a:uLnTx/>
-                <a:uFillTx/>
-                <a:latin typeface="Noto Sans CJK KR Black" panose="020B0A00000000000000" pitchFamily="34" charset="-127"/>
-                <a:ea typeface="Noto Sans CJK KR Black" panose="020B0A00000000000000" pitchFamily="34" charset="-127"/>
-                <a:cs typeface="+mn-cs"/>
-              </a:rPr>
-              <a:t>강의의 목적</a:t>
-            </a:r>
-            <a:endParaRPr kumimoji="0" lang="en-US" altLang="ko-KR" sz="4400" b="0" i="0" u="none" strike="noStrike" kern="1200" cap="none" spc="0" normalizeH="0" baseline="0" noProof="0" dirty="0">
-              <a:ln>
-                <a:noFill/>
-              </a:ln>
-              <a:solidFill>
-                <a:prstClr val="white"/>
-              </a:solidFill>
-              <a:effectLst/>
-              <a:uLnTx/>
-              <a:uFillTx/>
-              <a:latin typeface="Noto Sans CJK KR Black" panose="020B0A00000000000000" pitchFamily="34" charset="-127"/>
-              <a:ea typeface="Noto Sans CJK KR Black" panose="020B0A00000000000000" pitchFamily="34" charset="-127"/>
-              <a:cs typeface="+mn-cs"/>
-            </a:endParaRPr>
-          </a:p>
-          <a:p>
-            <a:pPr marL="0" marR="0" lvl="0" indent="0" algn="l" defTabSz="1107796" rtl="0" eaLnBrk="1" fontAlgn="auto" latinLnBrk="1" hangingPunct="1">
-              <a:lnSpc>
-                <a:spcPct val="100000"/>
-              </a:lnSpc>
-              <a:spcBef>
-                <a:spcPts val="0"/>
-              </a:spcBef>
-              <a:spcAft>
-                <a:spcPts val="0"/>
-              </a:spcAft>
-              <a:buClrTx/>
-              <a:buSzTx/>
-              <a:buFontTx/>
-              <a:buNone/>
-              <a:tabLst/>
-              <a:defRPr/>
-            </a:pPr>
-            <a:endParaRPr kumimoji="0" lang="en-US" altLang="ko-KR" sz="4400" b="0" i="0" u="none" strike="noStrike" kern="1200" cap="none" spc="0" normalizeH="0" baseline="0" noProof="0" dirty="0">
-              <a:ln>
-                <a:noFill/>
-              </a:ln>
-              <a:solidFill>
-                <a:prstClr val="white"/>
-              </a:solidFill>
-              <a:effectLst/>
-              <a:uLnTx/>
-              <a:uFillTx/>
-              <a:latin typeface="Noto Sans CJK KR Black" panose="020B0A00000000000000" pitchFamily="34" charset="-127"/>
-              <a:ea typeface="Noto Sans CJK KR Black" panose="020B0A00000000000000" pitchFamily="34" charset="-127"/>
-              <a:cs typeface="+mn-cs"/>
-            </a:endParaRPr>
-          </a:p>
-          <a:p>
-            <a:pPr marL="0" marR="0" lvl="0" indent="0" algn="l" defTabSz="1107796" rtl="0" eaLnBrk="1" fontAlgn="auto" latinLnBrk="1" hangingPunct="1">
-              <a:lnSpc>
-                <a:spcPct val="100000"/>
-              </a:lnSpc>
-              <a:spcBef>
-                <a:spcPts val="0"/>
-              </a:spcBef>
-              <a:spcAft>
-                <a:spcPts val="0"/>
-              </a:spcAft>
-              <a:buClrTx/>
-              <a:buSzTx/>
-              <a:buFontTx/>
-              <a:buNone/>
-              <a:tabLst/>
-              <a:defRPr/>
-            </a:pPr>
-            <a:endParaRPr kumimoji="0" lang="en-US" altLang="ko-KR" sz="4400" b="0" i="0" u="none" strike="noStrike" kern="1200" cap="none" spc="0" normalizeH="0" baseline="0" noProof="0" dirty="0">
-              <a:ln>
-                <a:noFill/>
-              </a:ln>
-              <a:solidFill>
-                <a:prstClr val="white"/>
-              </a:solidFill>
-              <a:effectLst/>
-              <a:uLnTx/>
-              <a:uFillTx/>
-              <a:latin typeface="Noto Sans CJK KR Black" panose="020B0A00000000000000" pitchFamily="34" charset="-127"/>
-              <a:ea typeface="Noto Sans CJK KR Black" panose="020B0A00000000000000" pitchFamily="34" charset="-127"/>
-              <a:cs typeface="+mn-cs"/>
-            </a:endParaRPr>
-          </a:p>
-        </p:txBody>
-      </p:sp>
-      <p:sp>
-        <p:nvSpPr>
-          <p:cNvPr id="7" name="TextBox 6">
-            <a:extLst>
-              <a:ext uri="{FF2B5EF4-FFF2-40B4-BE49-F238E27FC236}">
-                <a16:creationId xmlns:a16="http://schemas.microsoft.com/office/drawing/2014/main" id="{9FE01AB0-92B6-48E5-9989-63C685E5911E}"/>
-              </a:ext>
-            </a:extLst>
-          </p:cNvPr>
-          <p:cNvSpPr txBox="1"/>
-          <p:nvPr/>
-        </p:nvSpPr>
-        <p:spPr>
-          <a:xfrm>
-            <a:off x="4783981" y="611957"/>
-            <a:ext cx="7056784" cy="216726"/>
-          </a:xfrm>
-          <a:prstGeom prst="rect">
-            <a:avLst/>
-          </a:prstGeom>
-          <a:noFill/>
-        </p:spPr>
-        <p:txBody>
-          <a:bodyPr wrap="square" lIns="0" tIns="0" rIns="0" bIns="0" rtlCol="0" anchor="t">
-            <a:spAutoFit/>
-          </a:bodyPr>
-          <a:lstStyle/>
-          <a:p>
-            <a:pPr marL="0" marR="0" lvl="0" indent="0" algn="l" defTabSz="1107796" rtl="0" eaLnBrk="1" fontAlgn="auto" latinLnBrk="1" hangingPunct="1">
-              <a:lnSpc>
-                <a:spcPct val="150000"/>
-              </a:lnSpc>
-              <a:spcBef>
-                <a:spcPts val="0"/>
-              </a:spcBef>
-              <a:spcAft>
-                <a:spcPts val="0"/>
-              </a:spcAft>
-              <a:buClrTx/>
-              <a:buSzTx/>
-              <a:buFontTx/>
-              <a:buNone/>
-              <a:tabLst/>
-              <a:defRPr/>
-            </a:pPr>
-            <a:endParaRPr kumimoji="0" lang="en-US" altLang="ko-KR" sz="1050" b="0" i="0" u="none" strike="noStrike" kern="1200" cap="none" spc="0" normalizeH="0" baseline="0" noProof="0" dirty="0">
-              <a:ln>
-                <a:noFill/>
-              </a:ln>
-              <a:solidFill>
-                <a:prstClr val="white"/>
-              </a:solidFill>
-              <a:effectLst/>
-              <a:uLnTx/>
-              <a:uFillTx/>
-              <a:latin typeface="Noto Sans CJK KR Medium" panose="020B0600000000000000" pitchFamily="34" charset="-127"/>
-              <a:ea typeface="Noto Sans CJK KR Medium" panose="020B0600000000000000" pitchFamily="34" charset="-127"/>
-              <a:cs typeface="+mn-cs"/>
-            </a:endParaRPr>
-          </a:p>
-        </p:txBody>
-      </p:sp>
-      <p:pic>
-        <p:nvPicPr>
-          <p:cNvPr id="3" name="그림 2">
-            <a:extLst>
-              <a:ext uri="{FF2B5EF4-FFF2-40B4-BE49-F238E27FC236}">
-                <a16:creationId xmlns:a16="http://schemas.microsoft.com/office/drawing/2014/main" id="{B28E21CB-C8A1-4CAF-9592-DF5B9164442D}"/>
-              </a:ext>
-            </a:extLst>
-          </p:cNvPr>
-          <p:cNvPicPr>
-            <a:picLocks noChangeAspect="1"/>
-          </p:cNvPicPr>
-          <p:nvPr/>
-        </p:nvPicPr>
-        <p:blipFill>
-          <a:blip r:embed="rId3">
-            <a:extLst>
-              <a:ext uri="{28A0092B-C50C-407E-A947-70E740481C1C}">
-                <a14:useLocalDpi xmlns:a14="http://schemas.microsoft.com/office/drawing/2010/main" val="0"/>
-              </a:ext>
-            </a:extLst>
-          </a:blip>
-          <a:stretch>
-            <a:fillRect/>
-          </a:stretch>
-        </p:blipFill>
-        <p:spPr>
-          <a:xfrm>
-            <a:off x="5509976" y="0"/>
-            <a:ext cx="6690829" cy="6840538"/>
-          </a:xfrm>
-          <a:prstGeom prst="rect">
-            <a:avLst/>
-          </a:prstGeom>
-        </p:spPr>
-      </p:pic>
-      <p:sp>
-        <p:nvSpPr>
-          <p:cNvPr id="4" name="TextBox 3">
-            <a:extLst>
-              <a:ext uri="{FF2B5EF4-FFF2-40B4-BE49-F238E27FC236}">
-                <a16:creationId xmlns:a16="http://schemas.microsoft.com/office/drawing/2014/main" id="{CA2685AD-645E-46B4-A56D-609A7F21A7F6}"/>
-              </a:ext>
-            </a:extLst>
-          </p:cNvPr>
-          <p:cNvSpPr txBox="1"/>
-          <p:nvPr/>
-        </p:nvSpPr>
-        <p:spPr>
-          <a:xfrm>
-            <a:off x="8839421" y="395933"/>
-            <a:ext cx="3240360" cy="3456384"/>
-          </a:xfrm>
-          <a:prstGeom prst="rect">
-            <a:avLst/>
-          </a:prstGeom>
-          <a:noFill/>
-          <a:ln w="38100">
-            <a:solidFill>
-              <a:srgbClr val="FF0000"/>
-            </a:solidFill>
-          </a:ln>
-        </p:spPr>
-        <p:txBody>
-          <a:bodyPr wrap="square" rtlCol="0">
-            <a:spAutoFit/>
-          </a:bodyPr>
-          <a:lstStyle/>
-          <a:p>
-            <a:pPr marL="0" marR="0" lvl="0" indent="0" algn="l" defTabSz="1107796" rtl="0" eaLnBrk="1" fontAlgn="auto" latinLnBrk="1" hangingPunct="1">
-              <a:lnSpc>
-                <a:spcPct val="100000"/>
-              </a:lnSpc>
-              <a:spcBef>
-                <a:spcPts val="0"/>
-              </a:spcBef>
-              <a:spcAft>
-                <a:spcPts val="0"/>
-              </a:spcAft>
-              <a:buClrTx/>
-              <a:buSzTx/>
-              <a:buFontTx/>
-              <a:buNone/>
-              <a:tabLst/>
-              <a:defRPr/>
-            </a:pPr>
-            <a:endParaRPr kumimoji="0" lang="ko-KR" altLang="en-US" sz="2200" b="0" i="0" u="none" strike="noStrike" kern="1200" cap="none" spc="0" normalizeH="0" baseline="0" noProof="0" dirty="0">
-              <a:ln>
-                <a:noFill/>
-              </a:ln>
-              <a:solidFill>
-                <a:prstClr val="black"/>
-              </a:solidFill>
-              <a:effectLst/>
-              <a:uLnTx/>
-              <a:uFillTx/>
-              <a:latin typeface="맑은 고딕"/>
-              <a:ea typeface="맑은 고딕" panose="020B0503020000020004" pitchFamily="50" charset="-127"/>
-              <a:cs typeface="+mn-cs"/>
-            </a:endParaRPr>
-          </a:p>
-        </p:txBody>
-      </p:sp>
-      <p:sp>
-        <p:nvSpPr>
-          <p:cNvPr id="2" name="TextBox 1">
-            <a:extLst>
-              <a:ext uri="{FF2B5EF4-FFF2-40B4-BE49-F238E27FC236}">
-                <a16:creationId xmlns:a16="http://schemas.microsoft.com/office/drawing/2014/main" id="{DFBBB71B-7ED5-452D-8227-709D161A0F80}"/>
-              </a:ext>
-            </a:extLst>
-          </p:cNvPr>
-          <p:cNvSpPr txBox="1"/>
-          <p:nvPr/>
-        </p:nvSpPr>
-        <p:spPr>
-          <a:xfrm>
-            <a:off x="5576069" y="3852317"/>
-            <a:ext cx="3142328" cy="2708434"/>
-          </a:xfrm>
-          <a:prstGeom prst="rect">
-            <a:avLst/>
-          </a:prstGeom>
-          <a:noFill/>
-          <a:ln w="38100">
-            <a:solidFill>
-              <a:srgbClr val="FF0000"/>
-            </a:solidFill>
-          </a:ln>
-        </p:spPr>
-        <p:txBody>
-          <a:bodyPr wrap="square" rtlCol="0">
-            <a:spAutoFit/>
-          </a:bodyPr>
-          <a:lstStyle/>
-          <a:p>
-            <a:endParaRPr lang="ko-KR" altLang="en-US" dirty="0"/>
-          </a:p>
-        </p:txBody>
-      </p:sp>
-    </p:spTree>
-    <p:extLst>
-      <p:ext uri="{BB962C8B-B14F-4D97-AF65-F5344CB8AC3E}">
-        <p14:creationId xmlns:p14="http://schemas.microsoft.com/office/powerpoint/2010/main" val="21412904"/>
-      </p:ext>
-    </p:extLst>
-  </p:cSld>
-  <p:clrMapOvr>
-    <a:masterClrMapping/>
-  </p:clrMapOvr>
-</p:sld>
-</file>
-
-<file path=ppt/slides/slide20.xml><?xml version="1.0" encoding="utf-8"?>
-<p:sld xmlns:a="http://schemas.openxmlformats.org/drawingml/2006/main" xmlns:r="http://schemas.openxmlformats.org/officeDocument/2006/relationships" xmlns:p="http://schemas.openxmlformats.org/presentationml/2006/main">
-  <p:cSld>
-    <p:spTree>
-      <p:nvGrpSpPr>
-        <p:cNvPr id="1" name=""/>
-        <p:cNvGrpSpPr/>
-        <p:nvPr/>
-      </p:nvGrpSpPr>
-      <p:grpSpPr>
-        <a:xfrm>
-          <a:off x="0" y="0"/>
-          <a:ext cx="0" cy="0"/>
-          <a:chOff x="0" y="0"/>
-          <a:chExt cx="0" cy="0"/>
-        </a:xfrm>
-      </p:grpSpPr>
-      <p:sp>
-        <p:nvSpPr>
-          <p:cNvPr id="5" name="제목 4"/>
-          <p:cNvSpPr>
-            <a:spLocks noGrp="1"/>
-          </p:cNvSpPr>
-          <p:nvPr>
-            <p:ph type="title"/>
-          </p:nvPr>
-        </p:nvSpPr>
-        <p:spPr>
-          <a:xfrm>
-            <a:off x="608016" y="551987"/>
-            <a:ext cx="10944225" cy="1140090"/>
-          </a:xfrm>
-        </p:spPr>
-        <p:txBody>
-          <a:bodyPr>
-            <a:normAutofit/>
-          </a:bodyPr>
-          <a:lstStyle/>
-          <a:p>
-            <a:pPr algn="l"/>
-            <a:r>
-              <a:rPr lang="en-US" altLang="ko-KR" sz="4400" dirty="0">
-                <a:solidFill>
-                  <a:schemeClr val="tx1">
-                    <a:lumMod val="75000"/>
-                    <a:lumOff val="25000"/>
-                  </a:schemeClr>
-                </a:solidFill>
-                <a:latin typeface="Noto Sans CJK KR Black" pitchFamily="34" charset="-127"/>
-                <a:ea typeface="Noto Sans CJK KR Black" pitchFamily="34" charset="-127"/>
-              </a:rPr>
-              <a:t>2. </a:t>
-            </a:r>
-            <a:r>
-              <a:rPr lang="ko-KR" altLang="en-US" sz="4400" dirty="0">
-                <a:solidFill>
-                  <a:schemeClr val="tx1">
-                    <a:lumMod val="75000"/>
-                    <a:lumOff val="25000"/>
-                  </a:schemeClr>
-                </a:solidFill>
-                <a:latin typeface="Noto Sans CJK KR Black" pitchFamily="34" charset="-127"/>
-                <a:ea typeface="Noto Sans CJK KR Black" pitchFamily="34" charset="-127"/>
-              </a:rPr>
-              <a:t>시계열 알고리즘</a:t>
-            </a:r>
-            <a:endParaRPr lang="ko-KR" altLang="en-US" sz="4400" dirty="0">
-              <a:solidFill>
-                <a:schemeClr val="tx1">
-                  <a:lumMod val="75000"/>
-                  <a:lumOff val="25000"/>
-                </a:schemeClr>
-              </a:solidFill>
-            </a:endParaRPr>
-          </a:p>
-        </p:txBody>
-      </p:sp>
-      <p:sp>
-        <p:nvSpPr>
-          <p:cNvPr id="3" name="슬라이드 번호 개체 틀 2"/>
-          <p:cNvSpPr>
-            <a:spLocks noGrp="1"/>
-          </p:cNvSpPr>
-          <p:nvPr>
-            <p:ph type="sldNum" sz="quarter" idx="12"/>
-          </p:nvPr>
-        </p:nvSpPr>
-        <p:spPr/>
-        <p:txBody>
-          <a:bodyPr/>
-          <a:lstStyle/>
-          <a:p>
-            <a:fld id="{6DDAE2C3-1A0B-474A-8CE8-AE55B8D9D4B1}" type="slidenum">
-              <a:rPr lang="ko-KR" altLang="en-US" smtClean="0"/>
-              <a:pPr/>
-              <a:t>20</a:t>
-            </a:fld>
-            <a:endParaRPr lang="ko-KR" altLang="en-US" dirty="0"/>
-          </a:p>
-        </p:txBody>
-      </p:sp>
-      <p:pic>
-        <p:nvPicPr>
-          <p:cNvPr id="2" name="그림 1">
-            <a:extLst>
-              <a:ext uri="{FF2B5EF4-FFF2-40B4-BE49-F238E27FC236}">
-                <a16:creationId xmlns:a16="http://schemas.microsoft.com/office/drawing/2014/main" id="{67A6B2D2-68A2-42B2-866E-D57F05A895B6}"/>
-              </a:ext>
-            </a:extLst>
-          </p:cNvPr>
-          <p:cNvPicPr>
-            <a:picLocks noChangeAspect="1"/>
-          </p:cNvPicPr>
-          <p:nvPr/>
-        </p:nvPicPr>
-        <p:blipFill>
-          <a:blip r:embed="rId2"/>
-          <a:stretch>
-            <a:fillRect/>
-          </a:stretch>
-        </p:blipFill>
-        <p:spPr>
-          <a:xfrm>
-            <a:off x="1889125" y="1860637"/>
-            <a:ext cx="8382000" cy="4343400"/>
-          </a:xfrm>
-          <a:prstGeom prst="rect">
-            <a:avLst/>
-          </a:prstGeom>
-        </p:spPr>
-      </p:pic>
-    </p:spTree>
-    <p:extLst>
-      <p:ext uri="{BB962C8B-B14F-4D97-AF65-F5344CB8AC3E}">
-        <p14:creationId xmlns:p14="http://schemas.microsoft.com/office/powerpoint/2010/main" val="397703192"/>
-      </p:ext>
-    </p:extLst>
-  </p:cSld>
-  <p:clrMapOvr>
-    <a:masterClrMapping/>
-  </p:clrMapOvr>
-</p:sld>
-</file>
-
-<file path=ppt/slides/slide21.xml><?xml version="1.0" encoding="utf-8"?>
-<p:sld xmlns:a="http://schemas.openxmlformats.org/drawingml/2006/main" xmlns:r="http://schemas.openxmlformats.org/officeDocument/2006/relationships" xmlns:p="http://schemas.openxmlformats.org/presentationml/2006/main">
-  <p:cSld>
-    <p:spTree>
-      <p:nvGrpSpPr>
-        <p:cNvPr id="1" name=""/>
-        <p:cNvGrpSpPr/>
-        <p:nvPr/>
-      </p:nvGrpSpPr>
-      <p:grpSpPr>
-        <a:xfrm>
-          <a:off x="0" y="0"/>
-          <a:ext cx="0" cy="0"/>
-          <a:chOff x="0" y="0"/>
-          <a:chExt cx="0" cy="0"/>
-        </a:xfrm>
-      </p:grpSpPr>
-      <p:sp>
-        <p:nvSpPr>
-          <p:cNvPr id="5" name="제목 4"/>
-          <p:cNvSpPr>
-            <a:spLocks noGrp="1"/>
-          </p:cNvSpPr>
-          <p:nvPr>
-            <p:ph type="title"/>
-          </p:nvPr>
-        </p:nvSpPr>
-        <p:spPr>
-          <a:xfrm>
-            <a:off x="608016" y="551987"/>
-            <a:ext cx="10944225" cy="1140090"/>
-          </a:xfrm>
-        </p:spPr>
-        <p:txBody>
-          <a:bodyPr>
-            <a:normAutofit/>
-          </a:bodyPr>
-          <a:lstStyle/>
-          <a:p>
-            <a:pPr algn="l"/>
-            <a:r>
-              <a:rPr lang="en-US" altLang="ko-KR" sz="4400" dirty="0">
-                <a:solidFill>
-                  <a:schemeClr val="tx1">
-                    <a:lumMod val="75000"/>
-                    <a:lumOff val="25000"/>
-                  </a:schemeClr>
-                </a:solidFill>
-                <a:latin typeface="Noto Sans CJK KR Black" pitchFamily="34" charset="-127"/>
-                <a:ea typeface="Noto Sans CJK KR Black" pitchFamily="34" charset="-127"/>
-              </a:rPr>
-              <a:t>2. </a:t>
-            </a:r>
-            <a:r>
-              <a:rPr lang="ko-KR" altLang="en-US" sz="4400" dirty="0">
-                <a:solidFill>
-                  <a:schemeClr val="tx1">
-                    <a:lumMod val="75000"/>
-                    <a:lumOff val="25000"/>
-                  </a:schemeClr>
-                </a:solidFill>
-                <a:latin typeface="Noto Sans CJK KR Black" pitchFamily="34" charset="-127"/>
-                <a:ea typeface="Noto Sans CJK KR Black" pitchFamily="34" charset="-127"/>
-              </a:rPr>
-              <a:t>시계열 알고리즘</a:t>
-            </a:r>
-            <a:endParaRPr lang="ko-KR" altLang="en-US" sz="4400" dirty="0">
-              <a:solidFill>
-                <a:schemeClr val="tx1">
-                  <a:lumMod val="75000"/>
-                  <a:lumOff val="25000"/>
-                </a:schemeClr>
-              </a:solidFill>
-            </a:endParaRPr>
-          </a:p>
-        </p:txBody>
-      </p:sp>
-      <p:sp>
-        <p:nvSpPr>
-          <p:cNvPr id="3" name="슬라이드 번호 개체 틀 2"/>
-          <p:cNvSpPr>
-            <a:spLocks noGrp="1"/>
-          </p:cNvSpPr>
-          <p:nvPr>
-            <p:ph type="sldNum" sz="quarter" idx="12"/>
-          </p:nvPr>
-        </p:nvSpPr>
-        <p:spPr/>
-        <p:txBody>
-          <a:bodyPr/>
-          <a:lstStyle/>
-          <a:p>
-            <a:fld id="{6DDAE2C3-1A0B-474A-8CE8-AE55B8D9D4B1}" type="slidenum">
-              <a:rPr lang="ko-KR" altLang="en-US" smtClean="0"/>
-              <a:pPr/>
-              <a:t>21</a:t>
-            </a:fld>
-            <a:endParaRPr lang="ko-KR" altLang="en-US" dirty="0"/>
-          </a:p>
-        </p:txBody>
-      </p:sp>
-      <p:pic>
-        <p:nvPicPr>
-          <p:cNvPr id="2" name="그림 1">
-            <a:extLst>
-              <a:ext uri="{FF2B5EF4-FFF2-40B4-BE49-F238E27FC236}">
-                <a16:creationId xmlns:a16="http://schemas.microsoft.com/office/drawing/2014/main" id="{08676314-CC49-448D-A2FD-030F814F0DC8}"/>
-              </a:ext>
-            </a:extLst>
-          </p:cNvPr>
-          <p:cNvPicPr>
-            <a:picLocks noChangeAspect="1"/>
-          </p:cNvPicPr>
-          <p:nvPr/>
-        </p:nvPicPr>
-        <p:blipFill>
-          <a:blip r:embed="rId2"/>
-          <a:stretch>
-            <a:fillRect/>
-          </a:stretch>
-        </p:blipFill>
-        <p:spPr>
-          <a:xfrm>
-            <a:off x="1474787" y="1975496"/>
-            <a:ext cx="9210675" cy="4324350"/>
-          </a:xfrm>
-          <a:prstGeom prst="rect">
-            <a:avLst/>
-          </a:prstGeom>
-        </p:spPr>
-      </p:pic>
-    </p:spTree>
-    <p:extLst>
-      <p:ext uri="{BB962C8B-B14F-4D97-AF65-F5344CB8AC3E}">
-        <p14:creationId xmlns:p14="http://schemas.microsoft.com/office/powerpoint/2010/main" val="1574801903"/>
-      </p:ext>
-    </p:extLst>
-  </p:cSld>
-  <p:clrMapOvr>
-    <a:masterClrMapping/>
-  </p:clrMapOvr>
-</p:sld>
-</file>
-
 <file path=ppt/slides/slide22.xml><?xml version="1.0" encoding="utf-8"?>
 <p:sld xmlns:a="http://schemas.openxmlformats.org/drawingml/2006/main" xmlns:r="http://schemas.openxmlformats.org/officeDocument/2006/relationships" xmlns:p="http://schemas.openxmlformats.org/presentationml/2006/main">
   <p:cSld>
@@ -6595,2569 +6431,6 @@
         </p:nvSpPr>
         <p:spPr>
           <a:xfrm>
-            <a:off x="608016" y="551987"/>
-            <a:ext cx="10944225" cy="1140090"/>
-          </a:xfrm>
-        </p:spPr>
-        <p:txBody>
-          <a:bodyPr>
-            <a:normAutofit/>
-          </a:bodyPr>
-          <a:lstStyle/>
-          <a:p>
-            <a:pPr algn="l"/>
-            <a:r>
-              <a:rPr lang="en-US" altLang="ko-KR" sz="4400" dirty="0">
-                <a:solidFill>
-                  <a:schemeClr val="tx1">
-                    <a:lumMod val="75000"/>
-                    <a:lumOff val="25000"/>
-                  </a:schemeClr>
-                </a:solidFill>
-                <a:latin typeface="Noto Sans CJK KR Black" pitchFamily="34" charset="-127"/>
-                <a:ea typeface="Noto Sans CJK KR Black" pitchFamily="34" charset="-127"/>
-              </a:rPr>
-              <a:t>2. </a:t>
-            </a:r>
-            <a:r>
-              <a:rPr lang="ko-KR" altLang="en-US" sz="4400" dirty="0">
-                <a:solidFill>
-                  <a:schemeClr val="tx1">
-                    <a:lumMod val="75000"/>
-                    <a:lumOff val="25000"/>
-                  </a:schemeClr>
-                </a:solidFill>
-                <a:latin typeface="Noto Sans CJK KR Black" pitchFamily="34" charset="-127"/>
-                <a:ea typeface="Noto Sans CJK KR Black" pitchFamily="34" charset="-127"/>
-              </a:rPr>
-              <a:t>시계열 알고리즘</a:t>
-            </a:r>
-            <a:endParaRPr lang="ko-KR" altLang="en-US" sz="4400" dirty="0">
-              <a:solidFill>
-                <a:schemeClr val="tx1">
-                  <a:lumMod val="75000"/>
-                  <a:lumOff val="25000"/>
-                </a:schemeClr>
-              </a:solidFill>
-            </a:endParaRPr>
-          </a:p>
-        </p:txBody>
-      </p:sp>
-      <p:sp>
-        <p:nvSpPr>
-          <p:cNvPr id="3" name="슬라이드 번호 개체 틀 2"/>
-          <p:cNvSpPr>
-            <a:spLocks noGrp="1"/>
-          </p:cNvSpPr>
-          <p:nvPr>
-            <p:ph type="sldNum" sz="quarter" idx="12"/>
-          </p:nvPr>
-        </p:nvSpPr>
-        <p:spPr/>
-        <p:txBody>
-          <a:bodyPr/>
-          <a:lstStyle/>
-          <a:p>
-            <a:fld id="{6DDAE2C3-1A0B-474A-8CE8-AE55B8D9D4B1}" type="slidenum">
-              <a:rPr lang="ko-KR" altLang="en-US" smtClean="0"/>
-              <a:pPr/>
-              <a:t>22</a:t>
-            </a:fld>
-            <a:endParaRPr lang="ko-KR" altLang="en-US" dirty="0"/>
-          </a:p>
-        </p:txBody>
-      </p:sp>
-      <p:pic>
-        <p:nvPicPr>
-          <p:cNvPr id="4" name="그림 3">
-            <a:extLst>
-              <a:ext uri="{FF2B5EF4-FFF2-40B4-BE49-F238E27FC236}">
-                <a16:creationId xmlns:a16="http://schemas.microsoft.com/office/drawing/2014/main" id="{BCC50408-961B-4F36-A0B8-5E511BEFEAC1}"/>
-              </a:ext>
-            </a:extLst>
-          </p:cNvPr>
-          <p:cNvPicPr>
-            <a:picLocks noChangeAspect="1"/>
-          </p:cNvPicPr>
-          <p:nvPr/>
-        </p:nvPicPr>
-        <p:blipFill>
-          <a:blip r:embed="rId2"/>
-          <a:stretch>
-            <a:fillRect/>
-          </a:stretch>
-        </p:blipFill>
-        <p:spPr>
-          <a:xfrm>
-            <a:off x="1922462" y="1965774"/>
-            <a:ext cx="8315325" cy="3990975"/>
-          </a:xfrm>
-          <a:prstGeom prst="rect">
-            <a:avLst/>
-          </a:prstGeom>
-        </p:spPr>
-      </p:pic>
-    </p:spTree>
-    <p:extLst>
-      <p:ext uri="{BB962C8B-B14F-4D97-AF65-F5344CB8AC3E}">
-        <p14:creationId xmlns:p14="http://schemas.microsoft.com/office/powerpoint/2010/main" val="283221814"/>
-      </p:ext>
-    </p:extLst>
-  </p:cSld>
-  <p:clrMapOvr>
-    <a:masterClrMapping/>
-  </p:clrMapOvr>
-</p:sld>
-</file>
-
-<file path=ppt/slides/slide23.xml><?xml version="1.0" encoding="utf-8"?>
-<p:sld xmlns:a="http://schemas.openxmlformats.org/drawingml/2006/main" xmlns:r="http://schemas.openxmlformats.org/officeDocument/2006/relationships" xmlns:p="http://schemas.openxmlformats.org/presentationml/2006/main">
-  <p:cSld>
-    <p:spTree>
-      <p:nvGrpSpPr>
-        <p:cNvPr id="1" name=""/>
-        <p:cNvGrpSpPr/>
-        <p:nvPr/>
-      </p:nvGrpSpPr>
-      <p:grpSpPr>
-        <a:xfrm>
-          <a:off x="0" y="0"/>
-          <a:ext cx="0" cy="0"/>
-          <a:chOff x="0" y="0"/>
-          <a:chExt cx="0" cy="0"/>
-        </a:xfrm>
-      </p:grpSpPr>
-      <p:sp>
-        <p:nvSpPr>
-          <p:cNvPr id="5" name="제목 4"/>
-          <p:cNvSpPr>
-            <a:spLocks noGrp="1"/>
-          </p:cNvSpPr>
-          <p:nvPr>
-            <p:ph type="title"/>
-          </p:nvPr>
-        </p:nvSpPr>
-        <p:spPr>
-          <a:xfrm>
-            <a:off x="608016" y="551987"/>
-            <a:ext cx="10944225" cy="1140090"/>
-          </a:xfrm>
-        </p:spPr>
-        <p:txBody>
-          <a:bodyPr>
-            <a:normAutofit/>
-          </a:bodyPr>
-          <a:lstStyle/>
-          <a:p>
-            <a:pPr algn="l"/>
-            <a:r>
-              <a:rPr lang="en-US" altLang="ko-KR" sz="4400" dirty="0">
-                <a:solidFill>
-                  <a:schemeClr val="tx1">
-                    <a:lumMod val="75000"/>
-                    <a:lumOff val="25000"/>
-                  </a:schemeClr>
-                </a:solidFill>
-                <a:latin typeface="Noto Sans CJK KR Black" pitchFamily="34" charset="-127"/>
-                <a:ea typeface="Noto Sans CJK KR Black" pitchFamily="34" charset="-127"/>
-              </a:rPr>
-              <a:t>2. </a:t>
-            </a:r>
-            <a:r>
-              <a:rPr lang="ko-KR" altLang="en-US" sz="4400" dirty="0">
-                <a:solidFill>
-                  <a:schemeClr val="tx1">
-                    <a:lumMod val="75000"/>
-                    <a:lumOff val="25000"/>
-                  </a:schemeClr>
-                </a:solidFill>
-                <a:latin typeface="Noto Sans CJK KR Black" pitchFamily="34" charset="-127"/>
-                <a:ea typeface="Noto Sans CJK KR Black" pitchFamily="34" charset="-127"/>
-              </a:rPr>
-              <a:t>시계열 알고리즘</a:t>
-            </a:r>
-            <a:endParaRPr lang="ko-KR" altLang="en-US" sz="4400" dirty="0">
-              <a:solidFill>
-                <a:schemeClr val="tx1">
-                  <a:lumMod val="75000"/>
-                  <a:lumOff val="25000"/>
-                </a:schemeClr>
-              </a:solidFill>
-            </a:endParaRPr>
-          </a:p>
-        </p:txBody>
-      </p:sp>
-      <p:sp>
-        <p:nvSpPr>
-          <p:cNvPr id="3" name="슬라이드 번호 개체 틀 2"/>
-          <p:cNvSpPr>
-            <a:spLocks noGrp="1"/>
-          </p:cNvSpPr>
-          <p:nvPr>
-            <p:ph type="sldNum" sz="quarter" idx="12"/>
-          </p:nvPr>
-        </p:nvSpPr>
-        <p:spPr/>
-        <p:txBody>
-          <a:bodyPr/>
-          <a:lstStyle/>
-          <a:p>
-            <a:fld id="{6DDAE2C3-1A0B-474A-8CE8-AE55B8D9D4B1}" type="slidenum">
-              <a:rPr lang="ko-KR" altLang="en-US" smtClean="0"/>
-              <a:pPr/>
-              <a:t>23</a:t>
-            </a:fld>
-            <a:endParaRPr lang="ko-KR" altLang="en-US" dirty="0"/>
-          </a:p>
-        </p:txBody>
-      </p:sp>
-      <p:pic>
-        <p:nvPicPr>
-          <p:cNvPr id="2" name="그림 1">
-            <a:extLst>
-              <a:ext uri="{FF2B5EF4-FFF2-40B4-BE49-F238E27FC236}">
-                <a16:creationId xmlns:a16="http://schemas.microsoft.com/office/drawing/2014/main" id="{C1B67AC1-2FA1-4363-85E8-514C9B336657}"/>
-              </a:ext>
-            </a:extLst>
-          </p:cNvPr>
-          <p:cNvPicPr>
-            <a:picLocks noChangeAspect="1"/>
-          </p:cNvPicPr>
-          <p:nvPr/>
-        </p:nvPicPr>
-        <p:blipFill>
-          <a:blip r:embed="rId2"/>
-          <a:stretch>
-            <a:fillRect/>
-          </a:stretch>
-        </p:blipFill>
-        <p:spPr>
-          <a:xfrm>
-            <a:off x="1360487" y="2052117"/>
-            <a:ext cx="9439275" cy="3600450"/>
-          </a:xfrm>
-          <a:prstGeom prst="rect">
-            <a:avLst/>
-          </a:prstGeom>
-        </p:spPr>
-      </p:pic>
-    </p:spTree>
-    <p:extLst>
-      <p:ext uri="{BB962C8B-B14F-4D97-AF65-F5344CB8AC3E}">
-        <p14:creationId xmlns:p14="http://schemas.microsoft.com/office/powerpoint/2010/main" val="2312771449"/>
-      </p:ext>
-    </p:extLst>
-  </p:cSld>
-  <p:clrMapOvr>
-    <a:masterClrMapping/>
-  </p:clrMapOvr>
-</p:sld>
-</file>
-
-<file path=ppt/slides/slide24.xml><?xml version="1.0" encoding="utf-8"?>
-<p:sld xmlns:a="http://schemas.openxmlformats.org/drawingml/2006/main" xmlns:r="http://schemas.openxmlformats.org/officeDocument/2006/relationships" xmlns:p="http://schemas.openxmlformats.org/presentationml/2006/main">
-  <p:cSld>
-    <p:spTree>
-      <p:nvGrpSpPr>
-        <p:cNvPr id="1" name=""/>
-        <p:cNvGrpSpPr/>
-        <p:nvPr/>
-      </p:nvGrpSpPr>
-      <p:grpSpPr>
-        <a:xfrm>
-          <a:off x="0" y="0"/>
-          <a:ext cx="0" cy="0"/>
-          <a:chOff x="0" y="0"/>
-          <a:chExt cx="0" cy="0"/>
-        </a:xfrm>
-      </p:grpSpPr>
-      <p:sp>
-        <p:nvSpPr>
-          <p:cNvPr id="5" name="제목 4"/>
-          <p:cNvSpPr>
-            <a:spLocks noGrp="1"/>
-          </p:cNvSpPr>
-          <p:nvPr>
-            <p:ph type="title"/>
-          </p:nvPr>
-        </p:nvSpPr>
-        <p:spPr>
-          <a:xfrm>
-            <a:off x="608016" y="551987"/>
-            <a:ext cx="10944225" cy="1140090"/>
-          </a:xfrm>
-        </p:spPr>
-        <p:txBody>
-          <a:bodyPr>
-            <a:normAutofit/>
-          </a:bodyPr>
-          <a:lstStyle/>
-          <a:p>
-            <a:pPr algn="l"/>
-            <a:r>
-              <a:rPr lang="en-US" altLang="ko-KR" sz="4400" dirty="0">
-                <a:solidFill>
-                  <a:schemeClr val="tx1">
-                    <a:lumMod val="75000"/>
-                    <a:lumOff val="25000"/>
-                  </a:schemeClr>
-                </a:solidFill>
-                <a:latin typeface="Noto Sans CJK KR Black" pitchFamily="34" charset="-127"/>
-                <a:ea typeface="Noto Sans CJK KR Black" pitchFamily="34" charset="-127"/>
-              </a:rPr>
-              <a:t>2. </a:t>
-            </a:r>
-            <a:r>
-              <a:rPr lang="ko-KR" altLang="en-US" sz="4400" dirty="0">
-                <a:solidFill>
-                  <a:schemeClr val="tx1">
-                    <a:lumMod val="75000"/>
-                    <a:lumOff val="25000"/>
-                  </a:schemeClr>
-                </a:solidFill>
-                <a:latin typeface="Noto Sans CJK KR Black" pitchFamily="34" charset="-127"/>
-                <a:ea typeface="Noto Sans CJK KR Black" pitchFamily="34" charset="-127"/>
-              </a:rPr>
-              <a:t>시계열 알고리즘</a:t>
-            </a:r>
-            <a:endParaRPr lang="ko-KR" altLang="en-US" sz="4400" dirty="0">
-              <a:solidFill>
-                <a:schemeClr val="tx1">
-                  <a:lumMod val="75000"/>
-                  <a:lumOff val="25000"/>
-                </a:schemeClr>
-              </a:solidFill>
-            </a:endParaRPr>
-          </a:p>
-        </p:txBody>
-      </p:sp>
-      <p:sp>
-        <p:nvSpPr>
-          <p:cNvPr id="3" name="슬라이드 번호 개체 틀 2"/>
-          <p:cNvSpPr>
-            <a:spLocks noGrp="1"/>
-          </p:cNvSpPr>
-          <p:nvPr>
-            <p:ph type="sldNum" sz="quarter" idx="12"/>
-          </p:nvPr>
-        </p:nvSpPr>
-        <p:spPr/>
-        <p:txBody>
-          <a:bodyPr/>
-          <a:lstStyle/>
-          <a:p>
-            <a:fld id="{6DDAE2C3-1A0B-474A-8CE8-AE55B8D9D4B1}" type="slidenum">
-              <a:rPr lang="ko-KR" altLang="en-US" smtClean="0"/>
-              <a:pPr/>
-              <a:t>24</a:t>
-            </a:fld>
-            <a:endParaRPr lang="ko-KR" altLang="en-US" dirty="0"/>
-          </a:p>
-        </p:txBody>
-      </p:sp>
-      <p:pic>
-        <p:nvPicPr>
-          <p:cNvPr id="2" name="그림 1">
-            <a:extLst>
-              <a:ext uri="{FF2B5EF4-FFF2-40B4-BE49-F238E27FC236}">
-                <a16:creationId xmlns:a16="http://schemas.microsoft.com/office/drawing/2014/main" id="{87D39FCD-94C8-4B24-80A3-3CC63A7774DD}"/>
-              </a:ext>
-            </a:extLst>
-          </p:cNvPr>
-          <p:cNvPicPr>
-            <a:picLocks noChangeAspect="1"/>
-          </p:cNvPicPr>
-          <p:nvPr/>
-        </p:nvPicPr>
-        <p:blipFill>
-          <a:blip r:embed="rId2"/>
-          <a:stretch>
-            <a:fillRect/>
-          </a:stretch>
-        </p:blipFill>
-        <p:spPr>
-          <a:xfrm>
-            <a:off x="1893887" y="1692077"/>
-            <a:ext cx="8372475" cy="4733925"/>
-          </a:xfrm>
-          <a:prstGeom prst="rect">
-            <a:avLst/>
-          </a:prstGeom>
-        </p:spPr>
-      </p:pic>
-    </p:spTree>
-    <p:extLst>
-      <p:ext uri="{BB962C8B-B14F-4D97-AF65-F5344CB8AC3E}">
-        <p14:creationId xmlns:p14="http://schemas.microsoft.com/office/powerpoint/2010/main" val="4031268737"/>
-      </p:ext>
-    </p:extLst>
-  </p:cSld>
-  <p:clrMapOvr>
-    <a:masterClrMapping/>
-  </p:clrMapOvr>
-</p:sld>
-</file>
-
-<file path=ppt/slides/slide25.xml><?xml version="1.0" encoding="utf-8"?>
-<p:sld xmlns:a="http://schemas.openxmlformats.org/drawingml/2006/main" xmlns:r="http://schemas.openxmlformats.org/officeDocument/2006/relationships" xmlns:p="http://schemas.openxmlformats.org/presentationml/2006/main">
-  <p:cSld>
-    <p:spTree>
-      <p:nvGrpSpPr>
-        <p:cNvPr id="1" name=""/>
-        <p:cNvGrpSpPr/>
-        <p:nvPr/>
-      </p:nvGrpSpPr>
-      <p:grpSpPr>
-        <a:xfrm>
-          <a:off x="0" y="0"/>
-          <a:ext cx="0" cy="0"/>
-          <a:chOff x="0" y="0"/>
-          <a:chExt cx="0" cy="0"/>
-        </a:xfrm>
-      </p:grpSpPr>
-      <p:sp>
-        <p:nvSpPr>
-          <p:cNvPr id="5" name="제목 4"/>
-          <p:cNvSpPr>
-            <a:spLocks noGrp="1"/>
-          </p:cNvSpPr>
-          <p:nvPr>
-            <p:ph type="title"/>
-          </p:nvPr>
-        </p:nvSpPr>
-        <p:spPr>
-          <a:xfrm>
-            <a:off x="608016" y="551987"/>
-            <a:ext cx="10944225" cy="1140090"/>
-          </a:xfrm>
-        </p:spPr>
-        <p:txBody>
-          <a:bodyPr>
-            <a:normAutofit/>
-          </a:bodyPr>
-          <a:lstStyle/>
-          <a:p>
-            <a:pPr algn="l"/>
-            <a:r>
-              <a:rPr lang="en-US" altLang="ko-KR" sz="4400" dirty="0">
-                <a:solidFill>
-                  <a:schemeClr val="tx1">
-                    <a:lumMod val="75000"/>
-                    <a:lumOff val="25000"/>
-                  </a:schemeClr>
-                </a:solidFill>
-                <a:latin typeface="Noto Sans CJK KR Black" pitchFamily="34" charset="-127"/>
-                <a:ea typeface="Noto Sans CJK KR Black" pitchFamily="34" charset="-127"/>
-              </a:rPr>
-              <a:t>2. </a:t>
-            </a:r>
-            <a:r>
-              <a:rPr lang="ko-KR" altLang="en-US" sz="4400" dirty="0">
-                <a:solidFill>
-                  <a:schemeClr val="tx1">
-                    <a:lumMod val="75000"/>
-                    <a:lumOff val="25000"/>
-                  </a:schemeClr>
-                </a:solidFill>
-                <a:latin typeface="Noto Sans CJK KR Black" pitchFamily="34" charset="-127"/>
-                <a:ea typeface="Noto Sans CJK KR Black" pitchFamily="34" charset="-127"/>
-              </a:rPr>
-              <a:t>시계열 알고리즘</a:t>
-            </a:r>
-            <a:endParaRPr lang="ko-KR" altLang="en-US" sz="4400" dirty="0">
-              <a:solidFill>
-                <a:schemeClr val="tx1">
-                  <a:lumMod val="75000"/>
-                  <a:lumOff val="25000"/>
-                </a:schemeClr>
-              </a:solidFill>
-            </a:endParaRPr>
-          </a:p>
-        </p:txBody>
-      </p:sp>
-      <p:sp>
-        <p:nvSpPr>
-          <p:cNvPr id="3" name="슬라이드 번호 개체 틀 2"/>
-          <p:cNvSpPr>
-            <a:spLocks noGrp="1"/>
-          </p:cNvSpPr>
-          <p:nvPr>
-            <p:ph type="sldNum" sz="quarter" idx="12"/>
-          </p:nvPr>
-        </p:nvSpPr>
-        <p:spPr/>
-        <p:txBody>
-          <a:bodyPr/>
-          <a:lstStyle/>
-          <a:p>
-            <a:fld id="{6DDAE2C3-1A0B-474A-8CE8-AE55B8D9D4B1}" type="slidenum">
-              <a:rPr lang="ko-KR" altLang="en-US" smtClean="0"/>
-              <a:pPr/>
-              <a:t>25</a:t>
-            </a:fld>
-            <a:endParaRPr lang="ko-KR" altLang="en-US" dirty="0"/>
-          </a:p>
-        </p:txBody>
-      </p:sp>
-      <p:pic>
-        <p:nvPicPr>
-          <p:cNvPr id="2" name="그림 1">
-            <a:extLst>
-              <a:ext uri="{FF2B5EF4-FFF2-40B4-BE49-F238E27FC236}">
-                <a16:creationId xmlns:a16="http://schemas.microsoft.com/office/drawing/2014/main" id="{052BAC70-1FB4-456A-8C07-D186B27780D7}"/>
-              </a:ext>
-            </a:extLst>
-          </p:cNvPr>
-          <p:cNvPicPr>
-            <a:picLocks noChangeAspect="1"/>
-          </p:cNvPicPr>
-          <p:nvPr/>
-        </p:nvPicPr>
-        <p:blipFill>
-          <a:blip r:embed="rId2"/>
-          <a:stretch>
-            <a:fillRect/>
-          </a:stretch>
-        </p:blipFill>
-        <p:spPr>
-          <a:xfrm>
-            <a:off x="1722437" y="1935626"/>
-            <a:ext cx="8715375" cy="4352925"/>
-          </a:xfrm>
-          <a:prstGeom prst="rect">
-            <a:avLst/>
-          </a:prstGeom>
-        </p:spPr>
-      </p:pic>
-    </p:spTree>
-    <p:extLst>
-      <p:ext uri="{BB962C8B-B14F-4D97-AF65-F5344CB8AC3E}">
-        <p14:creationId xmlns:p14="http://schemas.microsoft.com/office/powerpoint/2010/main" val="330327131"/>
-      </p:ext>
-    </p:extLst>
-  </p:cSld>
-  <p:clrMapOvr>
-    <a:masterClrMapping/>
-  </p:clrMapOvr>
-</p:sld>
-</file>
-
-<file path=ppt/slides/slide26.xml><?xml version="1.0" encoding="utf-8"?>
-<p:sld xmlns:a="http://schemas.openxmlformats.org/drawingml/2006/main" xmlns:r="http://schemas.openxmlformats.org/officeDocument/2006/relationships" xmlns:p="http://schemas.openxmlformats.org/presentationml/2006/main">
-  <p:cSld>
-    <p:spTree>
-      <p:nvGrpSpPr>
-        <p:cNvPr id="1" name=""/>
-        <p:cNvGrpSpPr/>
-        <p:nvPr/>
-      </p:nvGrpSpPr>
-      <p:grpSpPr>
-        <a:xfrm>
-          <a:off x="0" y="0"/>
-          <a:ext cx="0" cy="0"/>
-          <a:chOff x="0" y="0"/>
-          <a:chExt cx="0" cy="0"/>
-        </a:xfrm>
-      </p:grpSpPr>
-      <p:sp>
-        <p:nvSpPr>
-          <p:cNvPr id="5" name="제목 4"/>
-          <p:cNvSpPr>
-            <a:spLocks noGrp="1"/>
-          </p:cNvSpPr>
-          <p:nvPr>
-            <p:ph type="title"/>
-          </p:nvPr>
-        </p:nvSpPr>
-        <p:spPr>
-          <a:xfrm>
-            <a:off x="608016" y="551987"/>
-            <a:ext cx="10944225" cy="1140090"/>
-          </a:xfrm>
-        </p:spPr>
-        <p:txBody>
-          <a:bodyPr>
-            <a:normAutofit/>
-          </a:bodyPr>
-          <a:lstStyle/>
-          <a:p>
-            <a:pPr algn="l"/>
-            <a:r>
-              <a:rPr lang="en-US" altLang="ko-KR" sz="4400" dirty="0">
-                <a:solidFill>
-                  <a:schemeClr val="tx1">
-                    <a:lumMod val="75000"/>
-                    <a:lumOff val="25000"/>
-                  </a:schemeClr>
-                </a:solidFill>
-                <a:latin typeface="Noto Sans CJK KR Black" pitchFamily="34" charset="-127"/>
-                <a:ea typeface="Noto Sans CJK KR Black" pitchFamily="34" charset="-127"/>
-              </a:rPr>
-              <a:t>2. </a:t>
-            </a:r>
-            <a:r>
-              <a:rPr lang="ko-KR" altLang="en-US" sz="4400" dirty="0">
-                <a:solidFill>
-                  <a:schemeClr val="tx1">
-                    <a:lumMod val="75000"/>
-                    <a:lumOff val="25000"/>
-                  </a:schemeClr>
-                </a:solidFill>
-                <a:latin typeface="Noto Sans CJK KR Black" pitchFamily="34" charset="-127"/>
-                <a:ea typeface="Noto Sans CJK KR Black" pitchFamily="34" charset="-127"/>
-              </a:rPr>
-              <a:t>시계열 알고리즘</a:t>
-            </a:r>
-            <a:endParaRPr lang="ko-KR" altLang="en-US" sz="4400" dirty="0">
-              <a:solidFill>
-                <a:schemeClr val="tx1">
-                  <a:lumMod val="75000"/>
-                  <a:lumOff val="25000"/>
-                </a:schemeClr>
-              </a:solidFill>
-            </a:endParaRPr>
-          </a:p>
-        </p:txBody>
-      </p:sp>
-      <p:sp>
-        <p:nvSpPr>
-          <p:cNvPr id="3" name="슬라이드 번호 개체 틀 2"/>
-          <p:cNvSpPr>
-            <a:spLocks noGrp="1"/>
-          </p:cNvSpPr>
-          <p:nvPr>
-            <p:ph type="sldNum" sz="quarter" idx="12"/>
-          </p:nvPr>
-        </p:nvSpPr>
-        <p:spPr/>
-        <p:txBody>
-          <a:bodyPr/>
-          <a:lstStyle/>
-          <a:p>
-            <a:fld id="{6DDAE2C3-1A0B-474A-8CE8-AE55B8D9D4B1}" type="slidenum">
-              <a:rPr lang="ko-KR" altLang="en-US" smtClean="0"/>
-              <a:pPr/>
-              <a:t>26</a:t>
-            </a:fld>
-            <a:endParaRPr lang="ko-KR" altLang="en-US" dirty="0"/>
-          </a:p>
-        </p:txBody>
-      </p:sp>
-      <p:pic>
-        <p:nvPicPr>
-          <p:cNvPr id="4" name="그림 3">
-            <a:extLst>
-              <a:ext uri="{FF2B5EF4-FFF2-40B4-BE49-F238E27FC236}">
-                <a16:creationId xmlns:a16="http://schemas.microsoft.com/office/drawing/2014/main" id="{3C90F62D-AA9E-4425-92BA-798591DD6729}"/>
-              </a:ext>
-            </a:extLst>
-          </p:cNvPr>
-          <p:cNvPicPr>
-            <a:picLocks noChangeAspect="1"/>
-          </p:cNvPicPr>
-          <p:nvPr/>
-        </p:nvPicPr>
-        <p:blipFill>
-          <a:blip r:embed="rId2"/>
-          <a:stretch>
-            <a:fillRect/>
-          </a:stretch>
-        </p:blipFill>
-        <p:spPr>
-          <a:xfrm>
-            <a:off x="2022475" y="1922964"/>
-            <a:ext cx="8115300" cy="4391025"/>
-          </a:xfrm>
-          <a:prstGeom prst="rect">
-            <a:avLst/>
-          </a:prstGeom>
-        </p:spPr>
-      </p:pic>
-    </p:spTree>
-    <p:extLst>
-      <p:ext uri="{BB962C8B-B14F-4D97-AF65-F5344CB8AC3E}">
-        <p14:creationId xmlns:p14="http://schemas.microsoft.com/office/powerpoint/2010/main" val="2495167973"/>
-      </p:ext>
-    </p:extLst>
-  </p:cSld>
-  <p:clrMapOvr>
-    <a:masterClrMapping/>
-  </p:clrMapOvr>
-</p:sld>
-</file>
-
-<file path=ppt/slides/slide27.xml><?xml version="1.0" encoding="utf-8"?>
-<p:sld xmlns:a="http://schemas.openxmlformats.org/drawingml/2006/main" xmlns:r="http://schemas.openxmlformats.org/officeDocument/2006/relationships" xmlns:p="http://schemas.openxmlformats.org/presentationml/2006/main">
-  <p:cSld>
-    <p:spTree>
-      <p:nvGrpSpPr>
-        <p:cNvPr id="1" name=""/>
-        <p:cNvGrpSpPr/>
-        <p:nvPr/>
-      </p:nvGrpSpPr>
-      <p:grpSpPr>
-        <a:xfrm>
-          <a:off x="0" y="0"/>
-          <a:ext cx="0" cy="0"/>
-          <a:chOff x="0" y="0"/>
-          <a:chExt cx="0" cy="0"/>
-        </a:xfrm>
-      </p:grpSpPr>
-      <p:sp>
-        <p:nvSpPr>
-          <p:cNvPr id="5" name="제목 4"/>
-          <p:cNvSpPr>
-            <a:spLocks noGrp="1"/>
-          </p:cNvSpPr>
-          <p:nvPr>
-            <p:ph type="title"/>
-          </p:nvPr>
-        </p:nvSpPr>
-        <p:spPr>
-          <a:xfrm>
-            <a:off x="608016" y="551987"/>
-            <a:ext cx="10944225" cy="1140090"/>
-          </a:xfrm>
-        </p:spPr>
-        <p:txBody>
-          <a:bodyPr>
-            <a:normAutofit/>
-          </a:bodyPr>
-          <a:lstStyle/>
-          <a:p>
-            <a:pPr algn="l"/>
-            <a:r>
-              <a:rPr lang="en-US" altLang="ko-KR" sz="4400" dirty="0">
-                <a:solidFill>
-                  <a:schemeClr val="tx1">
-                    <a:lumMod val="75000"/>
-                    <a:lumOff val="25000"/>
-                  </a:schemeClr>
-                </a:solidFill>
-                <a:latin typeface="Noto Sans CJK KR Black" pitchFamily="34" charset="-127"/>
-                <a:ea typeface="Noto Sans CJK KR Black" pitchFamily="34" charset="-127"/>
-              </a:rPr>
-              <a:t>2. </a:t>
-            </a:r>
-            <a:r>
-              <a:rPr lang="ko-KR" altLang="en-US" sz="4400" dirty="0">
-                <a:solidFill>
-                  <a:schemeClr val="tx1">
-                    <a:lumMod val="75000"/>
-                    <a:lumOff val="25000"/>
-                  </a:schemeClr>
-                </a:solidFill>
-                <a:latin typeface="Noto Sans CJK KR Black" pitchFamily="34" charset="-127"/>
-                <a:ea typeface="Noto Sans CJK KR Black" pitchFamily="34" charset="-127"/>
-              </a:rPr>
-              <a:t>시계열 알고리즘</a:t>
-            </a:r>
-            <a:endParaRPr lang="ko-KR" altLang="en-US" sz="4400" dirty="0">
-              <a:solidFill>
-                <a:schemeClr val="tx1">
-                  <a:lumMod val="75000"/>
-                  <a:lumOff val="25000"/>
-                </a:schemeClr>
-              </a:solidFill>
-            </a:endParaRPr>
-          </a:p>
-        </p:txBody>
-      </p:sp>
-      <p:sp>
-        <p:nvSpPr>
-          <p:cNvPr id="3" name="슬라이드 번호 개체 틀 2"/>
-          <p:cNvSpPr>
-            <a:spLocks noGrp="1"/>
-          </p:cNvSpPr>
-          <p:nvPr>
-            <p:ph type="sldNum" sz="quarter" idx="12"/>
-          </p:nvPr>
-        </p:nvSpPr>
-        <p:spPr/>
-        <p:txBody>
-          <a:bodyPr/>
-          <a:lstStyle/>
-          <a:p>
-            <a:fld id="{6DDAE2C3-1A0B-474A-8CE8-AE55B8D9D4B1}" type="slidenum">
-              <a:rPr lang="ko-KR" altLang="en-US" smtClean="0"/>
-              <a:pPr/>
-              <a:t>27</a:t>
-            </a:fld>
-            <a:endParaRPr lang="ko-KR" altLang="en-US" dirty="0"/>
-          </a:p>
-        </p:txBody>
-      </p:sp>
-      <p:pic>
-        <p:nvPicPr>
-          <p:cNvPr id="2" name="그림 1">
-            <a:extLst>
-              <a:ext uri="{FF2B5EF4-FFF2-40B4-BE49-F238E27FC236}">
-                <a16:creationId xmlns:a16="http://schemas.microsoft.com/office/drawing/2014/main" id="{AA295CA9-2E58-47A3-8568-74F5B573365E}"/>
-              </a:ext>
-            </a:extLst>
-          </p:cNvPr>
-          <p:cNvPicPr>
-            <a:picLocks noChangeAspect="1"/>
-          </p:cNvPicPr>
-          <p:nvPr/>
-        </p:nvPicPr>
-        <p:blipFill>
-          <a:blip r:embed="rId2"/>
-          <a:stretch>
-            <a:fillRect/>
-          </a:stretch>
-        </p:blipFill>
-        <p:spPr>
-          <a:xfrm>
-            <a:off x="2265362" y="1544545"/>
-            <a:ext cx="7629525" cy="5010150"/>
-          </a:xfrm>
-          <a:prstGeom prst="rect">
-            <a:avLst/>
-          </a:prstGeom>
-        </p:spPr>
-      </p:pic>
-    </p:spTree>
-    <p:extLst>
-      <p:ext uri="{BB962C8B-B14F-4D97-AF65-F5344CB8AC3E}">
-        <p14:creationId xmlns:p14="http://schemas.microsoft.com/office/powerpoint/2010/main" val="1765806923"/>
-      </p:ext>
-    </p:extLst>
-  </p:cSld>
-  <p:clrMapOvr>
-    <a:masterClrMapping/>
-  </p:clrMapOvr>
-</p:sld>
-</file>
-
-<file path=ppt/slides/slide28.xml><?xml version="1.0" encoding="utf-8"?>
-<p:sld xmlns:a="http://schemas.openxmlformats.org/drawingml/2006/main" xmlns:r="http://schemas.openxmlformats.org/officeDocument/2006/relationships" xmlns:p="http://schemas.openxmlformats.org/presentationml/2006/main">
-  <p:cSld>
-    <p:spTree>
-      <p:nvGrpSpPr>
-        <p:cNvPr id="1" name=""/>
-        <p:cNvGrpSpPr/>
-        <p:nvPr/>
-      </p:nvGrpSpPr>
-      <p:grpSpPr>
-        <a:xfrm>
-          <a:off x="0" y="0"/>
-          <a:ext cx="0" cy="0"/>
-          <a:chOff x="0" y="0"/>
-          <a:chExt cx="0" cy="0"/>
-        </a:xfrm>
-      </p:grpSpPr>
-      <p:sp>
-        <p:nvSpPr>
-          <p:cNvPr id="5" name="제목 4"/>
-          <p:cNvSpPr>
-            <a:spLocks noGrp="1"/>
-          </p:cNvSpPr>
-          <p:nvPr>
-            <p:ph type="title"/>
-          </p:nvPr>
-        </p:nvSpPr>
-        <p:spPr>
-          <a:xfrm>
-            <a:off x="608016" y="551987"/>
-            <a:ext cx="10944225" cy="1140090"/>
-          </a:xfrm>
-        </p:spPr>
-        <p:txBody>
-          <a:bodyPr>
-            <a:normAutofit fontScale="90000"/>
-          </a:bodyPr>
-          <a:lstStyle/>
-          <a:p>
-            <a:pPr algn="l"/>
-            <a:r>
-              <a:rPr lang="en-US" altLang="ko-KR" sz="4400" dirty="0">
-                <a:solidFill>
-                  <a:schemeClr val="tx1">
-                    <a:lumMod val="75000"/>
-                    <a:lumOff val="25000"/>
-                  </a:schemeClr>
-                </a:solidFill>
-                <a:latin typeface="Noto Sans CJK KR Black" pitchFamily="34" charset="-127"/>
-                <a:ea typeface="Noto Sans CJK KR Black" pitchFamily="34" charset="-127"/>
-              </a:rPr>
-              <a:t>2. </a:t>
-            </a:r>
-            <a:r>
-              <a:rPr lang="ko-KR" altLang="en-US" sz="4400" dirty="0">
-                <a:solidFill>
-                  <a:schemeClr val="tx1">
-                    <a:lumMod val="75000"/>
-                    <a:lumOff val="25000"/>
-                  </a:schemeClr>
-                </a:solidFill>
-                <a:latin typeface="Noto Sans CJK KR Black" pitchFamily="34" charset="-127"/>
-                <a:ea typeface="Noto Sans CJK KR Black" pitchFamily="34" charset="-127"/>
-              </a:rPr>
-              <a:t>시계열</a:t>
-            </a:r>
-            <a:br>
-              <a:rPr lang="en-US" altLang="ko-KR" sz="4400" dirty="0">
-                <a:solidFill>
-                  <a:schemeClr val="tx1">
-                    <a:lumMod val="75000"/>
-                    <a:lumOff val="25000"/>
-                  </a:schemeClr>
-                </a:solidFill>
-                <a:latin typeface="Noto Sans CJK KR Black" pitchFamily="34" charset="-127"/>
-                <a:ea typeface="Noto Sans CJK KR Black" pitchFamily="34" charset="-127"/>
-              </a:rPr>
-            </a:br>
-            <a:r>
-              <a:rPr lang="ko-KR" altLang="en-US" sz="4400" dirty="0">
-                <a:solidFill>
-                  <a:schemeClr val="tx1">
-                    <a:lumMod val="75000"/>
-                    <a:lumOff val="25000"/>
-                  </a:schemeClr>
-                </a:solidFill>
-                <a:latin typeface="Noto Sans CJK KR Black" pitchFamily="34" charset="-127"/>
-                <a:ea typeface="Noto Sans CJK KR Black" pitchFamily="34" charset="-127"/>
-              </a:rPr>
-              <a:t> 알고리즘</a:t>
-            </a:r>
-            <a:endParaRPr lang="ko-KR" altLang="en-US" sz="4400" dirty="0">
-              <a:solidFill>
-                <a:schemeClr val="tx1">
-                  <a:lumMod val="75000"/>
-                  <a:lumOff val="25000"/>
-                </a:schemeClr>
-              </a:solidFill>
-            </a:endParaRPr>
-          </a:p>
-        </p:txBody>
-      </p:sp>
-      <p:sp>
-        <p:nvSpPr>
-          <p:cNvPr id="3" name="슬라이드 번호 개체 틀 2"/>
-          <p:cNvSpPr>
-            <a:spLocks noGrp="1"/>
-          </p:cNvSpPr>
-          <p:nvPr>
-            <p:ph type="sldNum" sz="quarter" idx="12"/>
-          </p:nvPr>
-        </p:nvSpPr>
-        <p:spPr/>
-        <p:txBody>
-          <a:bodyPr/>
-          <a:lstStyle/>
-          <a:p>
-            <a:fld id="{6DDAE2C3-1A0B-474A-8CE8-AE55B8D9D4B1}" type="slidenum">
-              <a:rPr lang="ko-KR" altLang="en-US" smtClean="0"/>
-              <a:pPr/>
-              <a:t>28</a:t>
-            </a:fld>
-            <a:endParaRPr lang="ko-KR" altLang="en-US" dirty="0"/>
-          </a:p>
-        </p:txBody>
-      </p:sp>
-      <p:pic>
-        <p:nvPicPr>
-          <p:cNvPr id="2" name="그림 1">
-            <a:extLst>
-              <a:ext uri="{FF2B5EF4-FFF2-40B4-BE49-F238E27FC236}">
-                <a16:creationId xmlns:a16="http://schemas.microsoft.com/office/drawing/2014/main" id="{03484797-8DD9-40EE-A361-8007536FD597}"/>
-              </a:ext>
-            </a:extLst>
-          </p:cNvPr>
-          <p:cNvPicPr>
-            <a:picLocks noChangeAspect="1"/>
-          </p:cNvPicPr>
-          <p:nvPr/>
-        </p:nvPicPr>
-        <p:blipFill>
-          <a:blip r:embed="rId2"/>
-          <a:stretch>
-            <a:fillRect/>
-          </a:stretch>
-        </p:blipFill>
-        <p:spPr>
-          <a:xfrm>
-            <a:off x="3489661" y="250268"/>
-            <a:ext cx="8086725" cy="6486525"/>
-          </a:xfrm>
-          <a:prstGeom prst="rect">
-            <a:avLst/>
-          </a:prstGeom>
-        </p:spPr>
-      </p:pic>
-    </p:spTree>
-    <p:extLst>
-      <p:ext uri="{BB962C8B-B14F-4D97-AF65-F5344CB8AC3E}">
-        <p14:creationId xmlns:p14="http://schemas.microsoft.com/office/powerpoint/2010/main" val="289151988"/>
-      </p:ext>
-    </p:extLst>
-  </p:cSld>
-  <p:clrMapOvr>
-    <a:masterClrMapping/>
-  </p:clrMapOvr>
-</p:sld>
-</file>
-
-<file path=ppt/slides/slide29.xml><?xml version="1.0" encoding="utf-8"?>
-<p:sld xmlns:a="http://schemas.openxmlformats.org/drawingml/2006/main" xmlns:r="http://schemas.openxmlformats.org/officeDocument/2006/relationships" xmlns:p="http://schemas.openxmlformats.org/presentationml/2006/main">
-  <p:cSld>
-    <p:spTree>
-      <p:nvGrpSpPr>
-        <p:cNvPr id="1" name=""/>
-        <p:cNvGrpSpPr/>
-        <p:nvPr/>
-      </p:nvGrpSpPr>
-      <p:grpSpPr>
-        <a:xfrm>
-          <a:off x="0" y="0"/>
-          <a:ext cx="0" cy="0"/>
-          <a:chOff x="0" y="0"/>
-          <a:chExt cx="0" cy="0"/>
-        </a:xfrm>
-      </p:grpSpPr>
-      <p:sp>
-        <p:nvSpPr>
-          <p:cNvPr id="5" name="제목 4"/>
-          <p:cNvSpPr>
-            <a:spLocks noGrp="1"/>
-          </p:cNvSpPr>
-          <p:nvPr>
-            <p:ph type="title"/>
-          </p:nvPr>
-        </p:nvSpPr>
-        <p:spPr>
-          <a:xfrm>
-            <a:off x="608016" y="551987"/>
-            <a:ext cx="10944225" cy="1140090"/>
-          </a:xfrm>
-        </p:spPr>
-        <p:txBody>
-          <a:bodyPr>
-            <a:normAutofit fontScale="90000"/>
-          </a:bodyPr>
-          <a:lstStyle/>
-          <a:p>
-            <a:pPr algn="l"/>
-            <a:r>
-              <a:rPr lang="en-US" altLang="ko-KR" sz="4400" dirty="0">
-                <a:solidFill>
-                  <a:schemeClr val="tx1">
-                    <a:lumMod val="75000"/>
-                    <a:lumOff val="25000"/>
-                  </a:schemeClr>
-                </a:solidFill>
-                <a:latin typeface="Noto Sans CJK KR Black" pitchFamily="34" charset="-127"/>
-                <a:ea typeface="Noto Sans CJK KR Black" pitchFamily="34" charset="-127"/>
-              </a:rPr>
-              <a:t>2. </a:t>
-            </a:r>
-            <a:r>
-              <a:rPr lang="ko-KR" altLang="en-US" sz="4400" dirty="0">
-                <a:solidFill>
-                  <a:schemeClr val="tx1">
-                    <a:lumMod val="75000"/>
-                    <a:lumOff val="25000"/>
-                  </a:schemeClr>
-                </a:solidFill>
-                <a:latin typeface="Noto Sans CJK KR Black" pitchFamily="34" charset="-127"/>
-                <a:ea typeface="Noto Sans CJK KR Black" pitchFamily="34" charset="-127"/>
-              </a:rPr>
-              <a:t>시계열</a:t>
-            </a:r>
-            <a:br>
-              <a:rPr lang="en-US" altLang="ko-KR" sz="4400" dirty="0">
-                <a:solidFill>
-                  <a:schemeClr val="tx1">
-                    <a:lumMod val="75000"/>
-                    <a:lumOff val="25000"/>
-                  </a:schemeClr>
-                </a:solidFill>
-                <a:latin typeface="Noto Sans CJK KR Black" pitchFamily="34" charset="-127"/>
-                <a:ea typeface="Noto Sans CJK KR Black" pitchFamily="34" charset="-127"/>
-              </a:rPr>
-            </a:br>
-            <a:r>
-              <a:rPr lang="ko-KR" altLang="en-US" sz="4400" dirty="0">
-                <a:solidFill>
-                  <a:schemeClr val="tx1">
-                    <a:lumMod val="75000"/>
-                    <a:lumOff val="25000"/>
-                  </a:schemeClr>
-                </a:solidFill>
-                <a:latin typeface="Noto Sans CJK KR Black" pitchFamily="34" charset="-127"/>
-                <a:ea typeface="Noto Sans CJK KR Black" pitchFamily="34" charset="-127"/>
-              </a:rPr>
-              <a:t> 알고리즘</a:t>
-            </a:r>
-            <a:endParaRPr lang="ko-KR" altLang="en-US" sz="4400" dirty="0">
-              <a:solidFill>
-                <a:schemeClr val="tx1">
-                  <a:lumMod val="75000"/>
-                  <a:lumOff val="25000"/>
-                </a:schemeClr>
-              </a:solidFill>
-            </a:endParaRPr>
-          </a:p>
-        </p:txBody>
-      </p:sp>
-      <p:sp>
-        <p:nvSpPr>
-          <p:cNvPr id="3" name="슬라이드 번호 개체 틀 2"/>
-          <p:cNvSpPr>
-            <a:spLocks noGrp="1"/>
-          </p:cNvSpPr>
-          <p:nvPr>
-            <p:ph type="sldNum" sz="quarter" idx="12"/>
-          </p:nvPr>
-        </p:nvSpPr>
-        <p:spPr/>
-        <p:txBody>
-          <a:bodyPr/>
-          <a:lstStyle/>
-          <a:p>
-            <a:fld id="{6DDAE2C3-1A0B-474A-8CE8-AE55B8D9D4B1}" type="slidenum">
-              <a:rPr lang="ko-KR" altLang="en-US" smtClean="0"/>
-              <a:pPr/>
-              <a:t>29</a:t>
-            </a:fld>
-            <a:endParaRPr lang="ko-KR" altLang="en-US" dirty="0"/>
-          </a:p>
-        </p:txBody>
-      </p:sp>
-      <p:pic>
-        <p:nvPicPr>
-          <p:cNvPr id="4" name="그림 3">
-            <a:extLst>
-              <a:ext uri="{FF2B5EF4-FFF2-40B4-BE49-F238E27FC236}">
-                <a16:creationId xmlns:a16="http://schemas.microsoft.com/office/drawing/2014/main" id="{F0FE7305-0A94-42C9-B84B-D96AA1807E91}"/>
-              </a:ext>
-            </a:extLst>
-          </p:cNvPr>
-          <p:cNvPicPr>
-            <a:picLocks noChangeAspect="1"/>
-          </p:cNvPicPr>
-          <p:nvPr/>
-        </p:nvPicPr>
-        <p:blipFill>
-          <a:blip r:embed="rId2"/>
-          <a:stretch>
-            <a:fillRect/>
-          </a:stretch>
-        </p:blipFill>
-        <p:spPr>
-          <a:xfrm>
-            <a:off x="3127797" y="710406"/>
-            <a:ext cx="8191500" cy="5419725"/>
-          </a:xfrm>
-          <a:prstGeom prst="rect">
-            <a:avLst/>
-          </a:prstGeom>
-        </p:spPr>
-      </p:pic>
-    </p:spTree>
-    <p:extLst>
-      <p:ext uri="{BB962C8B-B14F-4D97-AF65-F5344CB8AC3E}">
-        <p14:creationId xmlns:p14="http://schemas.microsoft.com/office/powerpoint/2010/main" val="1275345114"/>
-      </p:ext>
-    </p:extLst>
-  </p:cSld>
-  <p:clrMapOvr>
-    <a:masterClrMapping/>
-  </p:clrMapOvr>
-</p:sld>
-</file>
-
-<file path=ppt/slides/slide3.xml><?xml version="1.0" encoding="utf-8"?>
-<p:sld xmlns:a="http://schemas.openxmlformats.org/drawingml/2006/main" xmlns:r="http://schemas.openxmlformats.org/officeDocument/2006/relationships" xmlns:p="http://schemas.openxmlformats.org/presentationml/2006/main">
-  <p:cSld>
-    <p:spTree>
-      <p:nvGrpSpPr>
-        <p:cNvPr id="1" name=""/>
-        <p:cNvGrpSpPr/>
-        <p:nvPr/>
-      </p:nvGrpSpPr>
-      <p:grpSpPr>
-        <a:xfrm>
-          <a:off x="0" y="0"/>
-          <a:ext cx="0" cy="0"/>
-          <a:chOff x="0" y="0"/>
-          <a:chExt cx="0" cy="0"/>
-        </a:xfrm>
-      </p:grpSpPr>
-      <p:sp>
-        <p:nvSpPr>
-          <p:cNvPr id="15" name="슬라이드 번호 개체 틀 14"/>
-          <p:cNvSpPr>
-            <a:spLocks noGrp="1"/>
-          </p:cNvSpPr>
-          <p:nvPr>
-            <p:ph type="sldNum" sz="quarter" idx="12"/>
-          </p:nvPr>
-        </p:nvSpPr>
-        <p:spPr/>
-        <p:txBody>
-          <a:bodyPr/>
-          <a:lstStyle/>
-          <a:p>
-            <a:fld id="{6DDAE2C3-1A0B-474A-8CE8-AE55B8D9D4B1}" type="slidenum">
-              <a:rPr lang="ko-KR" altLang="en-US" smtClean="0"/>
-              <a:pPr/>
-              <a:t>3</a:t>
-            </a:fld>
-            <a:endParaRPr lang="ko-KR" altLang="en-US" dirty="0"/>
-          </a:p>
-        </p:txBody>
-      </p:sp>
-      <p:pic>
-        <p:nvPicPr>
-          <p:cNvPr id="7" name="그림 6">
-            <a:extLst>
-              <a:ext uri="{FF2B5EF4-FFF2-40B4-BE49-F238E27FC236}">
-                <a16:creationId xmlns:a16="http://schemas.microsoft.com/office/drawing/2014/main" id="{3B1498C0-CB5D-4E80-B5A0-AAC79EF283B5}"/>
-              </a:ext>
-            </a:extLst>
-          </p:cNvPr>
-          <p:cNvPicPr>
-            <a:picLocks noChangeAspect="1"/>
-          </p:cNvPicPr>
-          <p:nvPr/>
-        </p:nvPicPr>
-        <p:blipFill>
-          <a:blip r:embed="rId2"/>
-          <a:stretch>
-            <a:fillRect/>
-          </a:stretch>
-        </p:blipFill>
-        <p:spPr>
-          <a:xfrm>
-            <a:off x="3917574" y="0"/>
-            <a:ext cx="4325102" cy="6840538"/>
-          </a:xfrm>
-          <a:prstGeom prst="rect">
-            <a:avLst/>
-          </a:prstGeom>
-        </p:spPr>
-      </p:pic>
-    </p:spTree>
-    <p:extLst>
-      <p:ext uri="{BB962C8B-B14F-4D97-AF65-F5344CB8AC3E}">
-        <p14:creationId xmlns:p14="http://schemas.microsoft.com/office/powerpoint/2010/main" val="2877754834"/>
-      </p:ext>
-    </p:extLst>
-  </p:cSld>
-  <p:clrMapOvr>
-    <a:masterClrMapping/>
-  </p:clrMapOvr>
-</p:sld>
-</file>
-
-<file path=ppt/slides/slide30.xml><?xml version="1.0" encoding="utf-8"?>
-<p:sld xmlns:a="http://schemas.openxmlformats.org/drawingml/2006/main" xmlns:r="http://schemas.openxmlformats.org/officeDocument/2006/relationships" xmlns:p="http://schemas.openxmlformats.org/presentationml/2006/main">
-  <p:cSld>
-    <p:spTree>
-      <p:nvGrpSpPr>
-        <p:cNvPr id="1" name=""/>
-        <p:cNvGrpSpPr/>
-        <p:nvPr/>
-      </p:nvGrpSpPr>
-      <p:grpSpPr>
-        <a:xfrm>
-          <a:off x="0" y="0"/>
-          <a:ext cx="0" cy="0"/>
-          <a:chOff x="0" y="0"/>
-          <a:chExt cx="0" cy="0"/>
-        </a:xfrm>
-      </p:grpSpPr>
-      <p:sp>
-        <p:nvSpPr>
-          <p:cNvPr id="5" name="제목 4"/>
-          <p:cNvSpPr>
-            <a:spLocks noGrp="1"/>
-          </p:cNvSpPr>
-          <p:nvPr>
-            <p:ph type="title"/>
-          </p:nvPr>
-        </p:nvSpPr>
-        <p:spPr>
-          <a:xfrm>
-            <a:off x="608016" y="551987"/>
-            <a:ext cx="10944225" cy="1140090"/>
-          </a:xfrm>
-        </p:spPr>
-        <p:txBody>
-          <a:bodyPr>
-            <a:normAutofit fontScale="90000"/>
-          </a:bodyPr>
-          <a:lstStyle/>
-          <a:p>
-            <a:pPr algn="l"/>
-            <a:r>
-              <a:rPr lang="en-US" altLang="ko-KR" sz="4400" dirty="0">
-                <a:solidFill>
-                  <a:schemeClr val="tx1">
-                    <a:lumMod val="75000"/>
-                    <a:lumOff val="25000"/>
-                  </a:schemeClr>
-                </a:solidFill>
-                <a:latin typeface="Noto Sans CJK KR Black" pitchFamily="34" charset="-127"/>
-                <a:ea typeface="Noto Sans CJK KR Black" pitchFamily="34" charset="-127"/>
-              </a:rPr>
-              <a:t>2. </a:t>
-            </a:r>
-            <a:r>
-              <a:rPr lang="ko-KR" altLang="en-US" sz="4400" dirty="0">
-                <a:solidFill>
-                  <a:schemeClr val="tx1">
-                    <a:lumMod val="75000"/>
-                    <a:lumOff val="25000"/>
-                  </a:schemeClr>
-                </a:solidFill>
-                <a:latin typeface="Noto Sans CJK KR Black" pitchFamily="34" charset="-127"/>
-                <a:ea typeface="Noto Sans CJK KR Black" pitchFamily="34" charset="-127"/>
-              </a:rPr>
-              <a:t>시계열</a:t>
-            </a:r>
-            <a:br>
-              <a:rPr lang="en-US" altLang="ko-KR" sz="4400" dirty="0">
-                <a:solidFill>
-                  <a:schemeClr val="tx1">
-                    <a:lumMod val="75000"/>
-                    <a:lumOff val="25000"/>
-                  </a:schemeClr>
-                </a:solidFill>
-                <a:latin typeface="Noto Sans CJK KR Black" pitchFamily="34" charset="-127"/>
-                <a:ea typeface="Noto Sans CJK KR Black" pitchFamily="34" charset="-127"/>
-              </a:rPr>
-            </a:br>
-            <a:r>
-              <a:rPr lang="ko-KR" altLang="en-US" sz="4400" dirty="0">
-                <a:solidFill>
-                  <a:schemeClr val="tx1">
-                    <a:lumMod val="75000"/>
-                    <a:lumOff val="25000"/>
-                  </a:schemeClr>
-                </a:solidFill>
-                <a:latin typeface="Noto Sans CJK KR Black" pitchFamily="34" charset="-127"/>
-                <a:ea typeface="Noto Sans CJK KR Black" pitchFamily="34" charset="-127"/>
-              </a:rPr>
-              <a:t> 알고리즘</a:t>
-            </a:r>
-            <a:endParaRPr lang="ko-KR" altLang="en-US" sz="4400" dirty="0">
-              <a:solidFill>
-                <a:schemeClr val="tx1">
-                  <a:lumMod val="75000"/>
-                  <a:lumOff val="25000"/>
-                </a:schemeClr>
-              </a:solidFill>
-            </a:endParaRPr>
-          </a:p>
-        </p:txBody>
-      </p:sp>
-      <p:sp>
-        <p:nvSpPr>
-          <p:cNvPr id="3" name="슬라이드 번호 개체 틀 2"/>
-          <p:cNvSpPr>
-            <a:spLocks noGrp="1"/>
-          </p:cNvSpPr>
-          <p:nvPr>
-            <p:ph type="sldNum" sz="quarter" idx="12"/>
-          </p:nvPr>
-        </p:nvSpPr>
-        <p:spPr/>
-        <p:txBody>
-          <a:bodyPr/>
-          <a:lstStyle/>
-          <a:p>
-            <a:fld id="{6DDAE2C3-1A0B-474A-8CE8-AE55B8D9D4B1}" type="slidenum">
-              <a:rPr lang="ko-KR" altLang="en-US" smtClean="0"/>
-              <a:pPr/>
-              <a:t>30</a:t>
-            </a:fld>
-            <a:endParaRPr lang="ko-KR" altLang="en-US" dirty="0"/>
-          </a:p>
-        </p:txBody>
-      </p:sp>
-      <p:pic>
-        <p:nvPicPr>
-          <p:cNvPr id="2" name="그림 1">
-            <a:extLst>
-              <a:ext uri="{FF2B5EF4-FFF2-40B4-BE49-F238E27FC236}">
-                <a16:creationId xmlns:a16="http://schemas.microsoft.com/office/drawing/2014/main" id="{1971BE0D-5480-4A84-BC53-E2D085F0E338}"/>
-              </a:ext>
-            </a:extLst>
-          </p:cNvPr>
-          <p:cNvPicPr>
-            <a:picLocks noChangeAspect="1"/>
-          </p:cNvPicPr>
-          <p:nvPr/>
-        </p:nvPicPr>
-        <p:blipFill>
-          <a:blip r:embed="rId2"/>
-          <a:stretch>
-            <a:fillRect/>
-          </a:stretch>
-        </p:blipFill>
-        <p:spPr>
-          <a:xfrm>
-            <a:off x="3415829" y="691356"/>
-            <a:ext cx="7972425" cy="5457825"/>
-          </a:xfrm>
-          <a:prstGeom prst="rect">
-            <a:avLst/>
-          </a:prstGeom>
-        </p:spPr>
-      </p:pic>
-    </p:spTree>
-    <p:extLst>
-      <p:ext uri="{BB962C8B-B14F-4D97-AF65-F5344CB8AC3E}">
-        <p14:creationId xmlns:p14="http://schemas.microsoft.com/office/powerpoint/2010/main" val="232908003"/>
-      </p:ext>
-    </p:extLst>
-  </p:cSld>
-  <p:clrMapOvr>
-    <a:masterClrMapping/>
-  </p:clrMapOvr>
-</p:sld>
-</file>
-
-<file path=ppt/slides/slide31.xml><?xml version="1.0" encoding="utf-8"?>
-<p:sld xmlns:a="http://schemas.openxmlformats.org/drawingml/2006/main" xmlns:r="http://schemas.openxmlformats.org/officeDocument/2006/relationships" xmlns:p="http://schemas.openxmlformats.org/presentationml/2006/main">
-  <p:cSld>
-    <p:spTree>
-      <p:nvGrpSpPr>
-        <p:cNvPr id="1" name=""/>
-        <p:cNvGrpSpPr/>
-        <p:nvPr/>
-      </p:nvGrpSpPr>
-      <p:grpSpPr>
-        <a:xfrm>
-          <a:off x="0" y="0"/>
-          <a:ext cx="0" cy="0"/>
-          <a:chOff x="0" y="0"/>
-          <a:chExt cx="0" cy="0"/>
-        </a:xfrm>
-      </p:grpSpPr>
-      <p:sp>
-        <p:nvSpPr>
-          <p:cNvPr id="5" name="제목 4"/>
-          <p:cNvSpPr>
-            <a:spLocks noGrp="1"/>
-          </p:cNvSpPr>
-          <p:nvPr>
-            <p:ph type="title"/>
-          </p:nvPr>
-        </p:nvSpPr>
-        <p:spPr>
-          <a:xfrm>
-            <a:off x="608016" y="551987"/>
-            <a:ext cx="10944225" cy="1140090"/>
-          </a:xfrm>
-        </p:spPr>
-        <p:txBody>
-          <a:bodyPr>
-            <a:normAutofit fontScale="90000"/>
-          </a:bodyPr>
-          <a:lstStyle/>
-          <a:p>
-            <a:pPr algn="l"/>
-            <a:r>
-              <a:rPr lang="en-US" altLang="ko-KR" sz="4400" dirty="0">
-                <a:solidFill>
-                  <a:schemeClr val="tx1">
-                    <a:lumMod val="75000"/>
-                    <a:lumOff val="25000"/>
-                  </a:schemeClr>
-                </a:solidFill>
-                <a:latin typeface="Noto Sans CJK KR Black" pitchFamily="34" charset="-127"/>
-                <a:ea typeface="Noto Sans CJK KR Black" pitchFamily="34" charset="-127"/>
-              </a:rPr>
-              <a:t>2. </a:t>
-            </a:r>
-            <a:r>
-              <a:rPr lang="ko-KR" altLang="en-US" sz="4400" dirty="0">
-                <a:solidFill>
-                  <a:schemeClr val="tx1">
-                    <a:lumMod val="75000"/>
-                    <a:lumOff val="25000"/>
-                  </a:schemeClr>
-                </a:solidFill>
-                <a:latin typeface="Noto Sans CJK KR Black" pitchFamily="34" charset="-127"/>
-                <a:ea typeface="Noto Sans CJK KR Black" pitchFamily="34" charset="-127"/>
-              </a:rPr>
-              <a:t>시계열</a:t>
-            </a:r>
-            <a:br>
-              <a:rPr lang="en-US" altLang="ko-KR" sz="4400" dirty="0">
-                <a:solidFill>
-                  <a:schemeClr val="tx1">
-                    <a:lumMod val="75000"/>
-                    <a:lumOff val="25000"/>
-                  </a:schemeClr>
-                </a:solidFill>
-                <a:latin typeface="Noto Sans CJK KR Black" pitchFamily="34" charset="-127"/>
-                <a:ea typeface="Noto Sans CJK KR Black" pitchFamily="34" charset="-127"/>
-              </a:rPr>
-            </a:br>
-            <a:r>
-              <a:rPr lang="ko-KR" altLang="en-US" sz="4400" dirty="0">
-                <a:solidFill>
-                  <a:schemeClr val="tx1">
-                    <a:lumMod val="75000"/>
-                    <a:lumOff val="25000"/>
-                  </a:schemeClr>
-                </a:solidFill>
-                <a:latin typeface="Noto Sans CJK KR Black" pitchFamily="34" charset="-127"/>
-                <a:ea typeface="Noto Sans CJK KR Black" pitchFamily="34" charset="-127"/>
-              </a:rPr>
-              <a:t> 알고리즘</a:t>
-            </a:r>
-            <a:endParaRPr lang="ko-KR" altLang="en-US" sz="4400" dirty="0">
-              <a:solidFill>
-                <a:schemeClr val="tx1">
-                  <a:lumMod val="75000"/>
-                  <a:lumOff val="25000"/>
-                </a:schemeClr>
-              </a:solidFill>
-            </a:endParaRPr>
-          </a:p>
-        </p:txBody>
-      </p:sp>
-      <p:sp>
-        <p:nvSpPr>
-          <p:cNvPr id="3" name="슬라이드 번호 개체 틀 2"/>
-          <p:cNvSpPr>
-            <a:spLocks noGrp="1"/>
-          </p:cNvSpPr>
-          <p:nvPr>
-            <p:ph type="sldNum" sz="quarter" idx="12"/>
-          </p:nvPr>
-        </p:nvSpPr>
-        <p:spPr/>
-        <p:txBody>
-          <a:bodyPr/>
-          <a:lstStyle/>
-          <a:p>
-            <a:fld id="{6DDAE2C3-1A0B-474A-8CE8-AE55B8D9D4B1}" type="slidenum">
-              <a:rPr lang="ko-KR" altLang="en-US" smtClean="0"/>
-              <a:pPr/>
-              <a:t>31</a:t>
-            </a:fld>
-            <a:endParaRPr lang="ko-KR" altLang="en-US" dirty="0"/>
-          </a:p>
-        </p:txBody>
-      </p:sp>
-      <p:pic>
-        <p:nvPicPr>
-          <p:cNvPr id="2" name="그림 1">
-            <a:extLst>
-              <a:ext uri="{FF2B5EF4-FFF2-40B4-BE49-F238E27FC236}">
-                <a16:creationId xmlns:a16="http://schemas.microsoft.com/office/drawing/2014/main" id="{5C1FF3F2-7BA7-4375-A261-2179837E2730}"/>
-              </a:ext>
-            </a:extLst>
-          </p:cNvPr>
-          <p:cNvPicPr>
-            <a:picLocks noChangeAspect="1"/>
-          </p:cNvPicPr>
-          <p:nvPr/>
-        </p:nvPicPr>
-        <p:blipFill>
-          <a:blip r:embed="rId2"/>
-          <a:stretch>
-            <a:fillRect/>
-          </a:stretch>
-        </p:blipFill>
-        <p:spPr>
-          <a:xfrm>
-            <a:off x="3608384" y="738249"/>
-            <a:ext cx="7943850" cy="5467350"/>
-          </a:xfrm>
-          <a:prstGeom prst="rect">
-            <a:avLst/>
-          </a:prstGeom>
-        </p:spPr>
-      </p:pic>
-    </p:spTree>
-    <p:extLst>
-      <p:ext uri="{BB962C8B-B14F-4D97-AF65-F5344CB8AC3E}">
-        <p14:creationId xmlns:p14="http://schemas.microsoft.com/office/powerpoint/2010/main" val="475516823"/>
-      </p:ext>
-    </p:extLst>
-  </p:cSld>
-  <p:clrMapOvr>
-    <a:masterClrMapping/>
-  </p:clrMapOvr>
-</p:sld>
-</file>
-
-<file path=ppt/slides/slide32.xml><?xml version="1.0" encoding="utf-8"?>
-<p:sld xmlns:a="http://schemas.openxmlformats.org/drawingml/2006/main" xmlns:r="http://schemas.openxmlformats.org/officeDocument/2006/relationships" xmlns:p="http://schemas.openxmlformats.org/presentationml/2006/main">
-  <p:cSld>
-    <p:spTree>
-      <p:nvGrpSpPr>
-        <p:cNvPr id="1" name=""/>
-        <p:cNvGrpSpPr/>
-        <p:nvPr/>
-      </p:nvGrpSpPr>
-      <p:grpSpPr>
-        <a:xfrm>
-          <a:off x="0" y="0"/>
-          <a:ext cx="0" cy="0"/>
-          <a:chOff x="0" y="0"/>
-          <a:chExt cx="0" cy="0"/>
-        </a:xfrm>
-      </p:grpSpPr>
-      <p:sp>
-        <p:nvSpPr>
-          <p:cNvPr id="5" name="제목 4"/>
-          <p:cNvSpPr>
-            <a:spLocks noGrp="1"/>
-          </p:cNvSpPr>
-          <p:nvPr>
-            <p:ph type="title"/>
-          </p:nvPr>
-        </p:nvSpPr>
-        <p:spPr>
-          <a:xfrm>
-            <a:off x="608016" y="551987"/>
-            <a:ext cx="10944225" cy="1140090"/>
-          </a:xfrm>
-        </p:spPr>
-        <p:txBody>
-          <a:bodyPr>
-            <a:normAutofit fontScale="90000"/>
-          </a:bodyPr>
-          <a:lstStyle/>
-          <a:p>
-            <a:pPr algn="l"/>
-            <a:r>
-              <a:rPr lang="en-US" altLang="ko-KR" sz="4400" dirty="0">
-                <a:solidFill>
-                  <a:schemeClr val="tx1">
-                    <a:lumMod val="75000"/>
-                    <a:lumOff val="25000"/>
-                  </a:schemeClr>
-                </a:solidFill>
-                <a:latin typeface="Noto Sans CJK KR Black" pitchFamily="34" charset="-127"/>
-                <a:ea typeface="Noto Sans CJK KR Black" pitchFamily="34" charset="-127"/>
-              </a:rPr>
-              <a:t>2. </a:t>
-            </a:r>
-            <a:r>
-              <a:rPr lang="ko-KR" altLang="en-US" sz="4400" dirty="0">
-                <a:solidFill>
-                  <a:schemeClr val="tx1">
-                    <a:lumMod val="75000"/>
-                    <a:lumOff val="25000"/>
-                  </a:schemeClr>
-                </a:solidFill>
-                <a:latin typeface="Noto Sans CJK KR Black" pitchFamily="34" charset="-127"/>
-                <a:ea typeface="Noto Sans CJK KR Black" pitchFamily="34" charset="-127"/>
-              </a:rPr>
-              <a:t>시계열</a:t>
-            </a:r>
-            <a:br>
-              <a:rPr lang="en-US" altLang="ko-KR" sz="4400" dirty="0">
-                <a:solidFill>
-                  <a:schemeClr val="tx1">
-                    <a:lumMod val="75000"/>
-                    <a:lumOff val="25000"/>
-                  </a:schemeClr>
-                </a:solidFill>
-                <a:latin typeface="Noto Sans CJK KR Black" pitchFamily="34" charset="-127"/>
-                <a:ea typeface="Noto Sans CJK KR Black" pitchFamily="34" charset="-127"/>
-              </a:rPr>
-            </a:br>
-            <a:r>
-              <a:rPr lang="ko-KR" altLang="en-US" sz="4400" dirty="0">
-                <a:solidFill>
-                  <a:schemeClr val="tx1">
-                    <a:lumMod val="75000"/>
-                    <a:lumOff val="25000"/>
-                  </a:schemeClr>
-                </a:solidFill>
-                <a:latin typeface="Noto Sans CJK KR Black" pitchFamily="34" charset="-127"/>
-                <a:ea typeface="Noto Sans CJK KR Black" pitchFamily="34" charset="-127"/>
-              </a:rPr>
-              <a:t> 알고리즘</a:t>
-            </a:r>
-            <a:endParaRPr lang="ko-KR" altLang="en-US" sz="4400" dirty="0">
-              <a:solidFill>
-                <a:schemeClr val="tx1">
-                  <a:lumMod val="75000"/>
-                  <a:lumOff val="25000"/>
-                </a:schemeClr>
-              </a:solidFill>
-            </a:endParaRPr>
-          </a:p>
-        </p:txBody>
-      </p:sp>
-      <p:sp>
-        <p:nvSpPr>
-          <p:cNvPr id="3" name="슬라이드 번호 개체 틀 2"/>
-          <p:cNvSpPr>
-            <a:spLocks noGrp="1"/>
-          </p:cNvSpPr>
-          <p:nvPr>
-            <p:ph type="sldNum" sz="quarter" idx="12"/>
-          </p:nvPr>
-        </p:nvSpPr>
-        <p:spPr/>
-        <p:txBody>
-          <a:bodyPr/>
-          <a:lstStyle/>
-          <a:p>
-            <a:fld id="{6DDAE2C3-1A0B-474A-8CE8-AE55B8D9D4B1}" type="slidenum">
-              <a:rPr lang="ko-KR" altLang="en-US" smtClean="0"/>
-              <a:pPr/>
-              <a:t>32</a:t>
-            </a:fld>
-            <a:endParaRPr lang="ko-KR" altLang="en-US" dirty="0"/>
-          </a:p>
-        </p:txBody>
-      </p:sp>
-      <p:pic>
-        <p:nvPicPr>
-          <p:cNvPr id="4" name="그림 3">
-            <a:extLst>
-              <a:ext uri="{FF2B5EF4-FFF2-40B4-BE49-F238E27FC236}">
-                <a16:creationId xmlns:a16="http://schemas.microsoft.com/office/drawing/2014/main" id="{143A1FBB-6C8B-4004-960C-68C995FB1A51}"/>
-              </a:ext>
-            </a:extLst>
-          </p:cNvPr>
-          <p:cNvPicPr>
-            <a:picLocks noChangeAspect="1"/>
-          </p:cNvPicPr>
-          <p:nvPr/>
-        </p:nvPicPr>
-        <p:blipFill>
-          <a:blip r:embed="rId2"/>
-          <a:stretch>
-            <a:fillRect/>
-          </a:stretch>
-        </p:blipFill>
-        <p:spPr>
-          <a:xfrm>
-            <a:off x="3487837" y="1548061"/>
-            <a:ext cx="7943850" cy="3886200"/>
-          </a:xfrm>
-          <a:prstGeom prst="rect">
-            <a:avLst/>
-          </a:prstGeom>
-        </p:spPr>
-      </p:pic>
-    </p:spTree>
-    <p:extLst>
-      <p:ext uri="{BB962C8B-B14F-4D97-AF65-F5344CB8AC3E}">
-        <p14:creationId xmlns:p14="http://schemas.microsoft.com/office/powerpoint/2010/main" val="678321718"/>
-      </p:ext>
-    </p:extLst>
-  </p:cSld>
-  <p:clrMapOvr>
-    <a:masterClrMapping/>
-  </p:clrMapOvr>
-</p:sld>
-</file>
-
-<file path=ppt/slides/slide33.xml><?xml version="1.0" encoding="utf-8"?>
-<p:sld xmlns:a="http://schemas.openxmlformats.org/drawingml/2006/main" xmlns:r="http://schemas.openxmlformats.org/officeDocument/2006/relationships" xmlns:p="http://schemas.openxmlformats.org/presentationml/2006/main">
-  <p:cSld>
-    <p:spTree>
-      <p:nvGrpSpPr>
-        <p:cNvPr id="1" name=""/>
-        <p:cNvGrpSpPr/>
-        <p:nvPr/>
-      </p:nvGrpSpPr>
-      <p:grpSpPr>
-        <a:xfrm>
-          <a:off x="0" y="0"/>
-          <a:ext cx="0" cy="0"/>
-          <a:chOff x="0" y="0"/>
-          <a:chExt cx="0" cy="0"/>
-        </a:xfrm>
-      </p:grpSpPr>
-      <p:sp>
-        <p:nvSpPr>
-          <p:cNvPr id="5" name="제목 4"/>
-          <p:cNvSpPr>
-            <a:spLocks noGrp="1"/>
-          </p:cNvSpPr>
-          <p:nvPr>
-            <p:ph type="title"/>
-          </p:nvPr>
-        </p:nvSpPr>
-        <p:spPr>
-          <a:xfrm>
-            <a:off x="608016" y="551987"/>
-            <a:ext cx="10944225" cy="1140090"/>
-          </a:xfrm>
-        </p:spPr>
-        <p:txBody>
-          <a:bodyPr>
-            <a:normAutofit/>
-          </a:bodyPr>
-          <a:lstStyle/>
-          <a:p>
-            <a:pPr algn="l"/>
-            <a:r>
-              <a:rPr lang="en-US" altLang="ko-KR" sz="4400" dirty="0">
-                <a:solidFill>
-                  <a:schemeClr val="tx1">
-                    <a:lumMod val="75000"/>
-                    <a:lumOff val="25000"/>
-                  </a:schemeClr>
-                </a:solidFill>
-                <a:latin typeface="Noto Sans CJK KR Black" pitchFamily="34" charset="-127"/>
-                <a:ea typeface="Noto Sans CJK KR Black" pitchFamily="34" charset="-127"/>
-              </a:rPr>
-              <a:t>2. </a:t>
-            </a:r>
-            <a:r>
-              <a:rPr lang="ko-KR" altLang="en-US" sz="4400" dirty="0">
-                <a:solidFill>
-                  <a:schemeClr val="tx1">
-                    <a:lumMod val="75000"/>
-                    <a:lumOff val="25000"/>
-                  </a:schemeClr>
-                </a:solidFill>
-                <a:latin typeface="Noto Sans CJK KR Black" pitchFamily="34" charset="-127"/>
-                <a:ea typeface="Noto Sans CJK KR Black" pitchFamily="34" charset="-127"/>
-              </a:rPr>
-              <a:t>시계열 알고리즘</a:t>
-            </a:r>
-            <a:endParaRPr lang="ko-KR" altLang="en-US" sz="4400" dirty="0">
-              <a:solidFill>
-                <a:schemeClr val="tx1">
-                  <a:lumMod val="75000"/>
-                  <a:lumOff val="25000"/>
-                </a:schemeClr>
-              </a:solidFill>
-            </a:endParaRPr>
-          </a:p>
-        </p:txBody>
-      </p:sp>
-      <p:sp>
-        <p:nvSpPr>
-          <p:cNvPr id="3" name="슬라이드 번호 개체 틀 2"/>
-          <p:cNvSpPr>
-            <a:spLocks noGrp="1"/>
-          </p:cNvSpPr>
-          <p:nvPr>
-            <p:ph type="sldNum" sz="quarter" idx="12"/>
-          </p:nvPr>
-        </p:nvSpPr>
-        <p:spPr/>
-        <p:txBody>
-          <a:bodyPr/>
-          <a:lstStyle/>
-          <a:p>
-            <a:fld id="{6DDAE2C3-1A0B-474A-8CE8-AE55B8D9D4B1}" type="slidenum">
-              <a:rPr lang="ko-KR" altLang="en-US" smtClean="0"/>
-              <a:pPr/>
-              <a:t>33</a:t>
-            </a:fld>
-            <a:endParaRPr lang="ko-KR" altLang="en-US" dirty="0"/>
-          </a:p>
-        </p:txBody>
-      </p:sp>
-      <p:pic>
-        <p:nvPicPr>
-          <p:cNvPr id="2" name="그림 1">
-            <a:extLst>
-              <a:ext uri="{FF2B5EF4-FFF2-40B4-BE49-F238E27FC236}">
-                <a16:creationId xmlns:a16="http://schemas.microsoft.com/office/drawing/2014/main" id="{1350564C-93F1-4004-A2A6-27327880CC47}"/>
-              </a:ext>
-            </a:extLst>
-          </p:cNvPr>
-          <p:cNvPicPr>
-            <a:picLocks noChangeAspect="1"/>
-          </p:cNvPicPr>
-          <p:nvPr/>
-        </p:nvPicPr>
-        <p:blipFill>
-          <a:blip r:embed="rId2"/>
-          <a:stretch>
-            <a:fillRect/>
-          </a:stretch>
-        </p:blipFill>
-        <p:spPr>
-          <a:xfrm>
-            <a:off x="2189162" y="1630270"/>
-            <a:ext cx="7781925" cy="4924425"/>
-          </a:xfrm>
-          <a:prstGeom prst="rect">
-            <a:avLst/>
-          </a:prstGeom>
-        </p:spPr>
-      </p:pic>
-    </p:spTree>
-    <p:extLst>
-      <p:ext uri="{BB962C8B-B14F-4D97-AF65-F5344CB8AC3E}">
-        <p14:creationId xmlns:p14="http://schemas.microsoft.com/office/powerpoint/2010/main" val="139457658"/>
-      </p:ext>
-    </p:extLst>
-  </p:cSld>
-  <p:clrMapOvr>
-    <a:masterClrMapping/>
-  </p:clrMapOvr>
-</p:sld>
-</file>
-
-<file path=ppt/slides/slide34.xml><?xml version="1.0" encoding="utf-8"?>
-<p:sld xmlns:a="http://schemas.openxmlformats.org/drawingml/2006/main" xmlns:r="http://schemas.openxmlformats.org/officeDocument/2006/relationships" xmlns:p="http://schemas.openxmlformats.org/presentationml/2006/main">
-  <p:cSld>
-    <p:spTree>
-      <p:nvGrpSpPr>
-        <p:cNvPr id="1" name=""/>
-        <p:cNvGrpSpPr/>
-        <p:nvPr/>
-      </p:nvGrpSpPr>
-      <p:grpSpPr>
-        <a:xfrm>
-          <a:off x="0" y="0"/>
-          <a:ext cx="0" cy="0"/>
-          <a:chOff x="0" y="0"/>
-          <a:chExt cx="0" cy="0"/>
-        </a:xfrm>
-      </p:grpSpPr>
-      <p:sp>
-        <p:nvSpPr>
-          <p:cNvPr id="5" name="제목 4"/>
-          <p:cNvSpPr>
-            <a:spLocks noGrp="1"/>
-          </p:cNvSpPr>
-          <p:nvPr>
-            <p:ph type="title"/>
-          </p:nvPr>
-        </p:nvSpPr>
-        <p:spPr>
-          <a:xfrm>
-            <a:off x="608016" y="551987"/>
-            <a:ext cx="10944225" cy="1140090"/>
-          </a:xfrm>
-        </p:spPr>
-        <p:txBody>
-          <a:bodyPr>
-            <a:normAutofit fontScale="90000"/>
-          </a:bodyPr>
-          <a:lstStyle/>
-          <a:p>
-            <a:pPr algn="l"/>
-            <a:r>
-              <a:rPr lang="en-US" altLang="ko-KR" sz="4400" dirty="0">
-                <a:solidFill>
-                  <a:schemeClr val="tx1">
-                    <a:lumMod val="75000"/>
-                    <a:lumOff val="25000"/>
-                  </a:schemeClr>
-                </a:solidFill>
-                <a:latin typeface="Noto Sans CJK KR Black" pitchFamily="34" charset="-127"/>
-                <a:ea typeface="Noto Sans CJK KR Black" pitchFamily="34" charset="-127"/>
-              </a:rPr>
-              <a:t>2. </a:t>
-            </a:r>
-            <a:r>
-              <a:rPr lang="ko-KR" altLang="en-US" sz="4400" dirty="0">
-                <a:solidFill>
-                  <a:schemeClr val="tx1">
-                    <a:lumMod val="75000"/>
-                    <a:lumOff val="25000"/>
-                  </a:schemeClr>
-                </a:solidFill>
-                <a:latin typeface="Noto Sans CJK KR Black" pitchFamily="34" charset="-127"/>
-                <a:ea typeface="Noto Sans CJK KR Black" pitchFamily="34" charset="-127"/>
-              </a:rPr>
-              <a:t>시계열 </a:t>
-            </a:r>
-            <a:br>
-              <a:rPr lang="en-US" altLang="ko-KR" sz="4400" dirty="0">
-                <a:solidFill>
-                  <a:schemeClr val="tx1">
-                    <a:lumMod val="75000"/>
-                    <a:lumOff val="25000"/>
-                  </a:schemeClr>
-                </a:solidFill>
-                <a:latin typeface="Noto Sans CJK KR Black" pitchFamily="34" charset="-127"/>
-                <a:ea typeface="Noto Sans CJK KR Black" pitchFamily="34" charset="-127"/>
-              </a:rPr>
-            </a:br>
-            <a:r>
-              <a:rPr lang="ko-KR" altLang="en-US" sz="4400" dirty="0">
-                <a:solidFill>
-                  <a:schemeClr val="tx1">
-                    <a:lumMod val="75000"/>
-                    <a:lumOff val="25000"/>
-                  </a:schemeClr>
-                </a:solidFill>
-                <a:latin typeface="Noto Sans CJK KR Black" pitchFamily="34" charset="-127"/>
-                <a:ea typeface="Noto Sans CJK KR Black" pitchFamily="34" charset="-127"/>
-              </a:rPr>
-              <a:t>알고리즘</a:t>
-            </a:r>
-            <a:endParaRPr lang="ko-KR" altLang="en-US" sz="4400" dirty="0">
-              <a:solidFill>
-                <a:schemeClr val="tx1">
-                  <a:lumMod val="75000"/>
-                  <a:lumOff val="25000"/>
-                </a:schemeClr>
-              </a:solidFill>
-            </a:endParaRPr>
-          </a:p>
-        </p:txBody>
-      </p:sp>
-      <p:sp>
-        <p:nvSpPr>
-          <p:cNvPr id="3" name="슬라이드 번호 개체 틀 2"/>
-          <p:cNvSpPr>
-            <a:spLocks noGrp="1"/>
-          </p:cNvSpPr>
-          <p:nvPr>
-            <p:ph type="sldNum" sz="quarter" idx="12"/>
-          </p:nvPr>
-        </p:nvSpPr>
-        <p:spPr/>
-        <p:txBody>
-          <a:bodyPr/>
-          <a:lstStyle/>
-          <a:p>
-            <a:fld id="{6DDAE2C3-1A0B-474A-8CE8-AE55B8D9D4B1}" type="slidenum">
-              <a:rPr lang="ko-KR" altLang="en-US" smtClean="0"/>
-              <a:pPr/>
-              <a:t>34</a:t>
-            </a:fld>
-            <a:endParaRPr lang="ko-KR" altLang="en-US" dirty="0"/>
-          </a:p>
-        </p:txBody>
-      </p:sp>
-      <p:pic>
-        <p:nvPicPr>
-          <p:cNvPr id="4" name="그림 3">
-            <a:extLst>
-              <a:ext uri="{FF2B5EF4-FFF2-40B4-BE49-F238E27FC236}">
-                <a16:creationId xmlns:a16="http://schemas.microsoft.com/office/drawing/2014/main" id="{D099A6EB-AD31-484A-BB52-98EB0BDBD96B}"/>
-              </a:ext>
-            </a:extLst>
-          </p:cNvPr>
-          <p:cNvPicPr>
-            <a:picLocks noChangeAspect="1"/>
-          </p:cNvPicPr>
-          <p:nvPr/>
-        </p:nvPicPr>
-        <p:blipFill>
-          <a:blip r:embed="rId2"/>
-          <a:stretch>
-            <a:fillRect/>
-          </a:stretch>
-        </p:blipFill>
-        <p:spPr>
-          <a:xfrm>
-            <a:off x="3559845" y="0"/>
-            <a:ext cx="7417832" cy="6840538"/>
-          </a:xfrm>
-          <a:prstGeom prst="rect">
-            <a:avLst/>
-          </a:prstGeom>
-        </p:spPr>
-      </p:pic>
-    </p:spTree>
-    <p:extLst>
-      <p:ext uri="{BB962C8B-B14F-4D97-AF65-F5344CB8AC3E}">
-        <p14:creationId xmlns:p14="http://schemas.microsoft.com/office/powerpoint/2010/main" val="3849477025"/>
-      </p:ext>
-    </p:extLst>
-  </p:cSld>
-  <p:clrMapOvr>
-    <a:masterClrMapping/>
-  </p:clrMapOvr>
-</p:sld>
-</file>
-
-<file path=ppt/slides/slide35.xml><?xml version="1.0" encoding="utf-8"?>
-<p:sld xmlns:a="http://schemas.openxmlformats.org/drawingml/2006/main" xmlns:r="http://schemas.openxmlformats.org/officeDocument/2006/relationships" xmlns:p="http://schemas.openxmlformats.org/presentationml/2006/main">
-  <p:cSld>
-    <p:spTree>
-      <p:nvGrpSpPr>
-        <p:cNvPr id="1" name=""/>
-        <p:cNvGrpSpPr/>
-        <p:nvPr/>
-      </p:nvGrpSpPr>
-      <p:grpSpPr>
-        <a:xfrm>
-          <a:off x="0" y="0"/>
-          <a:ext cx="0" cy="0"/>
-          <a:chOff x="0" y="0"/>
-          <a:chExt cx="0" cy="0"/>
-        </a:xfrm>
-      </p:grpSpPr>
-      <p:sp>
-        <p:nvSpPr>
-          <p:cNvPr id="5" name="제목 4"/>
-          <p:cNvSpPr>
-            <a:spLocks noGrp="1"/>
-          </p:cNvSpPr>
-          <p:nvPr>
-            <p:ph type="title"/>
-          </p:nvPr>
-        </p:nvSpPr>
-        <p:spPr>
-          <a:xfrm>
-            <a:off x="608016" y="551987"/>
-            <a:ext cx="10944225" cy="1140090"/>
-          </a:xfrm>
-        </p:spPr>
-        <p:txBody>
-          <a:bodyPr>
-            <a:normAutofit/>
-          </a:bodyPr>
-          <a:lstStyle/>
-          <a:p>
-            <a:pPr algn="l"/>
-            <a:r>
-              <a:rPr lang="en-US" altLang="ko-KR" sz="4400" dirty="0">
-                <a:solidFill>
-                  <a:schemeClr val="tx1">
-                    <a:lumMod val="75000"/>
-                    <a:lumOff val="25000"/>
-                  </a:schemeClr>
-                </a:solidFill>
-                <a:latin typeface="Noto Sans CJK KR Black" pitchFamily="34" charset="-127"/>
-                <a:ea typeface="Noto Sans CJK KR Black" pitchFamily="34" charset="-127"/>
-              </a:rPr>
-              <a:t>2. </a:t>
-            </a:r>
-            <a:r>
-              <a:rPr lang="ko-KR" altLang="en-US" sz="4400" dirty="0">
-                <a:solidFill>
-                  <a:schemeClr val="tx1">
-                    <a:lumMod val="75000"/>
-                    <a:lumOff val="25000"/>
-                  </a:schemeClr>
-                </a:solidFill>
-                <a:latin typeface="Noto Sans CJK KR Black" pitchFamily="34" charset="-127"/>
-                <a:ea typeface="Noto Sans CJK KR Black" pitchFamily="34" charset="-127"/>
-              </a:rPr>
-              <a:t>시계열 알고리즘</a:t>
-            </a:r>
-            <a:endParaRPr lang="ko-KR" altLang="en-US" sz="4400" dirty="0">
-              <a:solidFill>
-                <a:schemeClr val="tx1">
-                  <a:lumMod val="75000"/>
-                  <a:lumOff val="25000"/>
-                </a:schemeClr>
-              </a:solidFill>
-            </a:endParaRPr>
-          </a:p>
-        </p:txBody>
-      </p:sp>
-      <p:sp>
-        <p:nvSpPr>
-          <p:cNvPr id="3" name="슬라이드 번호 개체 틀 2"/>
-          <p:cNvSpPr>
-            <a:spLocks noGrp="1"/>
-          </p:cNvSpPr>
-          <p:nvPr>
-            <p:ph type="sldNum" sz="quarter" idx="12"/>
-          </p:nvPr>
-        </p:nvSpPr>
-        <p:spPr/>
-        <p:txBody>
-          <a:bodyPr/>
-          <a:lstStyle/>
-          <a:p>
-            <a:fld id="{6DDAE2C3-1A0B-474A-8CE8-AE55B8D9D4B1}" type="slidenum">
-              <a:rPr lang="ko-KR" altLang="en-US" smtClean="0"/>
-              <a:pPr/>
-              <a:t>35</a:t>
-            </a:fld>
-            <a:endParaRPr lang="ko-KR" altLang="en-US" dirty="0"/>
-          </a:p>
-        </p:txBody>
-      </p:sp>
-      <p:pic>
-        <p:nvPicPr>
-          <p:cNvPr id="2" name="그림 1">
-            <a:extLst>
-              <a:ext uri="{FF2B5EF4-FFF2-40B4-BE49-F238E27FC236}">
-                <a16:creationId xmlns:a16="http://schemas.microsoft.com/office/drawing/2014/main" id="{42E031B4-AED5-4F28-B798-755905D6A16C}"/>
-              </a:ext>
-            </a:extLst>
-          </p:cNvPr>
-          <p:cNvPicPr>
-            <a:picLocks noChangeAspect="1"/>
-          </p:cNvPicPr>
-          <p:nvPr/>
-        </p:nvPicPr>
-        <p:blipFill>
-          <a:blip r:embed="rId2"/>
-          <a:stretch>
-            <a:fillRect/>
-          </a:stretch>
-        </p:blipFill>
-        <p:spPr>
-          <a:xfrm>
-            <a:off x="3017837" y="2415381"/>
-            <a:ext cx="6124575" cy="2009775"/>
-          </a:xfrm>
-          <a:prstGeom prst="rect">
-            <a:avLst/>
-          </a:prstGeom>
-        </p:spPr>
-      </p:pic>
-    </p:spTree>
-    <p:extLst>
-      <p:ext uri="{BB962C8B-B14F-4D97-AF65-F5344CB8AC3E}">
-        <p14:creationId xmlns:p14="http://schemas.microsoft.com/office/powerpoint/2010/main" val="2029480034"/>
-      </p:ext>
-    </p:extLst>
-  </p:cSld>
-  <p:clrMapOvr>
-    <a:masterClrMapping/>
-  </p:clrMapOvr>
-</p:sld>
-</file>
-
-<file path=ppt/slides/slide36.xml><?xml version="1.0" encoding="utf-8"?>
-<p:sld xmlns:a="http://schemas.openxmlformats.org/drawingml/2006/main" xmlns:r="http://schemas.openxmlformats.org/officeDocument/2006/relationships" xmlns:p="http://schemas.openxmlformats.org/presentationml/2006/main">
-  <p:cSld>
-    <p:spTree>
-      <p:nvGrpSpPr>
-        <p:cNvPr id="1" name=""/>
-        <p:cNvGrpSpPr/>
-        <p:nvPr/>
-      </p:nvGrpSpPr>
-      <p:grpSpPr>
-        <a:xfrm>
-          <a:off x="0" y="0"/>
-          <a:ext cx="0" cy="0"/>
-          <a:chOff x="0" y="0"/>
-          <a:chExt cx="0" cy="0"/>
-        </a:xfrm>
-      </p:grpSpPr>
-      <p:sp>
-        <p:nvSpPr>
-          <p:cNvPr id="5" name="제목 4"/>
-          <p:cNvSpPr>
-            <a:spLocks noGrp="1"/>
-          </p:cNvSpPr>
-          <p:nvPr>
-            <p:ph type="title"/>
-          </p:nvPr>
-        </p:nvSpPr>
-        <p:spPr>
-          <a:xfrm>
-            <a:off x="608016" y="551987"/>
-            <a:ext cx="10944225" cy="1140090"/>
-          </a:xfrm>
-        </p:spPr>
-        <p:txBody>
-          <a:bodyPr>
-            <a:normAutofit fontScale="90000"/>
-          </a:bodyPr>
-          <a:lstStyle/>
-          <a:p>
-            <a:pPr algn="l"/>
-            <a:r>
-              <a:rPr lang="en-US" altLang="ko-KR" sz="4400" dirty="0">
-                <a:solidFill>
-                  <a:schemeClr val="tx1">
-                    <a:lumMod val="75000"/>
-                    <a:lumOff val="25000"/>
-                  </a:schemeClr>
-                </a:solidFill>
-                <a:latin typeface="Noto Sans CJK KR Black" pitchFamily="34" charset="-127"/>
-                <a:ea typeface="Noto Sans CJK KR Black" pitchFamily="34" charset="-127"/>
-              </a:rPr>
-              <a:t>2. </a:t>
-            </a:r>
-            <a:r>
-              <a:rPr lang="ko-KR" altLang="en-US" sz="4400" dirty="0">
-                <a:solidFill>
-                  <a:schemeClr val="tx1">
-                    <a:lumMod val="75000"/>
-                    <a:lumOff val="25000"/>
-                  </a:schemeClr>
-                </a:solidFill>
-                <a:latin typeface="Noto Sans CJK KR Black" pitchFamily="34" charset="-127"/>
-                <a:ea typeface="Noto Sans CJK KR Black" pitchFamily="34" charset="-127"/>
-              </a:rPr>
-              <a:t>시계열 </a:t>
-            </a:r>
-            <a:br>
-              <a:rPr lang="en-US" altLang="ko-KR" sz="4400" dirty="0">
-                <a:solidFill>
-                  <a:schemeClr val="tx1">
-                    <a:lumMod val="75000"/>
-                    <a:lumOff val="25000"/>
-                  </a:schemeClr>
-                </a:solidFill>
-                <a:latin typeface="Noto Sans CJK KR Black" pitchFamily="34" charset="-127"/>
-                <a:ea typeface="Noto Sans CJK KR Black" pitchFamily="34" charset="-127"/>
-              </a:rPr>
-            </a:br>
-            <a:r>
-              <a:rPr lang="ko-KR" altLang="en-US" sz="4400" dirty="0">
-                <a:solidFill>
-                  <a:schemeClr val="tx1">
-                    <a:lumMod val="75000"/>
-                    <a:lumOff val="25000"/>
-                  </a:schemeClr>
-                </a:solidFill>
-                <a:latin typeface="Noto Sans CJK KR Black" pitchFamily="34" charset="-127"/>
-                <a:ea typeface="Noto Sans CJK KR Black" pitchFamily="34" charset="-127"/>
-              </a:rPr>
-              <a:t>알고리즘</a:t>
-            </a:r>
-            <a:endParaRPr lang="ko-KR" altLang="en-US" sz="4400" dirty="0">
-              <a:solidFill>
-                <a:schemeClr val="tx1">
-                  <a:lumMod val="75000"/>
-                  <a:lumOff val="25000"/>
-                </a:schemeClr>
-              </a:solidFill>
-            </a:endParaRPr>
-          </a:p>
-        </p:txBody>
-      </p:sp>
-      <p:sp>
-        <p:nvSpPr>
-          <p:cNvPr id="3" name="슬라이드 번호 개체 틀 2"/>
-          <p:cNvSpPr>
-            <a:spLocks noGrp="1"/>
-          </p:cNvSpPr>
-          <p:nvPr>
-            <p:ph type="sldNum" sz="quarter" idx="12"/>
-          </p:nvPr>
-        </p:nvSpPr>
-        <p:spPr/>
-        <p:txBody>
-          <a:bodyPr/>
-          <a:lstStyle/>
-          <a:p>
-            <a:fld id="{6DDAE2C3-1A0B-474A-8CE8-AE55B8D9D4B1}" type="slidenum">
-              <a:rPr lang="ko-KR" altLang="en-US" smtClean="0"/>
-              <a:pPr/>
-              <a:t>36</a:t>
-            </a:fld>
-            <a:endParaRPr lang="ko-KR" altLang="en-US" dirty="0"/>
-          </a:p>
-        </p:txBody>
-      </p:sp>
-      <p:pic>
-        <p:nvPicPr>
-          <p:cNvPr id="2" name="그림 1">
-            <a:extLst>
-              <a:ext uri="{FF2B5EF4-FFF2-40B4-BE49-F238E27FC236}">
-                <a16:creationId xmlns:a16="http://schemas.microsoft.com/office/drawing/2014/main" id="{C5A13D97-8316-4377-A686-50846B0C9CBB}"/>
-              </a:ext>
-            </a:extLst>
-          </p:cNvPr>
-          <p:cNvPicPr>
-            <a:picLocks noChangeAspect="1"/>
-          </p:cNvPicPr>
-          <p:nvPr/>
-        </p:nvPicPr>
-        <p:blipFill>
-          <a:blip r:embed="rId2"/>
-          <a:stretch>
-            <a:fillRect/>
-          </a:stretch>
-        </p:blipFill>
-        <p:spPr>
-          <a:xfrm>
-            <a:off x="3991893" y="0"/>
-            <a:ext cx="7294682" cy="6840538"/>
-          </a:xfrm>
-          <a:prstGeom prst="rect">
-            <a:avLst/>
-          </a:prstGeom>
-        </p:spPr>
-      </p:pic>
-    </p:spTree>
-    <p:extLst>
-      <p:ext uri="{BB962C8B-B14F-4D97-AF65-F5344CB8AC3E}">
-        <p14:creationId xmlns:p14="http://schemas.microsoft.com/office/powerpoint/2010/main" val="3878497761"/>
-      </p:ext>
-    </p:extLst>
-  </p:cSld>
-  <p:clrMapOvr>
-    <a:masterClrMapping/>
-  </p:clrMapOvr>
-</p:sld>
-</file>
-
-<file path=ppt/slides/slide37.xml><?xml version="1.0" encoding="utf-8"?>
-<p:sld xmlns:a="http://schemas.openxmlformats.org/drawingml/2006/main" xmlns:r="http://schemas.openxmlformats.org/officeDocument/2006/relationships" xmlns:p="http://schemas.openxmlformats.org/presentationml/2006/main">
-  <p:cSld>
-    <p:spTree>
-      <p:nvGrpSpPr>
-        <p:cNvPr id="1" name=""/>
-        <p:cNvGrpSpPr/>
-        <p:nvPr/>
-      </p:nvGrpSpPr>
-      <p:grpSpPr>
-        <a:xfrm>
-          <a:off x="0" y="0"/>
-          <a:ext cx="0" cy="0"/>
-          <a:chOff x="0" y="0"/>
-          <a:chExt cx="0" cy="0"/>
-        </a:xfrm>
-      </p:grpSpPr>
-      <p:sp>
-        <p:nvSpPr>
-          <p:cNvPr id="5" name="제목 4"/>
-          <p:cNvSpPr>
-            <a:spLocks noGrp="1"/>
-          </p:cNvSpPr>
-          <p:nvPr>
-            <p:ph type="title"/>
-          </p:nvPr>
-        </p:nvSpPr>
-        <p:spPr>
-          <a:xfrm>
-            <a:off x="608016" y="551987"/>
-            <a:ext cx="10944225" cy="1140090"/>
-          </a:xfrm>
-        </p:spPr>
-        <p:txBody>
-          <a:bodyPr>
-            <a:normAutofit/>
-          </a:bodyPr>
-          <a:lstStyle/>
-          <a:p>
-            <a:pPr algn="l"/>
-            <a:r>
-              <a:rPr lang="en-US" altLang="ko-KR" sz="4400" dirty="0">
-                <a:solidFill>
-                  <a:schemeClr val="tx1">
-                    <a:lumMod val="75000"/>
-                    <a:lumOff val="25000"/>
-                  </a:schemeClr>
-                </a:solidFill>
-                <a:latin typeface="Noto Sans CJK KR Black" pitchFamily="34" charset="-127"/>
-                <a:ea typeface="Noto Sans CJK KR Black" pitchFamily="34" charset="-127"/>
-              </a:rPr>
-              <a:t>2. </a:t>
-            </a:r>
-            <a:r>
-              <a:rPr lang="ko-KR" altLang="en-US" sz="4400" dirty="0">
-                <a:solidFill>
-                  <a:schemeClr val="tx1">
-                    <a:lumMod val="75000"/>
-                    <a:lumOff val="25000"/>
-                  </a:schemeClr>
-                </a:solidFill>
-                <a:latin typeface="Noto Sans CJK KR Black" pitchFamily="34" charset="-127"/>
-                <a:ea typeface="Noto Sans CJK KR Black" pitchFamily="34" charset="-127"/>
-              </a:rPr>
-              <a:t>시계열 알고리즘</a:t>
-            </a:r>
-            <a:endParaRPr lang="ko-KR" altLang="en-US" sz="4400" dirty="0">
-              <a:solidFill>
-                <a:schemeClr val="tx1">
-                  <a:lumMod val="75000"/>
-                  <a:lumOff val="25000"/>
-                </a:schemeClr>
-              </a:solidFill>
-            </a:endParaRPr>
-          </a:p>
-        </p:txBody>
-      </p:sp>
-      <p:sp>
-        <p:nvSpPr>
-          <p:cNvPr id="3" name="슬라이드 번호 개체 틀 2"/>
-          <p:cNvSpPr>
-            <a:spLocks noGrp="1"/>
-          </p:cNvSpPr>
-          <p:nvPr>
-            <p:ph type="sldNum" sz="quarter" idx="12"/>
-          </p:nvPr>
-        </p:nvSpPr>
-        <p:spPr/>
-        <p:txBody>
-          <a:bodyPr/>
-          <a:lstStyle/>
-          <a:p>
-            <a:fld id="{6DDAE2C3-1A0B-474A-8CE8-AE55B8D9D4B1}" type="slidenum">
-              <a:rPr lang="ko-KR" altLang="en-US" smtClean="0"/>
-              <a:pPr/>
-              <a:t>37</a:t>
-            </a:fld>
-            <a:endParaRPr lang="ko-KR" altLang="en-US" dirty="0"/>
-          </a:p>
-        </p:txBody>
-      </p:sp>
-      <p:pic>
-        <p:nvPicPr>
-          <p:cNvPr id="2" name="그림 1">
-            <a:extLst>
-              <a:ext uri="{FF2B5EF4-FFF2-40B4-BE49-F238E27FC236}">
-                <a16:creationId xmlns:a16="http://schemas.microsoft.com/office/drawing/2014/main" id="{C3A90D5B-BA11-46A9-954E-3DAE3144A55E}"/>
-              </a:ext>
-            </a:extLst>
-          </p:cNvPr>
-          <p:cNvPicPr>
-            <a:picLocks noChangeAspect="1"/>
-          </p:cNvPicPr>
-          <p:nvPr/>
-        </p:nvPicPr>
-        <p:blipFill>
-          <a:blip r:embed="rId2"/>
-          <a:stretch>
-            <a:fillRect/>
-          </a:stretch>
-        </p:blipFill>
-        <p:spPr>
-          <a:xfrm>
-            <a:off x="5373524" y="0"/>
-            <a:ext cx="5205851" cy="6840538"/>
-          </a:xfrm>
-          <a:prstGeom prst="rect">
-            <a:avLst/>
-          </a:prstGeom>
-        </p:spPr>
-      </p:pic>
-    </p:spTree>
-    <p:extLst>
-      <p:ext uri="{BB962C8B-B14F-4D97-AF65-F5344CB8AC3E}">
-        <p14:creationId xmlns:p14="http://schemas.microsoft.com/office/powerpoint/2010/main" val="2604908883"/>
-      </p:ext>
-    </p:extLst>
-  </p:cSld>
-  <p:clrMapOvr>
-    <a:masterClrMapping/>
-  </p:clrMapOvr>
-</p:sld>
-</file>
-
-<file path=ppt/slides/slide38.xml><?xml version="1.0" encoding="utf-8"?>
-<p:sld xmlns:a="http://schemas.openxmlformats.org/drawingml/2006/main" xmlns:r="http://schemas.openxmlformats.org/officeDocument/2006/relationships" xmlns:p="http://schemas.openxmlformats.org/presentationml/2006/main">
-  <p:cSld>
-    <p:spTree>
-      <p:nvGrpSpPr>
-        <p:cNvPr id="1" name=""/>
-        <p:cNvGrpSpPr/>
-        <p:nvPr/>
-      </p:nvGrpSpPr>
-      <p:grpSpPr>
-        <a:xfrm>
-          <a:off x="0" y="0"/>
-          <a:ext cx="0" cy="0"/>
-          <a:chOff x="0" y="0"/>
-          <a:chExt cx="0" cy="0"/>
-        </a:xfrm>
-      </p:grpSpPr>
-      <p:sp>
-        <p:nvSpPr>
-          <p:cNvPr id="5" name="제목 4"/>
-          <p:cNvSpPr>
-            <a:spLocks noGrp="1"/>
-          </p:cNvSpPr>
-          <p:nvPr>
-            <p:ph type="title"/>
-          </p:nvPr>
-        </p:nvSpPr>
-        <p:spPr>
-          <a:xfrm>
             <a:off x="608012" y="2700189"/>
             <a:ext cx="10944225" cy="1140090"/>
           </a:xfrm>
@@ -9374,374 +6647,6 @@
                 <a:ea typeface="Noto Sans CJK KR Black" pitchFamily="34" charset="-127"/>
               </a:rPr>
               <a:t>.</a:t>
-            </a:r>
-            <a:br>
-              <a:rPr lang="en-US" altLang="ko-KR" sz="2400" dirty="0">
-                <a:solidFill>
-                  <a:schemeClr val="tx1">
-                    <a:lumMod val="75000"/>
-                    <a:lumOff val="25000"/>
-                  </a:schemeClr>
-                </a:solidFill>
-                <a:latin typeface="Noto Sans CJK KR Black" pitchFamily="34" charset="-127"/>
-                <a:ea typeface="Noto Sans CJK KR Black" pitchFamily="34" charset="-127"/>
-              </a:rPr>
-            </a:br>
-            <a:br>
-              <a:rPr lang="en-US" altLang="ko-KR" sz="2400" dirty="0">
-                <a:solidFill>
-                  <a:schemeClr val="tx1">
-                    <a:lumMod val="75000"/>
-                    <a:lumOff val="25000"/>
-                  </a:schemeClr>
-                </a:solidFill>
-                <a:latin typeface="Noto Sans CJK KR Black" pitchFamily="34" charset="-127"/>
-                <a:ea typeface="Noto Sans CJK KR Black" pitchFamily="34" charset="-127"/>
-              </a:rPr>
-            </a:br>
-            <a:br>
-              <a:rPr lang="en-US" altLang="ko-KR" sz="2400" dirty="0">
-                <a:solidFill>
-                  <a:schemeClr val="tx1">
-                    <a:lumMod val="75000"/>
-                    <a:lumOff val="25000"/>
-                  </a:schemeClr>
-                </a:solidFill>
-                <a:latin typeface="Noto Sans CJK KR Black" pitchFamily="34" charset="-127"/>
-                <a:ea typeface="Noto Sans CJK KR Black" pitchFamily="34" charset="-127"/>
-              </a:rPr>
-            </a:br>
-            <a:r>
-              <a:rPr lang="en-US" altLang="ko-KR" sz="2400" dirty="0">
-                <a:solidFill>
-                  <a:schemeClr val="tx1">
-                    <a:lumMod val="75000"/>
-                    <a:lumOff val="25000"/>
-                  </a:schemeClr>
-                </a:solidFill>
-                <a:latin typeface="Noto Sans CJK KR Black" pitchFamily="34" charset="-127"/>
-                <a:ea typeface="Noto Sans CJK KR Black" pitchFamily="34" charset="-127"/>
-              </a:rPr>
-              <a:t>2. </a:t>
-            </a:r>
-            <a:r>
-              <a:rPr lang="ko-KR" altLang="en-US" sz="2400" dirty="0">
-                <a:solidFill>
-                  <a:schemeClr val="tx1">
-                    <a:lumMod val="75000"/>
-                    <a:lumOff val="25000"/>
-                  </a:schemeClr>
-                </a:solidFill>
-                <a:latin typeface="Noto Sans CJK KR Black" pitchFamily="34" charset="-127"/>
-                <a:ea typeface="Noto Sans CJK KR Black" pitchFamily="34" charset="-127"/>
-              </a:rPr>
-              <a:t>추세의 차수는 </a:t>
-            </a:r>
-            <a:r>
-              <a:rPr lang="en-US" altLang="ko-KR" sz="2400" dirty="0">
-                <a:solidFill>
-                  <a:schemeClr val="tx1">
-                    <a:lumMod val="75000"/>
-                    <a:lumOff val="25000"/>
-                  </a:schemeClr>
-                </a:solidFill>
-                <a:latin typeface="Noto Sans CJK KR Black" pitchFamily="34" charset="-127"/>
-                <a:ea typeface="Noto Sans CJK KR Black" pitchFamily="34" charset="-127"/>
-              </a:rPr>
-              <a:t>(1,1,1) </a:t>
-            </a:r>
-            <a:r>
-              <a:rPr lang="ko-KR" altLang="en-US" sz="2400" dirty="0">
-                <a:solidFill>
-                  <a:schemeClr val="tx1">
-                    <a:lumMod val="75000"/>
-                    <a:lumOff val="25000"/>
-                  </a:schemeClr>
-                </a:solidFill>
-                <a:latin typeface="Noto Sans CJK KR Black" pitchFamily="34" charset="-127"/>
-                <a:ea typeface="Noto Sans CJK KR Black" pitchFamily="34" charset="-127"/>
-              </a:rPr>
-              <a:t>그리고 계절성 차수는 </a:t>
-            </a:r>
-            <a:r>
-              <a:rPr lang="en-US" altLang="ko-KR" sz="2400" dirty="0">
-                <a:solidFill>
-                  <a:schemeClr val="tx1">
-                    <a:lumMod val="75000"/>
-                    <a:lumOff val="25000"/>
-                  </a:schemeClr>
-                </a:solidFill>
-                <a:latin typeface="Noto Sans CJK KR Black" pitchFamily="34" charset="-127"/>
-                <a:ea typeface="Noto Sans CJK KR Black" pitchFamily="34" charset="-127"/>
-              </a:rPr>
-              <a:t>(2,2,2) </a:t>
-            </a:r>
-            <a:r>
-              <a:rPr lang="ko-KR" altLang="en-US" sz="2400" dirty="0" err="1">
-                <a:solidFill>
-                  <a:schemeClr val="tx1">
-                    <a:lumMod val="75000"/>
-                    <a:lumOff val="25000"/>
-                  </a:schemeClr>
-                </a:solidFill>
-                <a:latin typeface="Noto Sans CJK KR Black" pitchFamily="34" charset="-127"/>
-                <a:ea typeface="Noto Sans CJK KR Black" pitchFamily="34" charset="-127"/>
-              </a:rPr>
-              <a:t>일때의</a:t>
-            </a:r>
-            <a:r>
-              <a:rPr lang="ko-KR" altLang="en-US" sz="2400" dirty="0">
-                <a:solidFill>
-                  <a:schemeClr val="tx1">
-                    <a:lumMod val="75000"/>
-                    <a:lumOff val="25000"/>
-                  </a:schemeClr>
-                </a:solidFill>
-                <a:latin typeface="Noto Sans CJK KR Black" pitchFamily="34" charset="-127"/>
-                <a:ea typeface="Noto Sans CJK KR Black" pitchFamily="34" charset="-127"/>
-              </a:rPr>
-              <a:t> </a:t>
-            </a:r>
-            <a:r>
-              <a:rPr lang="en-US" altLang="ko-KR" sz="2400" dirty="0">
-                <a:solidFill>
-                  <a:schemeClr val="tx1">
-                    <a:lumMod val="75000"/>
-                    <a:lumOff val="25000"/>
-                  </a:schemeClr>
-                </a:solidFill>
-                <a:latin typeface="Noto Sans CJK KR Black" pitchFamily="34" charset="-127"/>
-                <a:ea typeface="Noto Sans CJK KR Black" pitchFamily="34" charset="-127"/>
-              </a:rPr>
-              <a:t>SARIMA </a:t>
-            </a:r>
-            <a:r>
-              <a:rPr lang="ko-KR" altLang="en-US" sz="2400" dirty="0">
-                <a:solidFill>
-                  <a:schemeClr val="tx1">
-                    <a:lumMod val="75000"/>
-                    <a:lumOff val="25000"/>
-                  </a:schemeClr>
-                </a:solidFill>
-                <a:latin typeface="Noto Sans CJK KR Black" pitchFamily="34" charset="-127"/>
-                <a:ea typeface="Noto Sans CJK KR Black" pitchFamily="34" charset="-127"/>
-              </a:rPr>
-              <a:t>수학식을 표현하라</a:t>
-            </a:r>
-            <a:r>
-              <a:rPr lang="en-US" altLang="ko-KR" sz="2400" dirty="0">
-                <a:solidFill>
-                  <a:schemeClr val="tx1">
-                    <a:lumMod val="75000"/>
-                    <a:lumOff val="25000"/>
-                  </a:schemeClr>
-                </a:solidFill>
-                <a:latin typeface="Noto Sans CJK KR Black" pitchFamily="34" charset="-127"/>
-                <a:ea typeface="Noto Sans CJK KR Black" pitchFamily="34" charset="-127"/>
-              </a:rPr>
-              <a:t>.</a:t>
-            </a:r>
-            <a:br>
-              <a:rPr lang="en-US" altLang="ko-KR" sz="2400" dirty="0">
-                <a:solidFill>
-                  <a:schemeClr val="tx1">
-                    <a:lumMod val="75000"/>
-                    <a:lumOff val="25000"/>
-                  </a:schemeClr>
-                </a:solidFill>
-                <a:latin typeface="Noto Sans CJK KR Black" pitchFamily="34" charset="-127"/>
-                <a:ea typeface="Noto Sans CJK KR Black" pitchFamily="34" charset="-127"/>
-              </a:rPr>
-            </a:br>
-            <a:br>
-              <a:rPr lang="en-US" altLang="ko-KR" sz="2400" dirty="0">
-                <a:solidFill>
-                  <a:schemeClr val="tx1">
-                    <a:lumMod val="75000"/>
-                    <a:lumOff val="25000"/>
-                  </a:schemeClr>
-                </a:solidFill>
-                <a:latin typeface="Noto Sans CJK KR Black" pitchFamily="34" charset="-127"/>
-                <a:ea typeface="Noto Sans CJK KR Black" pitchFamily="34" charset="-127"/>
-              </a:rPr>
-            </a:br>
-            <a:br>
-              <a:rPr lang="en-US" altLang="ko-KR" sz="2400" dirty="0">
-                <a:solidFill>
-                  <a:schemeClr val="tx1">
-                    <a:lumMod val="75000"/>
-                    <a:lumOff val="25000"/>
-                  </a:schemeClr>
-                </a:solidFill>
-                <a:latin typeface="Noto Sans CJK KR Black" pitchFamily="34" charset="-127"/>
-                <a:ea typeface="Noto Sans CJK KR Black" pitchFamily="34" charset="-127"/>
-              </a:rPr>
-            </a:br>
-            <a:r>
-              <a:rPr lang="en-US" altLang="ko-KR" sz="2400" dirty="0">
-                <a:solidFill>
-                  <a:schemeClr val="tx1">
-                    <a:lumMod val="75000"/>
-                    <a:lumOff val="25000"/>
-                  </a:schemeClr>
-                </a:solidFill>
-                <a:latin typeface="Noto Sans CJK KR Black" pitchFamily="34" charset="-127"/>
-                <a:ea typeface="Noto Sans CJK KR Black" pitchFamily="34" charset="-127"/>
-              </a:rPr>
-              <a:t>3. MA -&gt; AR -&gt; ARMA -&gt; ARIMA -&gt; SARIMA </a:t>
-            </a:r>
-            <a:r>
-              <a:rPr lang="ko-KR" altLang="en-US" sz="2400" dirty="0">
-                <a:solidFill>
-                  <a:schemeClr val="tx1">
-                    <a:lumMod val="75000"/>
-                    <a:lumOff val="25000"/>
-                  </a:schemeClr>
-                </a:solidFill>
-                <a:latin typeface="Noto Sans CJK KR Black" pitchFamily="34" charset="-127"/>
-                <a:ea typeface="Noto Sans CJK KR Black" pitchFamily="34" charset="-127"/>
-              </a:rPr>
-              <a:t>알고리즘의 차이를 설명하라</a:t>
-            </a:r>
-            <a:r>
-              <a:rPr lang="en-US" altLang="ko-KR" sz="2400" dirty="0">
-                <a:solidFill>
-                  <a:schemeClr val="tx1">
-                    <a:lumMod val="75000"/>
-                    <a:lumOff val="25000"/>
-                  </a:schemeClr>
-                </a:solidFill>
-                <a:latin typeface="Noto Sans CJK KR Black" pitchFamily="34" charset="-127"/>
-                <a:ea typeface="Noto Sans CJK KR Black" pitchFamily="34" charset="-127"/>
-              </a:rPr>
-              <a:t>.</a:t>
-            </a:r>
-            <a:br>
-              <a:rPr lang="en-US" altLang="ko-KR" sz="2400" dirty="0">
-                <a:solidFill>
-                  <a:schemeClr val="tx1">
-                    <a:lumMod val="75000"/>
-                    <a:lumOff val="25000"/>
-                  </a:schemeClr>
-                </a:solidFill>
-                <a:latin typeface="Noto Sans CJK KR Black" pitchFamily="34" charset="-127"/>
-                <a:ea typeface="Noto Sans CJK KR Black" pitchFamily="34" charset="-127"/>
-              </a:rPr>
-            </a:br>
-            <a:br>
-              <a:rPr lang="en-US" altLang="ko-KR" sz="2400" dirty="0">
-                <a:solidFill>
-                  <a:schemeClr val="tx1">
-                    <a:lumMod val="75000"/>
-                    <a:lumOff val="25000"/>
-                  </a:schemeClr>
-                </a:solidFill>
-                <a:latin typeface="Noto Sans CJK KR Black" pitchFamily="34" charset="-127"/>
-                <a:ea typeface="Noto Sans CJK KR Black" pitchFamily="34" charset="-127"/>
-              </a:rPr>
-            </a:br>
-            <a:br>
-              <a:rPr lang="en-US" altLang="ko-KR" sz="2400" dirty="0">
-                <a:solidFill>
-                  <a:schemeClr val="tx1">
-                    <a:lumMod val="75000"/>
-                    <a:lumOff val="25000"/>
-                  </a:schemeClr>
-                </a:solidFill>
-                <a:latin typeface="Noto Sans CJK KR Black" pitchFamily="34" charset="-127"/>
-                <a:ea typeface="Noto Sans CJK KR Black" pitchFamily="34" charset="-127"/>
-              </a:rPr>
-            </a:br>
-            <a:r>
-              <a:rPr lang="en-US" altLang="ko-KR" sz="2400" dirty="0">
-                <a:solidFill>
-                  <a:schemeClr val="tx1">
-                    <a:lumMod val="75000"/>
-                    <a:lumOff val="25000"/>
-                  </a:schemeClr>
-                </a:solidFill>
-                <a:latin typeface="Noto Sans CJK KR Black" pitchFamily="34" charset="-127"/>
-                <a:ea typeface="Noto Sans CJK KR Black" pitchFamily="34" charset="-127"/>
-              </a:rPr>
-              <a:t>4. Auto-ARIMA </a:t>
-            </a:r>
-            <a:r>
-              <a:rPr lang="ko-KR" altLang="en-US" sz="2400" dirty="0">
-                <a:solidFill>
-                  <a:schemeClr val="tx1">
-                    <a:lumMod val="75000"/>
-                    <a:lumOff val="25000"/>
-                  </a:schemeClr>
-                </a:solidFill>
-                <a:latin typeface="Noto Sans CJK KR Black" pitchFamily="34" charset="-127"/>
-                <a:ea typeface="Noto Sans CJK KR Black" pitchFamily="34" charset="-127"/>
-              </a:rPr>
-              <a:t>모형이나 </a:t>
-            </a:r>
-            <a:r>
-              <a:rPr lang="en-US" altLang="ko-KR" sz="2400" dirty="0">
-                <a:solidFill>
-                  <a:schemeClr val="tx1">
-                    <a:lumMod val="75000"/>
-                    <a:lumOff val="25000"/>
-                  </a:schemeClr>
-                </a:solidFill>
-                <a:latin typeface="Noto Sans CJK KR Black" pitchFamily="34" charset="-127"/>
-                <a:ea typeface="Noto Sans CJK KR Black" pitchFamily="34" charset="-127"/>
-              </a:rPr>
-              <a:t>for</a:t>
-            </a:r>
-            <a:r>
-              <a:rPr lang="ko-KR" altLang="en-US" sz="2400" dirty="0">
-                <a:solidFill>
-                  <a:schemeClr val="tx1">
-                    <a:lumMod val="75000"/>
-                    <a:lumOff val="25000"/>
-                  </a:schemeClr>
-                </a:solidFill>
-                <a:latin typeface="Noto Sans CJK KR Black" pitchFamily="34" charset="-127"/>
-                <a:ea typeface="Noto Sans CJK KR Black" pitchFamily="34" charset="-127"/>
-              </a:rPr>
-              <a:t>문을 사용한 파라미터 추정을 한 결과를 신뢰할 수 있는가</a:t>
-            </a:r>
-            <a:r>
-              <a:rPr lang="en-US" altLang="ko-KR" sz="2400" dirty="0">
-                <a:solidFill>
-                  <a:schemeClr val="tx1">
-                    <a:lumMod val="75000"/>
-                    <a:lumOff val="25000"/>
-                  </a:schemeClr>
-                </a:solidFill>
-                <a:latin typeface="Noto Sans CJK KR Black" pitchFamily="34" charset="-127"/>
-                <a:ea typeface="Noto Sans CJK KR Black" pitchFamily="34" charset="-127"/>
-              </a:rPr>
-              <a:t>? </a:t>
-            </a:r>
-            <a:r>
-              <a:rPr lang="ko-KR" altLang="en-US" sz="2400" dirty="0">
-                <a:solidFill>
-                  <a:schemeClr val="tx1">
-                    <a:lumMod val="75000"/>
-                    <a:lumOff val="25000"/>
-                  </a:schemeClr>
-                </a:solidFill>
-                <a:latin typeface="Noto Sans CJK KR Black" pitchFamily="34" charset="-127"/>
-                <a:ea typeface="Noto Sans CJK KR Black" pitchFamily="34" charset="-127"/>
-              </a:rPr>
-              <a:t>없다면 신뢰할 수 있는 방법은 무엇인가</a:t>
-            </a:r>
-            <a:r>
-              <a:rPr lang="en-US" altLang="ko-KR" sz="2400" dirty="0">
-                <a:solidFill>
-                  <a:schemeClr val="tx1">
-                    <a:lumMod val="75000"/>
-                    <a:lumOff val="25000"/>
-                  </a:schemeClr>
-                </a:solidFill>
-                <a:latin typeface="Noto Sans CJK KR Black" pitchFamily="34" charset="-127"/>
-                <a:ea typeface="Noto Sans CJK KR Black" pitchFamily="34" charset="-127"/>
-              </a:rPr>
-              <a:t>?</a:t>
             </a:r>
             <a:br>
               <a:rPr lang="en-US" altLang="ko-KR" sz="2400" dirty="0">
@@ -9784,7 +6689,7 @@
             <a:fld id="{6DDAE2C3-1A0B-474A-8CE8-AE55B8D9D4B1}" type="slidenum">
               <a:rPr lang="ko-KR" altLang="en-US" smtClean="0"/>
               <a:pPr/>
-              <a:t>38</a:t>
+              <a:t>22</a:t>
             </a:fld>
             <a:endParaRPr lang="ko-KR" altLang="en-US" dirty="0"/>
           </a:p>
@@ -9803,7 +6708,7 @@
 </p:sld>
 </file>
 
-<file path=ppt/slides/slide39.xml><?xml version="1.0" encoding="utf-8"?>
+<file path=ppt/slides/slide23.xml><?xml version="1.0" encoding="utf-8"?>
 <p:sld xmlns:a="http://schemas.openxmlformats.org/drawingml/2006/main" xmlns:r="http://schemas.openxmlformats.org/officeDocument/2006/relationships" xmlns:p="http://schemas.openxmlformats.org/presentationml/2006/main">
   <p:cSld>
     <p:spTree>
@@ -9989,6 +6894,90 @@
 </p:sld>
 </file>
 
+<file path=ppt/slides/slide3.xml><?xml version="1.0" encoding="utf-8"?>
+<p:sld xmlns:a="http://schemas.openxmlformats.org/drawingml/2006/main" xmlns:r="http://schemas.openxmlformats.org/officeDocument/2006/relationships" xmlns:p="http://schemas.openxmlformats.org/presentationml/2006/main">
+  <p:cSld>
+    <p:spTree>
+      <p:nvGrpSpPr>
+        <p:cNvPr id="1" name=""/>
+        <p:cNvGrpSpPr/>
+        <p:nvPr/>
+      </p:nvGrpSpPr>
+      <p:grpSpPr>
+        <a:xfrm>
+          <a:off x="0" y="0"/>
+          <a:ext cx="0" cy="0"/>
+          <a:chOff x="0" y="0"/>
+          <a:chExt cx="0" cy="0"/>
+        </a:xfrm>
+      </p:grpSpPr>
+      <p:sp>
+        <p:nvSpPr>
+          <p:cNvPr id="15" name="슬라이드 번호 개체 틀 14"/>
+          <p:cNvSpPr>
+            <a:spLocks noGrp="1"/>
+          </p:cNvSpPr>
+          <p:nvPr>
+            <p:ph type="sldNum" sz="quarter" idx="12"/>
+          </p:nvPr>
+        </p:nvSpPr>
+        <p:spPr/>
+        <p:txBody>
+          <a:bodyPr/>
+          <a:lstStyle/>
+          <a:p>
+            <a:fld id="{6DDAE2C3-1A0B-474A-8CE8-AE55B8D9D4B1}" type="slidenum">
+              <a:rPr lang="ko-KR" altLang="en-US" smtClean="0"/>
+              <a:pPr/>
+              <a:t>3</a:t>
+            </a:fld>
+            <a:endParaRPr lang="ko-KR" altLang="en-US" dirty="0"/>
+          </a:p>
+        </p:txBody>
+      </p:sp>
+      <p:pic>
+        <p:nvPicPr>
+          <p:cNvPr id="7" name="그림 6">
+            <a:extLst>
+              <a:ext uri="{FF2B5EF4-FFF2-40B4-BE49-F238E27FC236}">
+                <a16:creationId xmlns:a16="http://schemas.microsoft.com/office/drawing/2014/main" id="{FFD28942-D859-4BF0-899D-A40CBFBF1EF0}"/>
+              </a:ext>
+            </a:extLst>
+          </p:cNvPr>
+          <p:cNvPicPr>
+            <a:picLocks noChangeAspect="1"/>
+          </p:cNvPicPr>
+          <p:nvPr/>
+        </p:nvPicPr>
+        <p:blipFill>
+          <a:blip r:embed="rId2"/>
+          <a:stretch>
+            <a:fillRect/>
+          </a:stretch>
+        </p:blipFill>
+        <p:spPr>
+          <a:xfrm>
+            <a:off x="4179887" y="377031"/>
+            <a:ext cx="3800475" cy="6086475"/>
+          </a:xfrm>
+          <a:prstGeom prst="rect">
+            <a:avLst/>
+          </a:prstGeom>
+        </p:spPr>
+      </p:pic>
+    </p:spTree>
+    <p:extLst>
+      <p:ext uri="{BB962C8B-B14F-4D97-AF65-F5344CB8AC3E}">
+        <p14:creationId xmlns:p14="http://schemas.microsoft.com/office/powerpoint/2010/main" val="3539992725"/>
+      </p:ext>
+    </p:extLst>
+  </p:cSld>
+  <p:clrMapOvr>
+    <a:masterClrMapping/>
+  </p:clrMapOvr>
+</p:sld>
+</file>
+
 <file path=ppt/slides/slide4.xml><?xml version="1.0" encoding="utf-8"?>
 <p:sld xmlns:a="http://schemas.openxmlformats.org/drawingml/2006/main" xmlns:r="http://schemas.openxmlformats.org/officeDocument/2006/relationships" xmlns:p="http://schemas.openxmlformats.org/presentationml/2006/main">
   <p:cSld>
@@ -10095,7 +7084,7 @@
           <p:cNvPr id="2" name="그림 1">
             <a:extLst>
               <a:ext uri="{FF2B5EF4-FFF2-40B4-BE49-F238E27FC236}">
-                <a16:creationId xmlns:a16="http://schemas.microsoft.com/office/drawing/2014/main" id="{778EFBE4-DF26-4A50-9CB0-4C17EBE5C470}"/>
+                <a16:creationId xmlns:a16="http://schemas.microsoft.com/office/drawing/2014/main" id="{D3A9490D-469C-4BE3-AD4B-3557B36A1CD0}"/>
               </a:ext>
             </a:extLst>
           </p:cNvPr>
@@ -10112,8 +7101,8 @@
         </p:blipFill>
         <p:spPr>
           <a:xfrm>
-            <a:off x="2851150" y="2268141"/>
-            <a:ext cx="6457950" cy="3200400"/>
+            <a:off x="2217737" y="2121238"/>
+            <a:ext cx="7724775" cy="3819525"/>
           </a:xfrm>
           <a:prstGeom prst="rect">
             <a:avLst/>
@@ -10123,7 +7112,7 @@
     </p:spTree>
     <p:extLst>
       <p:ext uri="{BB962C8B-B14F-4D97-AF65-F5344CB8AC3E}">
-        <p14:creationId xmlns:p14="http://schemas.microsoft.com/office/powerpoint/2010/main" val="1225610205"/>
+        <p14:creationId xmlns:p14="http://schemas.microsoft.com/office/powerpoint/2010/main" val="470989815"/>
       </p:ext>
     </p:extLst>
   </p:cSld>
@@ -10168,7 +7157,7 @@
         </p:spPr>
         <p:txBody>
           <a:bodyPr>
-            <a:normAutofit/>
+            <a:normAutofit fontScale="90000"/>
           </a:bodyPr>
           <a:lstStyle/>
           <a:p>
@@ -10197,7 +7186,32 @@
                 <a:latin typeface="Noto Sans CJK KR Black" pitchFamily="34" charset="-127"/>
                 <a:ea typeface="Noto Sans CJK KR Black" pitchFamily="34" charset="-127"/>
               </a:rPr>
-              <a:t>시계열 알고리즘</a:t>
+              <a:t>시계열</a:t>
+            </a:r>
+            <a:br>
+              <a:rPr lang="en-US" altLang="ko-KR" sz="4400" dirty="0">
+                <a:solidFill>
+                  <a:schemeClr val="tx1">
+                    <a:lumMod val="75000"/>
+                    <a:lumOff val="25000"/>
+                  </a:schemeClr>
+                </a:solidFill>
+                <a:latin typeface="Noto Sans CJK KR Black" pitchFamily="34" charset="-127"/>
+                <a:ea typeface="Noto Sans CJK KR Black" pitchFamily="34" charset="-127"/>
+              </a:rPr>
+            </a:br>
+            <a:r>
+              <a:rPr lang="ko-KR" altLang="en-US" sz="4400" dirty="0">
+                <a:solidFill>
+                  <a:schemeClr val="tx1">
+                    <a:lumMod val="75000"/>
+                    <a:lumOff val="25000"/>
+                  </a:schemeClr>
+                </a:solidFill>
+                <a:latin typeface="Noto Sans CJK KR Black" pitchFamily="34" charset="-127"/>
+                <a:ea typeface="Noto Sans CJK KR Black" pitchFamily="34" charset="-127"/>
+              </a:rPr>
+              <a:t>알고리즘</a:t>
             </a:r>
             <a:endParaRPr lang="ko-KR" altLang="en-US" sz="4400" dirty="0">
               <a:solidFill>
@@ -10239,7 +7253,7 @@
           <p:cNvPr id="2" name="그림 1">
             <a:extLst>
               <a:ext uri="{FF2B5EF4-FFF2-40B4-BE49-F238E27FC236}">
-                <a16:creationId xmlns:a16="http://schemas.microsoft.com/office/drawing/2014/main" id="{778CF021-89D3-4555-AF93-29EF819B59BA}"/>
+                <a16:creationId xmlns:a16="http://schemas.microsoft.com/office/drawing/2014/main" id="{8379097C-122C-464E-BF14-13DEA04D17AD}"/>
               </a:ext>
             </a:extLst>
           </p:cNvPr>
@@ -10256,8 +7270,8 @@
         </p:blipFill>
         <p:spPr>
           <a:xfrm>
-            <a:off x="5432053" y="0"/>
-            <a:ext cx="6016377" cy="6840538"/>
+            <a:off x="3127797" y="0"/>
+            <a:ext cx="8663502" cy="6840538"/>
           </a:xfrm>
           <a:prstGeom prst="rect">
             <a:avLst/>
@@ -10267,7 +7281,7 @@
     </p:spTree>
     <p:extLst>
       <p:ext uri="{BB962C8B-B14F-4D97-AF65-F5344CB8AC3E}">
-        <p14:creationId xmlns:p14="http://schemas.microsoft.com/office/powerpoint/2010/main" val="3907102650"/>
+        <p14:creationId xmlns:p14="http://schemas.microsoft.com/office/powerpoint/2010/main" val="3819264211"/>
       </p:ext>
     </p:extLst>
   </p:cSld>
@@ -10380,10 +7394,10 @@
       </p:sp>
       <p:pic>
         <p:nvPicPr>
-          <p:cNvPr id="2" name="그림 1">
+          <p:cNvPr id="4" name="그림 3">
             <a:extLst>
               <a:ext uri="{FF2B5EF4-FFF2-40B4-BE49-F238E27FC236}">
-                <a16:creationId xmlns:a16="http://schemas.microsoft.com/office/drawing/2014/main" id="{0B17A6A7-F5A2-4D11-AB36-B6381C62B4BD}"/>
+                <a16:creationId xmlns:a16="http://schemas.microsoft.com/office/drawing/2014/main" id="{2EBEA68D-CEFA-4C23-B468-3D100608FC46}"/>
               </a:ext>
             </a:extLst>
           </p:cNvPr>
@@ -10400,8 +7414,8 @@
         </p:blipFill>
         <p:spPr>
           <a:xfrm>
-            <a:off x="1770062" y="2124125"/>
-            <a:ext cx="8620125" cy="3057525"/>
+            <a:off x="2246312" y="1515970"/>
+            <a:ext cx="7667625" cy="5038725"/>
           </a:xfrm>
           <a:prstGeom prst="rect">
             <a:avLst/>
@@ -10411,7 +7425,7 @@
     </p:spTree>
     <p:extLst>
       <p:ext uri="{BB962C8B-B14F-4D97-AF65-F5344CB8AC3E}">
-        <p14:creationId xmlns:p14="http://schemas.microsoft.com/office/powerpoint/2010/main" val="1011326395"/>
+        <p14:creationId xmlns:p14="http://schemas.microsoft.com/office/powerpoint/2010/main" val="484783374"/>
       </p:ext>
     </p:extLst>
   </p:cSld>
@@ -10524,10 +7538,10 @@
       </p:sp>
       <p:pic>
         <p:nvPicPr>
-          <p:cNvPr id="2" name="그림 1">
+          <p:cNvPr id="4" name="그림 3">
             <a:extLst>
               <a:ext uri="{FF2B5EF4-FFF2-40B4-BE49-F238E27FC236}">
-                <a16:creationId xmlns:a16="http://schemas.microsoft.com/office/drawing/2014/main" id="{B57389A3-63EE-4929-B9B6-E663C7A546A2}"/>
+                <a16:creationId xmlns:a16="http://schemas.microsoft.com/office/drawing/2014/main" id="{519F4AA2-D2F5-4BCB-89F7-9BC6E0656247}"/>
               </a:ext>
             </a:extLst>
           </p:cNvPr>
@@ -10544,8 +7558,8 @@
         </p:blipFill>
         <p:spPr>
           <a:xfrm>
-            <a:off x="2065337" y="1836093"/>
-            <a:ext cx="8029575" cy="4076700"/>
+            <a:off x="2132012" y="1933948"/>
+            <a:ext cx="7896225" cy="4438650"/>
           </a:xfrm>
           <a:prstGeom prst="rect">
             <a:avLst/>
@@ -10555,7 +7569,7 @@
     </p:spTree>
     <p:extLst>
       <p:ext uri="{BB962C8B-B14F-4D97-AF65-F5344CB8AC3E}">
-        <p14:creationId xmlns:p14="http://schemas.microsoft.com/office/powerpoint/2010/main" val="769741380"/>
+        <p14:creationId xmlns:p14="http://schemas.microsoft.com/office/powerpoint/2010/main" val="2123762484"/>
       </p:ext>
     </p:extLst>
   </p:cSld>
@@ -10668,10 +7682,10 @@
       </p:sp>
       <p:pic>
         <p:nvPicPr>
-          <p:cNvPr id="2" name="그림 1">
+          <p:cNvPr id="4" name="그림 3">
             <a:extLst>
               <a:ext uri="{FF2B5EF4-FFF2-40B4-BE49-F238E27FC236}">
-                <a16:creationId xmlns:a16="http://schemas.microsoft.com/office/drawing/2014/main" id="{CA0803DC-6CE7-4A33-AAEC-56C3FCEF02B9}"/>
+                <a16:creationId xmlns:a16="http://schemas.microsoft.com/office/drawing/2014/main" id="{F83F0543-E70D-4E3F-87EB-43976F79EC05}"/>
               </a:ext>
             </a:extLst>
           </p:cNvPr>
@@ -10688,8 +7702,8 @@
         </p:blipFill>
         <p:spPr>
           <a:xfrm>
-            <a:off x="1951037" y="1665478"/>
-            <a:ext cx="8258175" cy="5076825"/>
+            <a:off x="2074862" y="1567918"/>
+            <a:ext cx="8010525" cy="5172075"/>
           </a:xfrm>
           <a:prstGeom prst="rect">
             <a:avLst/>
@@ -10699,7 +7713,7 @@
     </p:spTree>
     <p:extLst>
       <p:ext uri="{BB962C8B-B14F-4D97-AF65-F5344CB8AC3E}">
-        <p14:creationId xmlns:p14="http://schemas.microsoft.com/office/powerpoint/2010/main" val="2527531930"/>
+        <p14:creationId xmlns:p14="http://schemas.microsoft.com/office/powerpoint/2010/main" val="3174824813"/>
       </p:ext>
     </p:extLst>
   </p:cSld>
@@ -10815,7 +7829,7 @@
           <p:cNvPr id="2" name="그림 1">
             <a:extLst>
               <a:ext uri="{FF2B5EF4-FFF2-40B4-BE49-F238E27FC236}">
-                <a16:creationId xmlns:a16="http://schemas.microsoft.com/office/drawing/2014/main" id="{711F9C50-C913-4363-8940-F9050F5571B4}"/>
+                <a16:creationId xmlns:a16="http://schemas.microsoft.com/office/drawing/2014/main" id="{F6607186-3804-4000-B3E4-3FFB59FEB420}"/>
               </a:ext>
             </a:extLst>
           </p:cNvPr>
@@ -10832,8 +7846,8 @@
         </p:blipFill>
         <p:spPr>
           <a:xfrm>
-            <a:off x="2189162" y="2268141"/>
-            <a:ext cx="7781925" cy="3286125"/>
+            <a:off x="1936750" y="2313168"/>
+            <a:ext cx="8286750" cy="3419475"/>
           </a:xfrm>
           <a:prstGeom prst="rect">
             <a:avLst/>
@@ -10843,7 +7857,7 @@
     </p:spTree>
     <p:extLst>
       <p:ext uri="{BB962C8B-B14F-4D97-AF65-F5344CB8AC3E}">
-        <p14:creationId xmlns:p14="http://schemas.microsoft.com/office/powerpoint/2010/main" val="2143910519"/>
+        <p14:creationId xmlns:p14="http://schemas.microsoft.com/office/powerpoint/2010/main" val="1443725896"/>
       </p:ext>
     </p:extLst>
   </p:cSld>
